--- a/Pre final major Btech project presentation.pptx
+++ b/Pre final major Btech project presentation.pptx
@@ -5,39 +5,37 @@
     <p:sldMasterId id="2147483648" r:id="rId1"/>
   </p:sldMasterIdLst>
   <p:notesMasterIdLst>
-    <p:notesMasterId r:id="rId32"/>
+    <p:notesMasterId r:id="rId30"/>
   </p:notesMasterIdLst>
   <p:sldIdLst>
     <p:sldId id="256" r:id="rId2"/>
     <p:sldId id="257" r:id="rId3"/>
     <p:sldId id="258" r:id="rId4"/>
-    <p:sldId id="304" r:id="rId5"/>
-    <p:sldId id="305" r:id="rId6"/>
-    <p:sldId id="308" r:id="rId7"/>
-    <p:sldId id="309" r:id="rId8"/>
-    <p:sldId id="310" r:id="rId9"/>
-    <p:sldId id="311" r:id="rId10"/>
-    <p:sldId id="312" r:id="rId11"/>
-    <p:sldId id="313" r:id="rId12"/>
-    <p:sldId id="314" r:id="rId13"/>
-    <p:sldId id="315" r:id="rId14"/>
-    <p:sldId id="316" r:id="rId15"/>
-    <p:sldId id="317" r:id="rId16"/>
-    <p:sldId id="318" r:id="rId17"/>
-    <p:sldId id="319" r:id="rId18"/>
-    <p:sldId id="320" r:id="rId19"/>
-    <p:sldId id="321" r:id="rId20"/>
-    <p:sldId id="322" r:id="rId21"/>
-    <p:sldId id="323" r:id="rId22"/>
-    <p:sldId id="324" r:id="rId23"/>
-    <p:sldId id="325" r:id="rId24"/>
-    <p:sldId id="326" r:id="rId25"/>
-    <p:sldId id="327" r:id="rId26"/>
-    <p:sldId id="302" r:id="rId27"/>
-    <p:sldId id="328" r:id="rId28"/>
-    <p:sldId id="329" r:id="rId29"/>
-    <p:sldId id="330" r:id="rId30"/>
-    <p:sldId id="331" r:id="rId31"/>
+    <p:sldId id="308" r:id="rId5"/>
+    <p:sldId id="309" r:id="rId6"/>
+    <p:sldId id="310" r:id="rId7"/>
+    <p:sldId id="311" r:id="rId8"/>
+    <p:sldId id="312" r:id="rId9"/>
+    <p:sldId id="313" r:id="rId10"/>
+    <p:sldId id="314" r:id="rId11"/>
+    <p:sldId id="315" r:id="rId12"/>
+    <p:sldId id="316" r:id="rId13"/>
+    <p:sldId id="317" r:id="rId14"/>
+    <p:sldId id="318" r:id="rId15"/>
+    <p:sldId id="319" r:id="rId16"/>
+    <p:sldId id="320" r:id="rId17"/>
+    <p:sldId id="321" r:id="rId18"/>
+    <p:sldId id="322" r:id="rId19"/>
+    <p:sldId id="323" r:id="rId20"/>
+    <p:sldId id="324" r:id="rId21"/>
+    <p:sldId id="325" r:id="rId22"/>
+    <p:sldId id="326" r:id="rId23"/>
+    <p:sldId id="327" r:id="rId24"/>
+    <p:sldId id="302" r:id="rId25"/>
+    <p:sldId id="328" r:id="rId26"/>
+    <p:sldId id="329" r:id="rId27"/>
+    <p:sldId id="330" r:id="rId28"/>
+    <p:sldId id="331" r:id="rId29"/>
   </p:sldIdLst>
   <p:sldSz cx="9144000" cy="6858000" type="screen4x3"/>
   <p:notesSz cx="6858000" cy="9144000"/>
@@ -1585,7 +1583,7 @@
             <a:fld id="{90173F01-018E-44DD-8CA5-61626393428E}" type="slidenum">
               <a:rPr lang="en-US" smtClean="0"/>
               <a:pPr/>
-              <a:t>6</a:t>
+              <a:t>4</a:t>
             </a:fld>
             <a:endParaRPr lang="en-US"/>
           </a:p>
@@ -1709,7 +1707,7 @@
             <a:fld id="{90173F01-018E-44DD-8CA5-61626393428E}" type="slidenum">
               <a:rPr lang="en-US" smtClean="0"/>
               <a:pPr/>
-              <a:t>18</a:t>
+              <a:t>16</a:t>
             </a:fld>
             <a:endParaRPr lang="en-US"/>
           </a:p>
@@ -5723,13 +5721,7 @@
       </p:grpSpPr>
       <p:sp>
         <p:nvSpPr>
-          <p:cNvPr id="2" name="Title 1">
-            <a:extLst>
-              <a:ext uri="{FF2B5EF4-FFF2-40B4-BE49-F238E27FC236}">
-                <a16:creationId xmlns:a16="http://schemas.microsoft.com/office/drawing/2014/main" id="{76C4E71F-B0AE-4C19-84E6-CF97090FB59E}"/>
-              </a:ext>
-            </a:extLst>
-          </p:cNvPr>
+          <p:cNvPr id="2" name="Title 1"/>
           <p:cNvSpPr>
             <a:spLocks noGrp="1"/>
           </p:cNvSpPr>
@@ -5737,7 +5729,12 @@
             <p:ph type="title"/>
           </p:nvPr>
         </p:nvSpPr>
-        <p:spPr/>
+        <p:spPr>
+          <a:xfrm>
+            <a:off x="533400" y="762000"/>
+            <a:ext cx="6856413" cy="579437"/>
+          </a:xfrm>
+        </p:spPr>
         <p:txBody>
           <a:bodyPr/>
           <a:lstStyle/>
@@ -5745,21 +5742,14 @@
             <a:pPr algn="just"/>
             <a:r>
               <a:rPr lang="en-US" dirty="0"/>
-              <a:t>System Model</a:t>
-            </a:r>
-            <a:endParaRPr lang="en-IN" dirty="0"/>
+              <a:t>JURAS Scheme for MU-MIMO</a:t>
+            </a:r>
           </a:p>
         </p:txBody>
       </p:sp>
       <p:sp>
         <p:nvSpPr>
-          <p:cNvPr id="3" name="Content Placeholder 2">
-            <a:extLst>
-              <a:ext uri="{FF2B5EF4-FFF2-40B4-BE49-F238E27FC236}">
-                <a16:creationId xmlns:a16="http://schemas.microsoft.com/office/drawing/2014/main" id="{F3EAEEE4-84CB-4D53-BD7E-35808338701B}"/>
-              </a:ext>
-            </a:extLst>
-          </p:cNvPr>
+          <p:cNvPr id="3" name="Content Placeholder 2"/>
           <p:cNvSpPr>
             <a:spLocks noGrp="1"/>
           </p:cNvSpPr>
@@ -5770,12 +5760,42 @@
         <p:spPr>
           <a:xfrm>
             <a:off x="533400" y="1371600"/>
-            <a:ext cx="8610600" cy="4953000"/>
+            <a:ext cx="8458200" cy="4722813"/>
           </a:xfrm>
         </p:spPr>
         <p:txBody>
           <a:bodyPr/>
           <a:lstStyle/>
+          <a:p>
+            <a:pPr algn="just">
+              <a:lnSpc>
+                <a:spcPct val="150000"/>
+              </a:lnSpc>
+              <a:buFont typeface="Wingdings" panose="05000000000000000000" pitchFamily="2" charset="2"/>
+              <a:buChar char="q"/>
+            </a:pPr>
+            <a:r>
+              <a:rPr lang="en-GB" sz="2400" b="1" dirty="0">
+                <a:solidFill>
+                  <a:schemeClr val="tx1"/>
+                </a:solidFill>
+              </a:rPr>
+              <a:t>JURAS means the joint user and receive antenna selection scheme </a:t>
+            </a:r>
+            <a:r>
+              <a:rPr lang="en-GB" sz="2400" dirty="0">
+                <a:solidFill>
+                  <a:schemeClr val="tx1"/>
+                </a:solidFill>
+              </a:rPr>
+              <a:t>which is being implemented in this project using two suboptimal algorithms.</a:t>
+            </a:r>
+            <a:endParaRPr lang="en-GB" sz="2400" b="1" dirty="0">
+              <a:solidFill>
+                <a:schemeClr val="tx1"/>
+              </a:solidFill>
+            </a:endParaRPr>
+          </a:p>
           <a:p>
             <a:pPr marL="457200" indent="-457200" algn="just">
               <a:lnSpc>
@@ -5785,26 +5805,58 @@
               <a:buChar char="q"/>
             </a:pPr>
             <a:r>
-              <a:rPr lang="en-IN" altLang="en-US" sz="2400" dirty="0">
-                <a:cs typeface="Times New Roman" panose="02020603050405020304" pitchFamily="18" charset="0"/>
-              </a:rPr>
-              <a:t>Our </a:t>
-            </a:r>
-            <a:r>
-              <a:rPr lang="en-IN" altLang="en-US" sz="2400" b="1" dirty="0">
+              <a:rPr lang="en-GB" sz="2000" b="1" dirty="0">
                 <a:solidFill>
                   <a:schemeClr val="tx1"/>
                 </a:solidFill>
-                <a:cs typeface="Times New Roman" panose="02020603050405020304" pitchFamily="18" charset="0"/>
-              </a:rPr>
-              <a:t>objective function i.e. sum capacity </a:t>
-            </a:r>
-            <a:r>
-              <a:rPr lang="en-IN" altLang="en-US" sz="2400" dirty="0">
-                <a:cs typeface="Times New Roman" panose="02020603050405020304" pitchFamily="18" charset="0"/>
-              </a:rPr>
-              <a:t>is dependent on the SLNR based precoding matrix which has been given in next slides.</a:t>
-            </a:r>
+              </a:rPr>
+              <a:t>Suboptimal algorithm-1 </a:t>
+            </a:r>
+            <a:r>
+              <a:rPr lang="en-GB" sz="2000" dirty="0">
+                <a:solidFill>
+                  <a:schemeClr val="tx1"/>
+                </a:solidFill>
+              </a:rPr>
+              <a:t>works by updating the user’s precoding matrices and evaluate sum capacity(</a:t>
+            </a:r>
+            <a:r>
+              <a:rPr lang="en-GB" sz="2000" b="1" dirty="0">
+                <a:solidFill>
+                  <a:schemeClr val="tx1"/>
+                </a:solidFill>
+              </a:rPr>
+              <a:t>time</a:t>
+            </a:r>
+            <a:r>
+              <a:rPr lang="en-GB" sz="2000" dirty="0">
+                <a:solidFill>
+                  <a:schemeClr val="tx1"/>
+                </a:solidFill>
+              </a:rPr>
+              <a:t> </a:t>
+            </a:r>
+            <a:r>
+              <a:rPr lang="en-GB" sz="2000" b="1" dirty="0">
+                <a:solidFill>
+                  <a:schemeClr val="tx1"/>
+                </a:solidFill>
+              </a:rPr>
+              <a:t>complexity is somewhat more</a:t>
+            </a:r>
+            <a:r>
+              <a:rPr lang="en-GB" sz="2000" dirty="0">
+                <a:solidFill>
+                  <a:schemeClr val="tx1"/>
+                </a:solidFill>
+              </a:rPr>
+              <a:t>).</a:t>
+            </a:r>
+            <a:endParaRPr lang="en-GB" sz="2000" dirty="0">
+              <a:solidFill>
+                <a:srgbClr val="C00000"/>
+              </a:solidFill>
+            </a:endParaRPr>
           </a:p>
           <a:p>
             <a:pPr marL="457200" indent="-457200" algn="just">
@@ -5814,78 +5866,77 @@
               <a:buFont typeface="Wingdings" panose="05000000000000000000" pitchFamily="2" charset="2"/>
               <a:buChar char="q"/>
             </a:pPr>
-            <a:endParaRPr lang="en-IN" altLang="en-US" sz="2400" dirty="0">
-              <a:cs typeface="Times New Roman" panose="02020603050405020304" pitchFamily="18" charset="0"/>
+            <a:r>
+              <a:rPr lang="en-GB" sz="2000" b="1" dirty="0">
+                <a:solidFill>
+                  <a:schemeClr val="tx1"/>
+                </a:solidFill>
+              </a:rPr>
+              <a:t>Suboptimal algorithm-2  </a:t>
+            </a:r>
+            <a:r>
+              <a:rPr lang="en-GB" sz="2000" dirty="0">
+                <a:solidFill>
+                  <a:schemeClr val="tx1"/>
+                </a:solidFill>
+              </a:rPr>
+              <a:t>works by considering each receiving antenna as a single user during user selection process and then computes the precoding matrices used for data transmission (</a:t>
+            </a:r>
+            <a:r>
+              <a:rPr lang="en-GB" sz="2000" b="1" dirty="0">
+                <a:solidFill>
+                  <a:schemeClr val="tx1"/>
+                </a:solidFill>
+              </a:rPr>
+              <a:t>time</a:t>
+            </a:r>
+            <a:r>
+              <a:rPr lang="en-GB" sz="2000" dirty="0">
+                <a:solidFill>
+                  <a:schemeClr val="tx1"/>
+                </a:solidFill>
+              </a:rPr>
+              <a:t> </a:t>
+            </a:r>
+            <a:r>
+              <a:rPr lang="en-GB" sz="2000" b="1" dirty="0">
+                <a:solidFill>
+                  <a:schemeClr val="tx1"/>
+                </a:solidFill>
+              </a:rPr>
+              <a:t>complexity is reduced </a:t>
+            </a:r>
+            <a:r>
+              <a:rPr lang="en-GB" sz="2000" dirty="0">
+                <a:solidFill>
+                  <a:schemeClr val="tx1"/>
+                </a:solidFill>
+              </a:rPr>
+              <a:t>) .</a:t>
+            </a:r>
+            <a:endParaRPr lang="en-US" sz="2000" dirty="0">
+              <a:solidFill>
+                <a:schemeClr val="tx1"/>
+              </a:solidFill>
             </a:endParaRPr>
           </a:p>
           <a:p>
-            <a:pPr marL="457200" indent="-457200" algn="just">
+            <a:pPr algn="just">
               <a:lnSpc>
                 <a:spcPct val="150000"/>
               </a:lnSpc>
               <a:buFont typeface="Wingdings" panose="05000000000000000000" pitchFamily="2" charset="2"/>
               <a:buChar char="q"/>
             </a:pPr>
-            <a:r>
-              <a:rPr lang="en-IN" altLang="en-US" sz="2400" dirty="0">
-                <a:cs typeface="Times New Roman" panose="02020603050405020304" pitchFamily="18" charset="0"/>
-              </a:rPr>
-              <a:t>We will assume </a:t>
-            </a:r>
-            <a:r>
-              <a:rPr lang="en-IN" altLang="en-US" sz="2400" b="1" dirty="0">
-                <a:solidFill>
-                  <a:schemeClr val="tx1"/>
-                </a:solidFill>
-                <a:cs typeface="Times New Roman" panose="02020603050405020304" pitchFamily="18" charset="0"/>
-              </a:rPr>
-              <a:t>equal power per data stream power </a:t>
-            </a:r>
-            <a:r>
-              <a:rPr lang="en-IN" altLang="en-US" sz="2400" b="1" dirty="0">
-                <a:cs typeface="Times New Roman" panose="02020603050405020304" pitchFamily="18" charset="0"/>
-              </a:rPr>
-              <a:t>scheme </a:t>
-            </a:r>
-            <a:r>
-              <a:rPr lang="en-IN" altLang="en-US" sz="2400" dirty="0">
-                <a:cs typeface="Times New Roman" panose="02020603050405020304" pitchFamily="18" charset="0"/>
-              </a:rPr>
-              <a:t>while calculating the </a:t>
-            </a:r>
-            <a:r>
-              <a:rPr lang="en-IN" altLang="en-US" sz="2400" b="1" dirty="0">
-                <a:cs typeface="Times New Roman" panose="02020603050405020304" pitchFamily="18" charset="0"/>
-              </a:rPr>
-              <a:t>SINR</a:t>
-            </a:r>
-            <a:r>
-              <a:rPr lang="en-IN" altLang="en-US" sz="2400" dirty="0">
-                <a:cs typeface="Times New Roman" panose="02020603050405020304" pitchFamily="18" charset="0"/>
-              </a:rPr>
-              <a:t> for the system (</a:t>
-            </a:r>
-            <a:r>
-              <a:rPr lang="en-IN" altLang="en-US" sz="2400" b="1" dirty="0">
-                <a:cs typeface="Times New Roman" panose="02020603050405020304" pitchFamily="18" charset="0"/>
-              </a:rPr>
-              <a:t>EPS</a:t>
-            </a:r>
-            <a:r>
-              <a:rPr lang="en-IN" altLang="en-US" sz="2400" dirty="0">
-                <a:cs typeface="Times New Roman" panose="02020603050405020304" pitchFamily="18" charset="0"/>
-              </a:rPr>
-              <a:t> ).</a:t>
-            </a:r>
+            <a:endParaRPr lang="en-GB" sz="2000" dirty="0">
+              <a:solidFill>
+                <a:schemeClr val="tx1"/>
+              </a:solidFill>
+            </a:endParaRPr>
           </a:p>
         </p:txBody>
       </p:sp>
     </p:spTree>
-    <p:extLst>
-      <p:ext uri="{BB962C8B-B14F-4D97-AF65-F5344CB8AC3E}">
-        <p14:creationId xmlns:p14="http://schemas.microsoft.com/office/powerpoint/2010/main" val="216802201"/>
-      </p:ext>
-    </p:extLst>
   </p:cSld>
   <p:clrMapOvr>
     <a:masterClrMapping/>
@@ -5912,13 +5963,7 @@
       </p:grpSpPr>
       <p:sp>
         <p:nvSpPr>
-          <p:cNvPr id="2" name="Title 1">
-            <a:extLst>
-              <a:ext uri="{FF2B5EF4-FFF2-40B4-BE49-F238E27FC236}">
-                <a16:creationId xmlns:a16="http://schemas.microsoft.com/office/drawing/2014/main" id="{76C4E71F-B0AE-4C19-84E6-CF97090FB59E}"/>
-              </a:ext>
-            </a:extLst>
-          </p:cNvPr>
+          <p:cNvPr id="2" name="Title 1"/>
           <p:cNvSpPr>
             <a:spLocks noGrp="1"/>
           </p:cNvSpPr>
@@ -5926,1254 +5971,118 @@
             <p:ph type="title"/>
           </p:nvPr>
         </p:nvSpPr>
-        <p:spPr/>
+        <p:spPr>
+          <a:xfrm>
+            <a:off x="533400" y="762000"/>
+            <a:ext cx="4265613" cy="579437"/>
+          </a:xfrm>
+        </p:spPr>
         <p:txBody>
           <a:bodyPr/>
           <a:lstStyle/>
           <a:p>
-            <a:pPr algn="l"/>
+            <a:pPr algn="just"/>
             <a:r>
               <a:rPr lang="en-US" dirty="0"/>
-              <a:t>System Model</a:t>
-            </a:r>
-            <a:endParaRPr lang="en-IN" dirty="0"/>
+              <a:t>Suboptimal Algorithms</a:t>
+            </a:r>
           </a:p>
         </p:txBody>
       </p:sp>
-      <mc:AlternateContent xmlns:mc="http://schemas.openxmlformats.org/markup-compatibility/2006" xmlns:a14="http://schemas.microsoft.com/office/drawing/2010/main">
-        <mc:Choice Requires="a14">
-          <p:sp>
-            <p:nvSpPr>
-              <p:cNvPr id="3" name="Content Placeholder 2">
-                <a:extLst>
-                  <a:ext uri="{FF2B5EF4-FFF2-40B4-BE49-F238E27FC236}">
-                    <a16:creationId xmlns:a16="http://schemas.microsoft.com/office/drawing/2014/main" id="{F3EAEEE4-84CB-4D53-BD7E-35808338701B}"/>
-                  </a:ext>
-                </a:extLst>
-              </p:cNvPr>
-              <p:cNvSpPr>
-                <a:spLocks noGrp="1"/>
-              </p:cNvSpPr>
-              <p:nvPr>
-                <p:ph idx="1"/>
-              </p:nvPr>
-            </p:nvSpPr>
-            <p:spPr>
-              <a:xfrm>
-                <a:off x="533400" y="1371600"/>
-                <a:ext cx="8610600" cy="4722813"/>
-              </a:xfrm>
-            </p:spPr>
-            <p:txBody>
-              <a:bodyPr/>
-              <a:lstStyle/>
-              <a:p>
-                <a:pPr marL="457200" indent="-457200" algn="just">
-                  <a:lnSpc>
-                    <a:spcPct val="150000"/>
-                  </a:lnSpc>
-                  <a:buFont typeface="Wingdings" panose="05000000000000000000" pitchFamily="2" charset="2"/>
-                  <a:buChar char="q"/>
-                </a:pPr>
-                <a:r>
-                  <a:rPr lang="en-IN" sz="2400" dirty="0">
-                    <a:latin typeface="Times New Roman" pitchFamily="16" charset="0"/>
-                    <a:cs typeface="Times New Roman" pitchFamily="16" charset="0"/>
-                  </a:rPr>
-                  <a:t>The </a:t>
-                </a:r>
-                <a:r>
-                  <a:rPr lang="en-IN" sz="2400" b="1" dirty="0">
-                    <a:solidFill>
-                      <a:schemeClr val="tx1"/>
-                    </a:solidFill>
-                    <a:latin typeface="Times New Roman" pitchFamily="16" charset="0"/>
-                    <a:cs typeface="Times New Roman" pitchFamily="16" charset="0"/>
-                  </a:rPr>
-                  <a:t>received signal </a:t>
-                </a:r>
-                <a:r>
-                  <a:rPr lang="en-IN" sz="2400" dirty="0">
-                    <a:latin typeface="Times New Roman" pitchFamily="16" charset="0"/>
-                    <a:cs typeface="Times New Roman" pitchFamily="16" charset="0"/>
-                  </a:rPr>
-                  <a:t>at the mobile station is given as,</a:t>
-                </a:r>
-              </a:p>
-              <a:p>
-                <a:pPr marL="0" indent="0" algn="just"/>
-                <a14:m>
-                  <m:oMathPara xmlns:m="http://schemas.openxmlformats.org/officeDocument/2006/math">
-                    <m:oMathParaPr>
-                      <m:jc m:val="centerGroup"/>
-                    </m:oMathParaPr>
-                    <m:oMath xmlns:m="http://schemas.openxmlformats.org/officeDocument/2006/math">
-                      <m:sSub>
-                        <m:sSubPr>
-                          <m:ctrlPr>
-                            <a:rPr lang="en-IN" sz="2800" b="1" i="1" smtClean="0">
-                              <a:solidFill>
-                                <a:schemeClr val="tx1"/>
-                              </a:solidFill>
-                              <a:effectLst/>
-                              <a:latin typeface="Cambria Math" panose="02040503050406030204" pitchFamily="18" charset="0"/>
-                              <a:ea typeface="Times New Roman" panose="02020603050405020304" pitchFamily="18" charset="0"/>
-                              <a:cs typeface="Arial" panose="020B0604020202020204" pitchFamily="34" charset="0"/>
-                            </a:rPr>
-                          </m:ctrlPr>
-                        </m:sSubPr>
-                        <m:e>
-                          <m:r>
-                            <a:rPr lang="en-IN" sz="2800" b="1" i="0" smtClean="0">
-                              <a:solidFill>
-                                <a:schemeClr val="tx1"/>
-                              </a:solidFill>
-                              <a:effectLst/>
-                              <a:latin typeface="Cambria Math" panose="02040503050406030204" pitchFamily="18" charset="0"/>
-                              <a:ea typeface="Times New Roman" panose="02020603050405020304" pitchFamily="18" charset="0"/>
-                              <a:cs typeface="Arial" panose="020B0604020202020204" pitchFamily="34" charset="0"/>
-                            </a:rPr>
-                            <m:t>       </m:t>
-                          </m:r>
-                          <m:r>
-                            <a:rPr lang="en-IN" sz="2800" b="1" i="0">
-                              <a:solidFill>
-                                <a:schemeClr val="tx1"/>
-                              </a:solidFill>
-                              <a:effectLst/>
-                              <a:latin typeface="Cambria Math" panose="02040503050406030204" pitchFamily="18" charset="0"/>
-                              <a:ea typeface="Times New Roman" panose="02020603050405020304" pitchFamily="18" charset="0"/>
-                              <a:cs typeface="Arial" panose="020B0604020202020204" pitchFamily="34" charset="0"/>
-                            </a:rPr>
-                            <m:t>𝐲</m:t>
-                          </m:r>
-                        </m:e>
-                        <m:sub>
-                          <m:r>
-                            <a:rPr lang="en-IN" sz="2800" b="1" i="0">
-                              <a:solidFill>
-                                <a:schemeClr val="tx1"/>
-                              </a:solidFill>
-                              <a:effectLst/>
-                              <a:latin typeface="Cambria Math" panose="02040503050406030204" pitchFamily="18" charset="0"/>
-                              <a:ea typeface="Times New Roman" panose="02020603050405020304" pitchFamily="18" charset="0"/>
-                              <a:cs typeface="Arial" panose="020B0604020202020204" pitchFamily="34" charset="0"/>
-                            </a:rPr>
-                            <m:t>𝐣</m:t>
-                          </m:r>
-                        </m:sub>
-                      </m:sSub>
-                      <m:r>
-                        <a:rPr lang="en-IN" sz="2800" b="1" i="0">
-                          <a:solidFill>
-                            <a:schemeClr val="tx1"/>
-                          </a:solidFill>
-                          <a:effectLst/>
-                          <a:latin typeface="Cambria Math" panose="02040503050406030204" pitchFamily="18" charset="0"/>
-                          <a:ea typeface="Times New Roman" panose="02020603050405020304" pitchFamily="18" charset="0"/>
-                          <a:cs typeface="Arial" panose="020B0604020202020204" pitchFamily="34" charset="0"/>
-                        </a:rPr>
-                        <m:t>=</m:t>
-                      </m:r>
-                      <m:sSub>
-                        <m:sSubPr>
-                          <m:ctrlPr>
-                            <a:rPr lang="en-IN" sz="2800" b="1" i="1">
-                              <a:solidFill>
-                                <a:schemeClr val="tx1"/>
-                              </a:solidFill>
-                              <a:effectLst/>
-                              <a:latin typeface="Cambria Math" panose="02040503050406030204" pitchFamily="18" charset="0"/>
-                              <a:ea typeface="Times New Roman" panose="02020603050405020304" pitchFamily="18" charset="0"/>
-                              <a:cs typeface="Arial" panose="020B0604020202020204" pitchFamily="34" charset="0"/>
-                            </a:rPr>
-                          </m:ctrlPr>
-                        </m:sSubPr>
-                        <m:e>
-                          <m:r>
-                            <a:rPr lang="en-IN" sz="2800" b="1" i="0">
-                              <a:solidFill>
-                                <a:schemeClr val="tx1"/>
-                              </a:solidFill>
-                              <a:effectLst/>
-                              <a:latin typeface="Cambria Math" panose="02040503050406030204" pitchFamily="18" charset="0"/>
-                              <a:ea typeface="Times New Roman" panose="02020603050405020304" pitchFamily="18" charset="0"/>
-                              <a:cs typeface="Arial" panose="020B0604020202020204" pitchFamily="34" charset="0"/>
-                            </a:rPr>
-                            <m:t>𝐇</m:t>
-                          </m:r>
-                        </m:e>
-                        <m:sub>
-                          <m:r>
-                            <a:rPr lang="en-IN" sz="2800" b="1" i="0">
-                              <a:solidFill>
-                                <a:schemeClr val="tx1"/>
-                              </a:solidFill>
-                              <a:effectLst/>
-                              <a:latin typeface="Cambria Math" panose="02040503050406030204" pitchFamily="18" charset="0"/>
-                              <a:ea typeface="Times New Roman" panose="02020603050405020304" pitchFamily="18" charset="0"/>
-                              <a:cs typeface="Arial" panose="020B0604020202020204" pitchFamily="34" charset="0"/>
-                            </a:rPr>
-                            <m:t>𝐣</m:t>
-                          </m:r>
-                        </m:sub>
-                      </m:sSub>
-                      <m:sSub>
-                        <m:sSubPr>
-                          <m:ctrlPr>
-                            <a:rPr lang="en-IN" sz="2800" b="1" i="1">
-                              <a:solidFill>
-                                <a:schemeClr val="tx1"/>
-                              </a:solidFill>
-                              <a:effectLst/>
-                              <a:latin typeface="Cambria Math" panose="02040503050406030204" pitchFamily="18" charset="0"/>
-                              <a:ea typeface="Times New Roman" panose="02020603050405020304" pitchFamily="18" charset="0"/>
-                              <a:cs typeface="Arial" panose="020B0604020202020204" pitchFamily="34" charset="0"/>
-                            </a:rPr>
-                          </m:ctrlPr>
-                        </m:sSubPr>
-                        <m:e>
-                          <m:r>
-                            <a:rPr lang="en-IN" sz="2800" b="1" i="0">
-                              <a:solidFill>
-                                <a:schemeClr val="tx1"/>
-                              </a:solidFill>
-                              <a:effectLst/>
-                              <a:latin typeface="Cambria Math" panose="02040503050406030204" pitchFamily="18" charset="0"/>
-                              <a:ea typeface="Times New Roman" panose="02020603050405020304" pitchFamily="18" charset="0"/>
-                              <a:cs typeface="Arial" panose="020B0604020202020204" pitchFamily="34" charset="0"/>
-                            </a:rPr>
-                            <m:t>𝐖</m:t>
-                          </m:r>
-                        </m:e>
-                        <m:sub>
-                          <m:r>
-                            <a:rPr lang="en-IN" sz="2800" b="1" i="0">
-                              <a:solidFill>
-                                <a:schemeClr val="tx1"/>
-                              </a:solidFill>
-                              <a:effectLst/>
-                              <a:latin typeface="Cambria Math" panose="02040503050406030204" pitchFamily="18" charset="0"/>
-                              <a:ea typeface="Times New Roman" panose="02020603050405020304" pitchFamily="18" charset="0"/>
-                              <a:cs typeface="Arial" panose="020B0604020202020204" pitchFamily="34" charset="0"/>
-                            </a:rPr>
-                            <m:t>𝐣</m:t>
-                          </m:r>
-                        </m:sub>
-                      </m:sSub>
-                      <m:sSub>
-                        <m:sSubPr>
-                          <m:ctrlPr>
-                            <a:rPr lang="en-IN" sz="2800" b="1" i="1">
-                              <a:solidFill>
-                                <a:schemeClr val="tx1"/>
-                              </a:solidFill>
-                              <a:effectLst/>
-                              <a:latin typeface="Cambria Math" panose="02040503050406030204" pitchFamily="18" charset="0"/>
-                              <a:ea typeface="Times New Roman" panose="02020603050405020304" pitchFamily="18" charset="0"/>
-                              <a:cs typeface="Arial" panose="020B0604020202020204" pitchFamily="34" charset="0"/>
-                            </a:rPr>
-                          </m:ctrlPr>
-                        </m:sSubPr>
-                        <m:e>
-                          <m:r>
-                            <a:rPr lang="en-IN" sz="2800" b="1" i="0">
-                              <a:solidFill>
-                                <a:schemeClr val="tx1"/>
-                              </a:solidFill>
-                              <a:effectLst/>
-                              <a:latin typeface="Cambria Math" panose="02040503050406030204" pitchFamily="18" charset="0"/>
-                              <a:ea typeface="Times New Roman" panose="02020603050405020304" pitchFamily="18" charset="0"/>
-                              <a:cs typeface="Arial" panose="020B0604020202020204" pitchFamily="34" charset="0"/>
-                            </a:rPr>
-                            <m:t>𝐬</m:t>
-                          </m:r>
-                        </m:e>
-                        <m:sub>
-                          <m:r>
-                            <a:rPr lang="en-IN" sz="2800" b="1" i="0">
-                              <a:solidFill>
-                                <a:schemeClr val="tx1"/>
-                              </a:solidFill>
-                              <a:effectLst/>
-                              <a:latin typeface="Cambria Math" panose="02040503050406030204" pitchFamily="18" charset="0"/>
-                              <a:ea typeface="Times New Roman" panose="02020603050405020304" pitchFamily="18" charset="0"/>
-                              <a:cs typeface="Arial" panose="020B0604020202020204" pitchFamily="34" charset="0"/>
-                            </a:rPr>
-                            <m:t>𝐣</m:t>
-                          </m:r>
-                        </m:sub>
-                      </m:sSub>
-                      <m:r>
-                        <a:rPr lang="en-IN" sz="2800" b="1" i="0">
-                          <a:solidFill>
-                            <a:schemeClr val="tx1"/>
-                          </a:solidFill>
-                          <a:effectLst/>
-                          <a:latin typeface="Cambria Math" panose="02040503050406030204" pitchFamily="18" charset="0"/>
-                          <a:ea typeface="Times New Roman" panose="02020603050405020304" pitchFamily="18" charset="0"/>
-                          <a:cs typeface="Arial" panose="020B0604020202020204" pitchFamily="34" charset="0"/>
-                        </a:rPr>
-                        <m:t>+</m:t>
-                      </m:r>
-                      <m:sSub>
-                        <m:sSubPr>
-                          <m:ctrlPr>
-                            <a:rPr lang="en-IN" sz="2800" b="1" i="1">
-                              <a:solidFill>
-                                <a:schemeClr val="tx1"/>
-                              </a:solidFill>
-                              <a:effectLst/>
-                              <a:latin typeface="Cambria Math" panose="02040503050406030204" pitchFamily="18" charset="0"/>
-                              <a:ea typeface="Times New Roman" panose="02020603050405020304" pitchFamily="18" charset="0"/>
-                              <a:cs typeface="Arial" panose="020B0604020202020204" pitchFamily="34" charset="0"/>
-                            </a:rPr>
-                          </m:ctrlPr>
-                        </m:sSubPr>
-                        <m:e>
-                          <m:r>
-                            <a:rPr lang="en-IN" sz="2800" b="1" i="0">
-                              <a:solidFill>
-                                <a:schemeClr val="tx1"/>
-                              </a:solidFill>
-                              <a:effectLst/>
-                              <a:latin typeface="Cambria Math" panose="02040503050406030204" pitchFamily="18" charset="0"/>
-                              <a:ea typeface="Times New Roman" panose="02020603050405020304" pitchFamily="18" charset="0"/>
-                              <a:cs typeface="Arial" panose="020B0604020202020204" pitchFamily="34" charset="0"/>
-                            </a:rPr>
-                            <m:t>𝐇</m:t>
-                          </m:r>
-                        </m:e>
-                        <m:sub>
-                          <m:r>
-                            <a:rPr lang="en-IN" sz="2800" b="1" i="0">
-                              <a:solidFill>
-                                <a:schemeClr val="tx1"/>
-                              </a:solidFill>
-                              <a:effectLst/>
-                              <a:latin typeface="Cambria Math" panose="02040503050406030204" pitchFamily="18" charset="0"/>
-                              <a:ea typeface="Times New Roman" panose="02020603050405020304" pitchFamily="18" charset="0"/>
-                              <a:cs typeface="Arial" panose="020B0604020202020204" pitchFamily="34" charset="0"/>
-                            </a:rPr>
-                            <m:t>𝐣</m:t>
-                          </m:r>
-                        </m:sub>
-                      </m:sSub>
-                      <m:nary>
-                        <m:naryPr>
-                          <m:chr m:val="∑"/>
-                          <m:limLoc m:val="undOvr"/>
-                          <m:grow m:val="on"/>
-                          <m:supHide m:val="on"/>
-                          <m:ctrlPr>
-                            <a:rPr lang="en-IN" sz="2800" b="1" i="1">
-                              <a:solidFill>
-                                <a:schemeClr val="tx1"/>
-                              </a:solidFill>
-                              <a:effectLst/>
-                              <a:latin typeface="Cambria Math" panose="02040503050406030204" pitchFamily="18" charset="0"/>
-                              <a:ea typeface="Times New Roman" panose="02020603050405020304" pitchFamily="18" charset="0"/>
-                              <a:cs typeface="Arial" panose="020B0604020202020204" pitchFamily="34" charset="0"/>
-                            </a:rPr>
-                          </m:ctrlPr>
-                        </m:naryPr>
-                        <m:sub>
-                          <m:r>
-                            <a:rPr lang="en-IN" sz="2800" b="1" i="0">
-                              <a:solidFill>
-                                <a:schemeClr val="tx1"/>
-                              </a:solidFill>
-                              <a:effectLst/>
-                              <a:latin typeface="Cambria Math" panose="02040503050406030204" pitchFamily="18" charset="0"/>
-                              <a:ea typeface="Times New Roman" panose="02020603050405020304" pitchFamily="18" charset="0"/>
-                              <a:cs typeface="Arial" panose="020B0604020202020204" pitchFamily="34" charset="0"/>
-                            </a:rPr>
-                            <m:t>𝐤</m:t>
-                          </m:r>
-                          <m:r>
-                            <a:rPr lang="en-IN" sz="2800" b="1" i="0">
-                              <a:solidFill>
-                                <a:schemeClr val="tx1"/>
-                              </a:solidFill>
-                              <a:effectLst/>
-                              <a:latin typeface="Cambria Math" panose="02040503050406030204" pitchFamily="18" charset="0"/>
-                              <a:ea typeface="Times New Roman" panose="02020603050405020304" pitchFamily="18" charset="0"/>
-                              <a:cs typeface="Arial" panose="020B0604020202020204" pitchFamily="34" charset="0"/>
-                            </a:rPr>
-                            <m:t>∈</m:t>
-                          </m:r>
-                          <m:sSub>
-                            <m:sSubPr>
-                              <m:ctrlPr>
-                                <a:rPr lang="en-IN" sz="2800" b="1" i="1">
-                                  <a:solidFill>
-                                    <a:schemeClr val="tx1"/>
-                                  </a:solidFill>
-                                  <a:effectLst/>
-                                  <a:latin typeface="Cambria Math" panose="02040503050406030204" pitchFamily="18" charset="0"/>
-                                  <a:ea typeface="Times New Roman" panose="02020603050405020304" pitchFamily="18" charset="0"/>
-                                  <a:cs typeface="Arial" panose="020B0604020202020204" pitchFamily="34" charset="0"/>
-                                </a:rPr>
-                              </m:ctrlPr>
-                            </m:sSubPr>
-                            <m:e>
-                              <m:r>
-                                <a:rPr lang="en-IN" sz="2800" b="1" i="0">
-                                  <a:solidFill>
-                                    <a:schemeClr val="tx1"/>
-                                  </a:solidFill>
-                                  <a:effectLst/>
-                                  <a:latin typeface="Cambria Math" panose="02040503050406030204" pitchFamily="18" charset="0"/>
-                                  <a:ea typeface="Times New Roman" panose="02020603050405020304" pitchFamily="18" charset="0"/>
-                                  <a:cs typeface="Arial" panose="020B0604020202020204" pitchFamily="34" charset="0"/>
-                                </a:rPr>
-                                <m:t>𝐔</m:t>
-                              </m:r>
-                            </m:e>
-                            <m:sub>
-                              <m:r>
-                                <a:rPr lang="en-IN" sz="2800" b="1" i="0">
-                                  <a:solidFill>
-                                    <a:schemeClr val="tx1"/>
-                                  </a:solidFill>
-                                  <a:effectLst/>
-                                  <a:latin typeface="Cambria Math" panose="02040503050406030204" pitchFamily="18" charset="0"/>
-                                  <a:ea typeface="Times New Roman" panose="02020603050405020304" pitchFamily="18" charset="0"/>
-                                  <a:cs typeface="Arial" panose="020B0604020202020204" pitchFamily="34" charset="0"/>
-                                </a:rPr>
-                                <m:t>𝐢</m:t>
-                              </m:r>
-                            </m:sub>
-                          </m:sSub>
-                          <m:r>
-                            <a:rPr lang="en-IN" sz="2800" b="1" i="0">
-                              <a:solidFill>
-                                <a:schemeClr val="tx1"/>
-                              </a:solidFill>
-                              <a:effectLst/>
-                              <a:latin typeface="Cambria Math" panose="02040503050406030204" pitchFamily="18" charset="0"/>
-                              <a:ea typeface="Times New Roman" panose="02020603050405020304" pitchFamily="18" charset="0"/>
-                              <a:cs typeface="Arial" panose="020B0604020202020204" pitchFamily="34" charset="0"/>
-                            </a:rPr>
-                            <m:t>𝐤</m:t>
-                          </m:r>
-                          <m:r>
-                            <a:rPr lang="en-IN" sz="2800" b="1" i="0">
-                              <a:solidFill>
-                                <a:schemeClr val="tx1"/>
-                              </a:solidFill>
-                              <a:effectLst/>
-                              <a:latin typeface="Cambria Math" panose="02040503050406030204" pitchFamily="18" charset="0"/>
-                              <a:ea typeface="Times New Roman" panose="02020603050405020304" pitchFamily="18" charset="0"/>
-                              <a:cs typeface="Arial" panose="020B0604020202020204" pitchFamily="34" charset="0"/>
-                            </a:rPr>
-                            <m:t>≠</m:t>
-                          </m:r>
-                          <m:r>
-                            <a:rPr lang="en-IN" sz="2800" b="1" i="0">
-                              <a:solidFill>
-                                <a:schemeClr val="tx1"/>
-                              </a:solidFill>
-                              <a:effectLst/>
-                              <a:latin typeface="Cambria Math" panose="02040503050406030204" pitchFamily="18" charset="0"/>
-                              <a:ea typeface="Times New Roman" panose="02020603050405020304" pitchFamily="18" charset="0"/>
-                              <a:cs typeface="Arial" panose="020B0604020202020204" pitchFamily="34" charset="0"/>
-                            </a:rPr>
-                            <m:t>𝐣</m:t>
-                          </m:r>
-                        </m:sub>
-                        <m:sup/>
-                        <m:e>
-                          <m:r>
-                            <a:rPr lang="en-IN" sz="2800" b="1" i="0">
-                              <a:solidFill>
-                                <a:schemeClr val="tx1"/>
-                              </a:solidFill>
-                              <a:effectLst/>
-                              <a:latin typeface="Cambria Math" panose="02040503050406030204" pitchFamily="18" charset="0"/>
-                              <a:ea typeface="Times New Roman" panose="02020603050405020304" pitchFamily="18" charset="0"/>
-                              <a:cs typeface="Arial" panose="020B0604020202020204" pitchFamily="34" charset="0"/>
-                            </a:rPr>
-                            <m:t> </m:t>
-                          </m:r>
-                        </m:e>
-                      </m:nary>
-                      <m:sSub>
-                        <m:sSubPr>
-                          <m:ctrlPr>
-                            <a:rPr lang="en-IN" sz="2800" b="1" i="1">
-                              <a:solidFill>
-                                <a:schemeClr val="tx1"/>
-                              </a:solidFill>
-                              <a:effectLst/>
-                              <a:latin typeface="Cambria Math" panose="02040503050406030204" pitchFamily="18" charset="0"/>
-                              <a:ea typeface="Times New Roman" panose="02020603050405020304" pitchFamily="18" charset="0"/>
-                              <a:cs typeface="Arial" panose="020B0604020202020204" pitchFamily="34" charset="0"/>
-                            </a:rPr>
-                          </m:ctrlPr>
-                        </m:sSubPr>
-                        <m:e>
-                          <m:r>
-                            <a:rPr lang="en-IN" sz="2800" b="1" i="0">
-                              <a:solidFill>
-                                <a:schemeClr val="tx1"/>
-                              </a:solidFill>
-                              <a:effectLst/>
-                              <a:latin typeface="Cambria Math" panose="02040503050406030204" pitchFamily="18" charset="0"/>
-                              <a:ea typeface="Times New Roman" panose="02020603050405020304" pitchFamily="18" charset="0"/>
-                              <a:cs typeface="Arial" panose="020B0604020202020204" pitchFamily="34" charset="0"/>
-                            </a:rPr>
-                            <m:t>𝐖</m:t>
-                          </m:r>
-                        </m:e>
-                        <m:sub>
-                          <m:r>
-                            <a:rPr lang="en-IN" sz="2800" b="1" i="0">
-                              <a:solidFill>
-                                <a:schemeClr val="tx1"/>
-                              </a:solidFill>
-                              <a:effectLst/>
-                              <a:latin typeface="Cambria Math" panose="02040503050406030204" pitchFamily="18" charset="0"/>
-                              <a:ea typeface="Times New Roman" panose="02020603050405020304" pitchFamily="18" charset="0"/>
-                              <a:cs typeface="Arial" panose="020B0604020202020204" pitchFamily="34" charset="0"/>
-                            </a:rPr>
-                            <m:t>𝐤</m:t>
-                          </m:r>
-                        </m:sub>
-                      </m:sSub>
-                      <m:sSub>
-                        <m:sSubPr>
-                          <m:ctrlPr>
-                            <a:rPr lang="en-IN" sz="2800" b="1" i="1">
-                              <a:solidFill>
-                                <a:schemeClr val="tx1"/>
-                              </a:solidFill>
-                              <a:effectLst/>
-                              <a:latin typeface="Cambria Math" panose="02040503050406030204" pitchFamily="18" charset="0"/>
-                              <a:ea typeface="Times New Roman" panose="02020603050405020304" pitchFamily="18" charset="0"/>
-                              <a:cs typeface="Arial" panose="020B0604020202020204" pitchFamily="34" charset="0"/>
-                            </a:rPr>
-                          </m:ctrlPr>
-                        </m:sSubPr>
-                        <m:e>
-                          <m:r>
-                            <a:rPr lang="en-IN" sz="2800" b="1" i="0">
-                              <a:solidFill>
-                                <a:schemeClr val="tx1"/>
-                              </a:solidFill>
-                              <a:effectLst/>
-                              <a:latin typeface="Cambria Math" panose="02040503050406030204" pitchFamily="18" charset="0"/>
-                              <a:ea typeface="Times New Roman" panose="02020603050405020304" pitchFamily="18" charset="0"/>
-                              <a:cs typeface="Arial" panose="020B0604020202020204" pitchFamily="34" charset="0"/>
-                            </a:rPr>
-                            <m:t>𝐬</m:t>
-                          </m:r>
-                        </m:e>
-                        <m:sub>
-                          <m:r>
-                            <a:rPr lang="en-IN" sz="2800" b="1" i="0">
-                              <a:solidFill>
-                                <a:schemeClr val="tx1"/>
-                              </a:solidFill>
-                              <a:effectLst/>
-                              <a:latin typeface="Cambria Math" panose="02040503050406030204" pitchFamily="18" charset="0"/>
-                              <a:ea typeface="Times New Roman" panose="02020603050405020304" pitchFamily="18" charset="0"/>
-                              <a:cs typeface="Arial" panose="020B0604020202020204" pitchFamily="34" charset="0"/>
-                            </a:rPr>
-                            <m:t>𝐤</m:t>
-                          </m:r>
-                        </m:sub>
-                      </m:sSub>
-                      <m:r>
-                        <a:rPr lang="en-IN" sz="2800" b="1" i="0">
-                          <a:solidFill>
-                            <a:schemeClr val="tx1"/>
-                          </a:solidFill>
-                          <a:effectLst/>
-                          <a:latin typeface="Cambria Math" panose="02040503050406030204" pitchFamily="18" charset="0"/>
-                          <a:ea typeface="Times New Roman" panose="02020603050405020304" pitchFamily="18" charset="0"/>
-                          <a:cs typeface="Arial" panose="020B0604020202020204" pitchFamily="34" charset="0"/>
-                        </a:rPr>
-                        <m:t>+</m:t>
-                      </m:r>
-                      <m:sSub>
-                        <m:sSubPr>
-                          <m:ctrlPr>
-                            <a:rPr lang="en-IN" sz="2800" b="1" i="1">
-                              <a:solidFill>
-                                <a:schemeClr val="tx1"/>
-                              </a:solidFill>
-                              <a:effectLst/>
-                              <a:latin typeface="Cambria Math" panose="02040503050406030204" pitchFamily="18" charset="0"/>
-                              <a:ea typeface="Times New Roman" panose="02020603050405020304" pitchFamily="18" charset="0"/>
-                              <a:cs typeface="Arial" panose="020B0604020202020204" pitchFamily="34" charset="0"/>
-                            </a:rPr>
-                          </m:ctrlPr>
-                        </m:sSubPr>
-                        <m:e>
-                          <m:r>
-                            <a:rPr lang="en-IN" sz="2800" b="1" i="0">
-                              <a:solidFill>
-                                <a:schemeClr val="tx1"/>
-                              </a:solidFill>
-                              <a:effectLst/>
-                              <a:latin typeface="Cambria Math" panose="02040503050406030204" pitchFamily="18" charset="0"/>
-                              <a:ea typeface="Times New Roman" panose="02020603050405020304" pitchFamily="18" charset="0"/>
-                              <a:cs typeface="Arial" panose="020B0604020202020204" pitchFamily="34" charset="0"/>
-                            </a:rPr>
-                            <m:t>𝐯</m:t>
-                          </m:r>
-                        </m:e>
-                        <m:sub>
-                          <m:r>
-                            <a:rPr lang="en-IN" sz="2800" b="1" i="0">
-                              <a:solidFill>
-                                <a:schemeClr val="tx1"/>
-                              </a:solidFill>
-                              <a:effectLst/>
-                              <a:latin typeface="Cambria Math" panose="02040503050406030204" pitchFamily="18" charset="0"/>
-                              <a:ea typeface="Times New Roman" panose="02020603050405020304" pitchFamily="18" charset="0"/>
-                              <a:cs typeface="Arial" panose="020B0604020202020204" pitchFamily="34" charset="0"/>
-                            </a:rPr>
-                            <m:t>𝐣</m:t>
-                          </m:r>
-                        </m:sub>
-                      </m:sSub>
-                    </m:oMath>
-                  </m:oMathPara>
-                </a14:m>
-                <a:endParaRPr lang="en-IN" sz="2800" b="1" dirty="0"/>
-              </a:p>
-            </p:txBody>
-          </p:sp>
-        </mc:Choice>
-        <mc:Fallback xmlns="">
-          <p:sp>
-            <p:nvSpPr>
-              <p:cNvPr id="3" name="Content Placeholder 2">
-                <a:extLst>
-                  <a:ext uri="{FF2B5EF4-FFF2-40B4-BE49-F238E27FC236}">
-                    <a16:creationId xmlns:a16="http://schemas.microsoft.com/office/drawing/2014/main" id="{F3EAEEE4-84CB-4D53-BD7E-35808338701B}"/>
-                  </a:ext>
-                </a:extLst>
-              </p:cNvPr>
-              <p:cNvSpPr>
-                <a:spLocks noGrp="1" noRot="1" noChangeAspect="1" noMove="1" noResize="1" noEditPoints="1" noAdjustHandles="1" noChangeArrowheads="1" noChangeShapeType="1" noTextEdit="1"/>
-              </p:cNvSpPr>
-              <p:nvPr>
-                <p:ph idx="1"/>
-              </p:nvPr>
-            </p:nvSpPr>
-            <p:spPr>
-              <a:xfrm>
-                <a:off x="533400" y="1371600"/>
-                <a:ext cx="8610600" cy="4722813"/>
-              </a:xfrm>
-              <a:blipFill>
-                <a:blip r:embed="rId2"/>
-                <a:stretch>
-                  <a:fillRect l="-992"/>
-                </a:stretch>
-              </a:blipFill>
-            </p:spPr>
-            <p:txBody>
-              <a:bodyPr/>
-              <a:lstStyle/>
-              <a:p>
-                <a:r>
-                  <a:rPr lang="en-IN">
-                    <a:noFill/>
-                  </a:rPr>
-                  <a:t> </a:t>
-                </a:r>
-              </a:p>
-            </p:txBody>
-          </p:sp>
-        </mc:Fallback>
-      </mc:AlternateContent>
-      <p:sp>
-        <p:nvSpPr>
-          <p:cNvPr id="5" name="Up Arrow 25">
-            <a:extLst>
-              <a:ext uri="{FF2B5EF4-FFF2-40B4-BE49-F238E27FC236}">
-                <a16:creationId xmlns:a16="http://schemas.microsoft.com/office/drawing/2014/main" id="{117ABAAD-D726-42E0-9A6B-B302382605D1}"/>
-              </a:ext>
-            </a:extLst>
-          </p:cNvPr>
-          <p:cNvSpPr/>
-          <p:nvPr/>
-        </p:nvSpPr>
-        <p:spPr bwMode="auto">
-          <a:xfrm>
-            <a:off x="3500775" y="2742546"/>
-            <a:ext cx="609600" cy="1291797"/>
-          </a:xfrm>
-          <a:prstGeom prst="upArrow">
-            <a:avLst/>
-          </a:prstGeom>
-          <a:solidFill>
-            <a:srgbClr val="00B8FF"/>
-          </a:solidFill>
-          <a:ln w="9525" cap="flat" cmpd="sng" algn="ctr">
-            <a:solidFill>
-              <a:schemeClr val="tx1"/>
-            </a:solidFill>
-            <a:prstDash val="solid"/>
-            <a:round/>
-            <a:headEnd type="none" w="med" len="med"/>
-            <a:tailEnd type="none" w="med" len="med"/>
-          </a:ln>
-          <a:effectLst/>
-        </p:spPr>
-        <p:txBody>
-          <a:bodyPr vert="horz" wrap="square" lIns="91440" tIns="45720" rIns="91440" bIns="45720" numCol="1" rtlCol="0" anchor="t" anchorCtr="0" compatLnSpc="1">
-            <a:prstTxWarp prst="textNoShape">
-              <a:avLst/>
-            </a:prstTxWarp>
-          </a:bodyPr>
-          <a:lstStyle/>
-          <a:p>
-            <a:pPr marL="0" marR="0" indent="0" algn="l" defTabSz="449263" rtl="0" eaLnBrk="0" fontAlgn="base" latinLnBrk="0" hangingPunct="0">
-              <a:lnSpc>
-                <a:spcPct val="100000"/>
-              </a:lnSpc>
-              <a:spcBef>
-                <a:spcPct val="0"/>
-              </a:spcBef>
-              <a:spcAft>
-                <a:spcPct val="0"/>
-              </a:spcAft>
-              <a:buClr>
-                <a:srgbClr val="000000"/>
-              </a:buClr>
-              <a:buSzPct val="100000"/>
-              <a:buFont typeface="Times New Roman" pitchFamily="16" charset="0"/>
-              <a:buNone/>
-              <a:tabLst/>
-            </a:pPr>
-            <a:endParaRPr kumimoji="0" lang="en-US" sz="2400" b="0" i="0" u="none" strike="noStrike" cap="none" normalizeH="0" baseline="0">
-              <a:ln>
-                <a:noFill/>
-              </a:ln>
-              <a:solidFill>
-                <a:schemeClr val="bg1"/>
-              </a:solidFill>
-              <a:effectLst/>
-              <a:latin typeface="Times New Roman" pitchFamily="16" charset="0"/>
-            </a:endParaRPr>
-          </a:p>
-        </p:txBody>
-      </p:sp>
-      <p:sp>
-        <p:nvSpPr>
-          <p:cNvPr id="6" name="Up Arrow 26">
-            <a:extLst>
-              <a:ext uri="{FF2B5EF4-FFF2-40B4-BE49-F238E27FC236}">
-                <a16:creationId xmlns:a16="http://schemas.microsoft.com/office/drawing/2014/main" id="{C121C022-6CF2-4128-B3B3-5334E0542543}"/>
-              </a:ext>
-            </a:extLst>
-          </p:cNvPr>
-          <p:cNvSpPr/>
-          <p:nvPr/>
-        </p:nvSpPr>
-        <p:spPr bwMode="auto">
-          <a:xfrm>
-            <a:off x="5316017" y="3042470"/>
-            <a:ext cx="533400" cy="2608088"/>
-          </a:xfrm>
-          <a:prstGeom prst="upArrow">
-            <a:avLst/>
-          </a:prstGeom>
-          <a:solidFill>
-            <a:srgbClr val="00B8FF"/>
-          </a:solidFill>
-          <a:ln w="9525" cap="flat" cmpd="sng" algn="ctr">
-            <a:solidFill>
-              <a:schemeClr val="tx1"/>
-            </a:solidFill>
-            <a:prstDash val="solid"/>
-            <a:round/>
-            <a:headEnd type="none" w="med" len="med"/>
-            <a:tailEnd type="none" w="med" len="med"/>
-          </a:ln>
-          <a:effectLst/>
-        </p:spPr>
-        <p:txBody>
-          <a:bodyPr vert="horz" wrap="square" lIns="91440" tIns="45720" rIns="91440" bIns="45720" numCol="1" rtlCol="0" anchor="t" anchorCtr="0" compatLnSpc="1">
-            <a:prstTxWarp prst="textNoShape">
-              <a:avLst/>
-            </a:prstTxWarp>
-          </a:bodyPr>
-          <a:lstStyle/>
-          <a:p>
-            <a:pPr marL="0" marR="0" indent="0" algn="l" defTabSz="449263" rtl="0" eaLnBrk="0" fontAlgn="base" latinLnBrk="0" hangingPunct="0">
-              <a:lnSpc>
-                <a:spcPct val="100000"/>
-              </a:lnSpc>
-              <a:spcBef>
-                <a:spcPct val="0"/>
-              </a:spcBef>
-              <a:spcAft>
-                <a:spcPct val="0"/>
-              </a:spcAft>
-              <a:buClr>
-                <a:srgbClr val="000000"/>
-              </a:buClr>
-              <a:buSzPct val="100000"/>
-              <a:buFont typeface="Times New Roman" pitchFamily="16" charset="0"/>
-              <a:buNone/>
-              <a:tabLst/>
-            </a:pPr>
-            <a:endParaRPr kumimoji="0" lang="en-US" sz="2400" b="0" i="0" u="none" strike="noStrike" cap="none" normalizeH="0" baseline="0" dirty="0">
-              <a:ln>
-                <a:noFill/>
-              </a:ln>
-              <a:solidFill>
-                <a:schemeClr val="bg1"/>
-              </a:solidFill>
-              <a:effectLst/>
-              <a:latin typeface="Times New Roman" pitchFamily="16" charset="0"/>
-            </a:endParaRPr>
-          </a:p>
-        </p:txBody>
-      </p:sp>
-      <p:sp>
-        <p:nvSpPr>
-          <p:cNvPr id="7" name="Up Arrow 27">
-            <a:extLst>
-              <a:ext uri="{FF2B5EF4-FFF2-40B4-BE49-F238E27FC236}">
-                <a16:creationId xmlns:a16="http://schemas.microsoft.com/office/drawing/2014/main" id="{91EE68C6-7DF0-46D5-9C1B-E3CD4699BF60}"/>
-              </a:ext>
-            </a:extLst>
-          </p:cNvPr>
-          <p:cNvSpPr/>
-          <p:nvPr/>
-        </p:nvSpPr>
-        <p:spPr bwMode="auto">
-          <a:xfrm>
-            <a:off x="7296171" y="2667284"/>
-            <a:ext cx="533400" cy="1523431"/>
-          </a:xfrm>
-          <a:prstGeom prst="upArrow">
-            <a:avLst/>
-          </a:prstGeom>
-          <a:solidFill>
-            <a:srgbClr val="00B8FF"/>
-          </a:solidFill>
-          <a:ln w="9525" cap="flat" cmpd="sng" algn="ctr">
-            <a:solidFill>
-              <a:schemeClr val="tx1"/>
-            </a:solidFill>
-            <a:prstDash val="solid"/>
-            <a:round/>
-            <a:headEnd type="none" w="med" len="med"/>
-            <a:tailEnd type="none" w="med" len="med"/>
-          </a:ln>
-          <a:effectLst/>
-        </p:spPr>
-        <p:txBody>
-          <a:bodyPr vert="horz" wrap="square" lIns="91440" tIns="45720" rIns="91440" bIns="45720" numCol="1" rtlCol="0" anchor="t" anchorCtr="0" compatLnSpc="1">
-            <a:prstTxWarp prst="textNoShape">
-              <a:avLst/>
-            </a:prstTxWarp>
-          </a:bodyPr>
-          <a:lstStyle/>
-          <a:p>
-            <a:pPr marL="0" marR="0" indent="0" algn="l" defTabSz="449263" rtl="0" eaLnBrk="0" fontAlgn="base" latinLnBrk="0" hangingPunct="0">
-              <a:lnSpc>
-                <a:spcPct val="100000"/>
-              </a:lnSpc>
-              <a:spcBef>
-                <a:spcPct val="0"/>
-              </a:spcBef>
-              <a:spcAft>
-                <a:spcPct val="0"/>
-              </a:spcAft>
-              <a:buClr>
-                <a:srgbClr val="000000"/>
-              </a:buClr>
-              <a:buSzPct val="100000"/>
-              <a:buFont typeface="Times New Roman" pitchFamily="16" charset="0"/>
-              <a:buNone/>
-              <a:tabLst/>
-            </a:pPr>
-            <a:endParaRPr kumimoji="0" lang="en-US" sz="2400" b="0" i="0" u="none" strike="noStrike" cap="none" normalizeH="0" baseline="0">
-              <a:ln>
-                <a:noFill/>
-              </a:ln>
-              <a:solidFill>
-                <a:schemeClr val="bg1"/>
-              </a:solidFill>
-              <a:effectLst/>
-              <a:latin typeface="Times New Roman" pitchFamily="16" charset="0"/>
-            </a:endParaRPr>
-          </a:p>
-        </p:txBody>
-      </p:sp>
-      <p:sp>
-        <p:nvSpPr>
-          <p:cNvPr id="8" name="Up Arrow 28">
-            <a:extLst>
-              <a:ext uri="{FF2B5EF4-FFF2-40B4-BE49-F238E27FC236}">
-                <a16:creationId xmlns:a16="http://schemas.microsoft.com/office/drawing/2014/main" id="{8C8868BB-C1ED-4ADF-9F79-A5B5045DEFF1}"/>
-              </a:ext>
-            </a:extLst>
-          </p:cNvPr>
-          <p:cNvSpPr/>
-          <p:nvPr/>
-        </p:nvSpPr>
-        <p:spPr bwMode="auto">
-          <a:xfrm>
-            <a:off x="2329267" y="2727927"/>
-            <a:ext cx="533400" cy="813558"/>
-          </a:xfrm>
-          <a:prstGeom prst="upArrow">
-            <a:avLst/>
-          </a:prstGeom>
-          <a:solidFill>
-            <a:srgbClr val="00B8FF"/>
-          </a:solidFill>
-          <a:ln w="9525" cap="flat" cmpd="sng" algn="ctr">
-            <a:solidFill>
-              <a:schemeClr val="tx1"/>
-            </a:solidFill>
-            <a:prstDash val="solid"/>
-            <a:round/>
-            <a:headEnd type="none" w="med" len="med"/>
-            <a:tailEnd type="none" w="med" len="med"/>
-          </a:ln>
-          <a:effectLst/>
-        </p:spPr>
-        <p:txBody>
-          <a:bodyPr vert="horz" wrap="square" lIns="91440" tIns="45720" rIns="91440" bIns="45720" numCol="1" rtlCol="0" anchor="t" anchorCtr="0" compatLnSpc="1">
-            <a:prstTxWarp prst="textNoShape">
-              <a:avLst/>
-            </a:prstTxWarp>
-          </a:bodyPr>
-          <a:lstStyle/>
-          <a:p>
-            <a:pPr marL="0" marR="0" indent="0" algn="l" defTabSz="449263" rtl="0" eaLnBrk="0" fontAlgn="base" latinLnBrk="0" hangingPunct="0">
-              <a:lnSpc>
-                <a:spcPct val="100000"/>
-              </a:lnSpc>
-              <a:spcBef>
-                <a:spcPct val="0"/>
-              </a:spcBef>
-              <a:spcAft>
-                <a:spcPct val="0"/>
-              </a:spcAft>
-              <a:buClr>
-                <a:srgbClr val="000000"/>
-              </a:buClr>
-              <a:buSzPct val="100000"/>
-              <a:buFont typeface="Times New Roman" pitchFamily="16" charset="0"/>
-              <a:buNone/>
-              <a:tabLst/>
-            </a:pPr>
-            <a:endParaRPr kumimoji="0" lang="en-US" sz="2400" b="0" i="0" u="none" strike="noStrike" cap="none" normalizeH="0" baseline="0">
-              <a:ln>
-                <a:noFill/>
-              </a:ln>
-              <a:solidFill>
-                <a:schemeClr val="bg1"/>
-              </a:solidFill>
-              <a:effectLst/>
-              <a:latin typeface="Times New Roman" pitchFamily="16" charset="0"/>
-            </a:endParaRPr>
-          </a:p>
-        </p:txBody>
-      </p:sp>
-      <p:sp>
-        <p:nvSpPr>
-          <p:cNvPr id="9" name="TextBox 8">
-            <a:extLst>
-              <a:ext uri="{FF2B5EF4-FFF2-40B4-BE49-F238E27FC236}">
-                <a16:creationId xmlns:a16="http://schemas.microsoft.com/office/drawing/2014/main" id="{4DD346DD-87C6-45C7-8D2B-5A69EC4E1E2A}"/>
-              </a:ext>
-            </a:extLst>
-          </p:cNvPr>
-          <p:cNvSpPr txBox="1"/>
-          <p:nvPr/>
+      <p:sp>
+        <p:nvSpPr>
+          <p:cNvPr id="3" name="Content Placeholder 2"/>
+          <p:cNvSpPr>
+            <a:spLocks noGrp="1"/>
+          </p:cNvSpPr>
+          <p:nvPr>
+            <p:ph idx="1"/>
+          </p:nvPr>
         </p:nvSpPr>
         <p:spPr>
           <a:xfrm>
-            <a:off x="721964" y="3475051"/>
-            <a:ext cx="2345410" cy="461665"/>
-          </a:xfrm>
-          <a:prstGeom prst="rect">
-            <a:avLst/>
-          </a:prstGeom>
-          <a:ln>
-            <a:noFill/>
-          </a:ln>
-          <a:effectLst>
-            <a:outerShdw blurRad="44450" dist="27940" dir="5400000" algn="ctr">
-              <a:srgbClr val="000000">
-                <a:alpha val="32000"/>
-              </a:srgbClr>
-            </a:outerShdw>
-          </a:effectLst>
-          <a:scene3d>
-            <a:camera prst="orthographicFront">
-              <a:rot lat="0" lon="0" rev="0"/>
-            </a:camera>
-            <a:lightRig rig="balanced" dir="t">
-              <a:rot lat="0" lon="0" rev="8700000"/>
-            </a:lightRig>
-          </a:scene3d>
-          <a:sp3d>
-            <a:bevelT w="190500" h="38100"/>
-          </a:sp3d>
-        </p:spPr>
-        <p:style>
-          <a:lnRef idx="1">
-            <a:schemeClr val="accent1"/>
-          </a:lnRef>
-          <a:fillRef idx="2">
-            <a:schemeClr val="accent1"/>
-          </a:fillRef>
-          <a:effectRef idx="1">
-            <a:schemeClr val="accent1"/>
-          </a:effectRef>
-          <a:fontRef idx="minor">
-            <a:schemeClr val="dk1"/>
-          </a:fontRef>
-        </p:style>
+            <a:off x="565688" y="1371600"/>
+            <a:ext cx="8578312" cy="4724400"/>
+          </a:xfrm>
+        </p:spPr>
         <p:txBody>
-          <a:bodyPr wrap="square" rtlCol="0">
-            <a:spAutoFit/>
-          </a:bodyPr>
+          <a:bodyPr/>
           <a:lstStyle/>
           <a:p>
-            <a:r>
-              <a:rPr lang="en-GB" dirty="0"/>
-              <a:t>Received signal</a:t>
+            <a:pPr marL="514350" indent="-514350" algn="ctr">
+              <a:buFont typeface="+mj-lt"/>
+              <a:buAutoNum type="arabicPeriod"/>
+            </a:pPr>
+            <a:r>
+              <a:rPr lang="en-US" sz="2400" b="1" dirty="0">
+                <a:solidFill>
+                  <a:schemeClr val="tx1"/>
+                </a:solidFill>
+              </a:rPr>
+              <a:t>Suboptimal algorithm 1</a:t>
+            </a:r>
+          </a:p>
+          <a:p>
+            <a:pPr algn="just">
+              <a:lnSpc>
+                <a:spcPct val="150000"/>
+              </a:lnSpc>
+              <a:buFont typeface="Wingdings" panose="05000000000000000000" pitchFamily="2" charset="2"/>
+              <a:buChar char="q"/>
+            </a:pPr>
+            <a:r>
+              <a:rPr lang="en-IN" sz="2400" dirty="0">
+                <a:solidFill>
+                  <a:schemeClr val="tx1"/>
+                </a:solidFill>
+              </a:rPr>
+              <a:t>This suboptimal algorithm can be divided into two phases. The </a:t>
+            </a:r>
+            <a:r>
+              <a:rPr lang="en-IN" sz="2400" b="1" dirty="0">
+                <a:solidFill>
+                  <a:schemeClr val="tx1"/>
+                </a:solidFill>
+              </a:rPr>
+              <a:t>first phase </a:t>
+            </a:r>
+            <a:r>
+              <a:rPr lang="en-IN" sz="2400" dirty="0">
+                <a:solidFill>
+                  <a:schemeClr val="tx1"/>
+                </a:solidFill>
+              </a:rPr>
+              <a:t>extends the ideas of the </a:t>
+            </a:r>
+            <a:r>
+              <a:rPr lang="en-IN" sz="2400" b="1" dirty="0">
+                <a:solidFill>
+                  <a:schemeClr val="tx1"/>
+                </a:solidFill>
+              </a:rPr>
+              <a:t>capacity-based iterative user selection algorithm.</a:t>
+            </a:r>
+          </a:p>
+          <a:p>
+            <a:pPr algn="just">
+              <a:lnSpc>
+                <a:spcPct val="150000"/>
+              </a:lnSpc>
+              <a:buFont typeface="Wingdings" panose="05000000000000000000" pitchFamily="2" charset="2"/>
+              <a:buChar char="q"/>
+            </a:pPr>
+            <a:r>
+              <a:rPr lang="en-IN" sz="2400" dirty="0">
+                <a:solidFill>
+                  <a:schemeClr val="tx1"/>
+                </a:solidFill>
+              </a:rPr>
+              <a:t>It selects a receive antenna with the highest capacity. Then, from the remaining unselected antennas, it finds the next receive antenna providing the largest sum capacity.</a:t>
             </a:r>
           </a:p>
         </p:txBody>
       </p:sp>
-      <p:sp>
-        <p:nvSpPr>
-          <p:cNvPr id="10" name="TextBox 9">
-            <a:extLst>
-              <a:ext uri="{FF2B5EF4-FFF2-40B4-BE49-F238E27FC236}">
-                <a16:creationId xmlns:a16="http://schemas.microsoft.com/office/drawing/2014/main" id="{E32598F5-06CE-45FF-8AF9-7D7375B3DE30}"/>
-              </a:ext>
-            </a:extLst>
-          </p:cNvPr>
-          <p:cNvSpPr txBox="1"/>
-          <p:nvPr/>
-        </p:nvSpPr>
-        <p:spPr>
-          <a:xfrm>
-            <a:off x="2962809" y="4010827"/>
-            <a:ext cx="2209800" cy="461665"/>
-          </a:xfrm>
-          <a:prstGeom prst="rect">
-            <a:avLst/>
-          </a:prstGeom>
-          <a:solidFill>
-            <a:srgbClr val="00B050"/>
-          </a:solidFill>
-          <a:ln>
-            <a:noFill/>
-          </a:ln>
-          <a:effectLst>
-            <a:outerShdw blurRad="44450" dist="27940" dir="5400000" algn="ctr">
-              <a:srgbClr val="000000">
-                <a:alpha val="32000"/>
-              </a:srgbClr>
-            </a:outerShdw>
-          </a:effectLst>
-          <a:scene3d>
-            <a:camera prst="orthographicFront">
-              <a:rot lat="0" lon="0" rev="0"/>
-            </a:camera>
-            <a:lightRig rig="balanced" dir="t">
-              <a:rot lat="0" lon="0" rev="8700000"/>
-            </a:lightRig>
-          </a:scene3d>
-          <a:sp3d>
-            <a:bevelT w="190500" h="38100"/>
-          </a:sp3d>
-        </p:spPr>
-        <p:style>
-          <a:lnRef idx="1">
-            <a:schemeClr val="accent1"/>
-          </a:lnRef>
-          <a:fillRef idx="2">
-            <a:schemeClr val="accent1"/>
-          </a:fillRef>
-          <a:effectRef idx="1">
-            <a:schemeClr val="accent1"/>
-          </a:effectRef>
-          <a:fontRef idx="minor">
-            <a:schemeClr val="dk1"/>
-          </a:fontRef>
-        </p:style>
-        <p:txBody>
-          <a:bodyPr wrap="square" rtlCol="0">
-            <a:spAutoFit/>
-          </a:bodyPr>
-          <a:lstStyle/>
-          <a:p>
-            <a:r>
-              <a:rPr lang="en-GB" dirty="0"/>
-              <a:t>Desired signal</a:t>
-            </a:r>
-          </a:p>
-        </p:txBody>
-      </p:sp>
-      <p:sp>
-        <p:nvSpPr>
-          <p:cNvPr id="11" name="TextBox 10">
-            <a:extLst>
-              <a:ext uri="{FF2B5EF4-FFF2-40B4-BE49-F238E27FC236}">
-                <a16:creationId xmlns:a16="http://schemas.microsoft.com/office/drawing/2014/main" id="{5F9636CA-229A-4D7A-B690-0649758F1763}"/>
-              </a:ext>
-            </a:extLst>
-          </p:cNvPr>
-          <p:cNvSpPr txBox="1"/>
-          <p:nvPr/>
-        </p:nvSpPr>
-        <p:spPr>
-          <a:xfrm>
-            <a:off x="3715719" y="5405289"/>
-            <a:ext cx="3886200" cy="461665"/>
-          </a:xfrm>
-          <a:prstGeom prst="rect">
-            <a:avLst/>
-          </a:prstGeom>
-          <a:solidFill>
-            <a:srgbClr val="FFC000"/>
-          </a:solidFill>
-          <a:ln>
-            <a:noFill/>
-          </a:ln>
-          <a:effectLst>
-            <a:outerShdw blurRad="44450" dist="27940" dir="5400000" algn="ctr">
-              <a:srgbClr val="000000">
-                <a:alpha val="32000"/>
-              </a:srgbClr>
-            </a:outerShdw>
-          </a:effectLst>
-          <a:scene3d>
-            <a:camera prst="orthographicFront">
-              <a:rot lat="0" lon="0" rev="0"/>
-            </a:camera>
-            <a:lightRig rig="balanced" dir="t">
-              <a:rot lat="0" lon="0" rev="8700000"/>
-            </a:lightRig>
-          </a:scene3d>
-          <a:sp3d>
-            <a:bevelT w="190500" h="38100"/>
-          </a:sp3d>
-        </p:spPr>
-        <p:style>
-          <a:lnRef idx="1">
-            <a:schemeClr val="accent1"/>
-          </a:lnRef>
-          <a:fillRef idx="2">
-            <a:schemeClr val="accent1"/>
-          </a:fillRef>
-          <a:effectRef idx="1">
-            <a:schemeClr val="accent1"/>
-          </a:effectRef>
-          <a:fontRef idx="minor">
-            <a:schemeClr val="dk1"/>
-          </a:fontRef>
-        </p:style>
-        <p:txBody>
-          <a:bodyPr wrap="square" rtlCol="0">
-            <a:spAutoFit/>
-          </a:bodyPr>
-          <a:lstStyle/>
-          <a:p>
-            <a:r>
-              <a:rPr lang="en-GB" dirty="0"/>
-              <a:t>Interfering undesired signals</a:t>
-            </a:r>
-          </a:p>
-        </p:txBody>
-      </p:sp>
-      <p:sp>
-        <p:nvSpPr>
-          <p:cNvPr id="12" name="TextBox 11">
-            <a:extLst>
-              <a:ext uri="{FF2B5EF4-FFF2-40B4-BE49-F238E27FC236}">
-                <a16:creationId xmlns:a16="http://schemas.microsoft.com/office/drawing/2014/main" id="{06E0B9D7-958C-4017-8BEA-829E72EC49A2}"/>
-              </a:ext>
-            </a:extLst>
-          </p:cNvPr>
-          <p:cNvSpPr txBox="1"/>
-          <p:nvPr/>
-        </p:nvSpPr>
-        <p:spPr>
-          <a:xfrm>
-            <a:off x="6705600" y="3705884"/>
-            <a:ext cx="2438400" cy="1200329"/>
-          </a:xfrm>
-          <a:prstGeom prst="rect">
-            <a:avLst/>
-          </a:prstGeom>
-          <a:solidFill>
-            <a:srgbClr val="FF0000"/>
-          </a:solidFill>
-          <a:ln>
-            <a:noFill/>
-          </a:ln>
-          <a:effectLst>
-            <a:outerShdw blurRad="44450" dist="27940" dir="5400000" algn="ctr">
-              <a:srgbClr val="000000">
-                <a:alpha val="32000"/>
-              </a:srgbClr>
-            </a:outerShdw>
-          </a:effectLst>
-          <a:scene3d>
-            <a:camera prst="orthographicFront">
-              <a:rot lat="0" lon="0" rev="0"/>
-            </a:camera>
-            <a:lightRig rig="balanced" dir="t">
-              <a:rot lat="0" lon="0" rev="8700000"/>
-            </a:lightRig>
-          </a:scene3d>
-          <a:sp3d>
-            <a:bevelT w="190500" h="38100"/>
-          </a:sp3d>
-        </p:spPr>
-        <p:style>
-          <a:lnRef idx="1">
-            <a:schemeClr val="accent1"/>
-          </a:lnRef>
-          <a:fillRef idx="2">
-            <a:schemeClr val="accent1"/>
-          </a:fillRef>
-          <a:effectRef idx="1">
-            <a:schemeClr val="accent1"/>
-          </a:effectRef>
-          <a:fontRef idx="minor">
-            <a:schemeClr val="dk1"/>
-          </a:fontRef>
-        </p:style>
-        <p:txBody>
-          <a:bodyPr wrap="square" rtlCol="0">
-            <a:spAutoFit/>
-          </a:bodyPr>
-          <a:lstStyle/>
-          <a:p>
-            <a:r>
-              <a:rPr lang="en-GB" dirty="0"/>
-              <a:t>White zero mean complex gaussian noise</a:t>
-            </a:r>
-          </a:p>
-        </p:txBody>
-      </p:sp>
     </p:spTree>
-    <p:extLst>
-      <p:ext uri="{BB962C8B-B14F-4D97-AF65-F5344CB8AC3E}">
-        <p14:creationId xmlns:p14="http://schemas.microsoft.com/office/powerpoint/2010/main" val="3025024458"/>
-      </p:ext>
-    </p:extLst>
   </p:cSld>
   <p:clrMapOvr>
     <a:masterClrMapping/>
@@ -7211,394 +6120,6 @@
         <p:spPr>
           <a:xfrm>
             <a:off x="533400" y="762000"/>
-            <a:ext cx="6856413" cy="579437"/>
-          </a:xfrm>
-        </p:spPr>
-        <p:txBody>
-          <a:bodyPr/>
-          <a:lstStyle/>
-          <a:p>
-            <a:pPr algn="just"/>
-            <a:r>
-              <a:rPr lang="en-US" dirty="0"/>
-              <a:t>JURAS Scheme for MU-MIMO</a:t>
-            </a:r>
-          </a:p>
-        </p:txBody>
-      </p:sp>
-      <p:sp>
-        <p:nvSpPr>
-          <p:cNvPr id="3" name="Content Placeholder 2"/>
-          <p:cNvSpPr>
-            <a:spLocks noGrp="1"/>
-          </p:cNvSpPr>
-          <p:nvPr>
-            <p:ph idx="1"/>
-          </p:nvPr>
-        </p:nvSpPr>
-        <p:spPr>
-          <a:xfrm>
-            <a:off x="533400" y="1371600"/>
-            <a:ext cx="8458200" cy="4722813"/>
-          </a:xfrm>
-        </p:spPr>
-        <p:txBody>
-          <a:bodyPr/>
-          <a:lstStyle/>
-          <a:p>
-            <a:pPr algn="just">
-              <a:lnSpc>
-                <a:spcPct val="150000"/>
-              </a:lnSpc>
-              <a:buFont typeface="Wingdings" panose="05000000000000000000" pitchFamily="2" charset="2"/>
-              <a:buChar char="q"/>
-            </a:pPr>
-            <a:r>
-              <a:rPr lang="en-GB" sz="2400" b="1" dirty="0">
-                <a:solidFill>
-                  <a:schemeClr val="tx1"/>
-                </a:solidFill>
-              </a:rPr>
-              <a:t>JURAS means the joint user and receive antenna selection scheme </a:t>
-            </a:r>
-            <a:r>
-              <a:rPr lang="en-GB" sz="2400" dirty="0">
-                <a:solidFill>
-                  <a:schemeClr val="tx1"/>
-                </a:solidFill>
-              </a:rPr>
-              <a:t>which is being implemented in this project using two suboptimal algorithms.</a:t>
-            </a:r>
-            <a:endParaRPr lang="en-GB" sz="2400" b="1" dirty="0">
-              <a:solidFill>
-                <a:schemeClr val="tx1"/>
-              </a:solidFill>
-            </a:endParaRPr>
-          </a:p>
-          <a:p>
-            <a:pPr marL="457200" indent="-457200" algn="just">
-              <a:lnSpc>
-                <a:spcPct val="150000"/>
-              </a:lnSpc>
-              <a:buFont typeface="Wingdings" panose="05000000000000000000" pitchFamily="2" charset="2"/>
-              <a:buChar char="q"/>
-            </a:pPr>
-            <a:r>
-              <a:rPr lang="en-GB" sz="2000" b="1" dirty="0">
-                <a:solidFill>
-                  <a:schemeClr val="tx1"/>
-                </a:solidFill>
-              </a:rPr>
-              <a:t>Suboptimal algorithm-1 </a:t>
-            </a:r>
-            <a:r>
-              <a:rPr lang="en-GB" sz="2000" dirty="0">
-                <a:solidFill>
-                  <a:schemeClr val="tx1"/>
-                </a:solidFill>
-              </a:rPr>
-              <a:t>works by updating the user’s precoding matrices and evaluate sum capacity(</a:t>
-            </a:r>
-            <a:r>
-              <a:rPr lang="en-GB" sz="2000" b="1" dirty="0">
-                <a:solidFill>
-                  <a:schemeClr val="tx1"/>
-                </a:solidFill>
-              </a:rPr>
-              <a:t>time</a:t>
-            </a:r>
-            <a:r>
-              <a:rPr lang="en-GB" sz="2000" dirty="0">
-                <a:solidFill>
-                  <a:schemeClr val="tx1"/>
-                </a:solidFill>
-              </a:rPr>
-              <a:t> </a:t>
-            </a:r>
-            <a:r>
-              <a:rPr lang="en-GB" sz="2000" b="1" dirty="0">
-                <a:solidFill>
-                  <a:schemeClr val="tx1"/>
-                </a:solidFill>
-              </a:rPr>
-              <a:t>complexity is somewhat more</a:t>
-            </a:r>
-            <a:r>
-              <a:rPr lang="en-GB" sz="2000" dirty="0">
-                <a:solidFill>
-                  <a:schemeClr val="tx1"/>
-                </a:solidFill>
-              </a:rPr>
-              <a:t>).</a:t>
-            </a:r>
-            <a:endParaRPr lang="en-GB" sz="2000" dirty="0">
-              <a:solidFill>
-                <a:srgbClr val="C00000"/>
-              </a:solidFill>
-            </a:endParaRPr>
-          </a:p>
-          <a:p>
-            <a:pPr marL="457200" indent="-457200" algn="just">
-              <a:lnSpc>
-                <a:spcPct val="150000"/>
-              </a:lnSpc>
-              <a:buFont typeface="Wingdings" panose="05000000000000000000" pitchFamily="2" charset="2"/>
-              <a:buChar char="q"/>
-            </a:pPr>
-            <a:r>
-              <a:rPr lang="en-GB" sz="2000" b="1" dirty="0">
-                <a:solidFill>
-                  <a:schemeClr val="tx1"/>
-                </a:solidFill>
-              </a:rPr>
-              <a:t>Suboptimal algorithm-2  </a:t>
-            </a:r>
-            <a:r>
-              <a:rPr lang="en-GB" sz="2000" dirty="0">
-                <a:solidFill>
-                  <a:schemeClr val="tx1"/>
-                </a:solidFill>
-              </a:rPr>
-              <a:t>works by considering each receiving antenna as a single user during user selection process and then computes the precoding matrices used for data transmission (</a:t>
-            </a:r>
-            <a:r>
-              <a:rPr lang="en-GB" sz="2000" b="1" dirty="0">
-                <a:solidFill>
-                  <a:schemeClr val="tx1"/>
-                </a:solidFill>
-              </a:rPr>
-              <a:t>time</a:t>
-            </a:r>
-            <a:r>
-              <a:rPr lang="en-GB" sz="2000" dirty="0">
-                <a:solidFill>
-                  <a:schemeClr val="tx1"/>
-                </a:solidFill>
-              </a:rPr>
-              <a:t> </a:t>
-            </a:r>
-            <a:r>
-              <a:rPr lang="en-GB" sz="2000" b="1" dirty="0">
-                <a:solidFill>
-                  <a:schemeClr val="tx1"/>
-                </a:solidFill>
-              </a:rPr>
-              <a:t>complexity is reduced </a:t>
-            </a:r>
-            <a:r>
-              <a:rPr lang="en-GB" sz="2000" dirty="0">
-                <a:solidFill>
-                  <a:schemeClr val="tx1"/>
-                </a:solidFill>
-              </a:rPr>
-              <a:t>) .</a:t>
-            </a:r>
-            <a:endParaRPr lang="en-US" sz="2000" dirty="0">
-              <a:solidFill>
-                <a:schemeClr val="tx1"/>
-              </a:solidFill>
-            </a:endParaRPr>
-          </a:p>
-          <a:p>
-            <a:pPr algn="just">
-              <a:lnSpc>
-                <a:spcPct val="150000"/>
-              </a:lnSpc>
-              <a:buFont typeface="Wingdings" panose="05000000000000000000" pitchFamily="2" charset="2"/>
-              <a:buChar char="q"/>
-            </a:pPr>
-            <a:endParaRPr lang="en-GB" sz="2000" dirty="0">
-              <a:solidFill>
-                <a:schemeClr val="tx1"/>
-              </a:solidFill>
-            </a:endParaRPr>
-          </a:p>
-        </p:txBody>
-      </p:sp>
-    </p:spTree>
-  </p:cSld>
-  <p:clrMapOvr>
-    <a:masterClrMapping/>
-  </p:clrMapOvr>
-</p:sld>
-</file>
-
-<file path=ppt/slides/slide13.xml><?xml version="1.0" encoding="utf-8"?>
-<p:sld xmlns:a="http://schemas.openxmlformats.org/drawingml/2006/main" xmlns:r="http://schemas.openxmlformats.org/officeDocument/2006/relationships" xmlns:p="http://schemas.openxmlformats.org/presentationml/2006/main">
-  <p:cSld>
-    <p:spTree>
-      <p:nvGrpSpPr>
-        <p:cNvPr id="1" name=""/>
-        <p:cNvGrpSpPr/>
-        <p:nvPr/>
-      </p:nvGrpSpPr>
-      <p:grpSpPr>
-        <a:xfrm>
-          <a:off x="0" y="0"/>
-          <a:ext cx="0" cy="0"/>
-          <a:chOff x="0" y="0"/>
-          <a:chExt cx="0" cy="0"/>
-        </a:xfrm>
-      </p:grpSpPr>
-      <p:sp>
-        <p:nvSpPr>
-          <p:cNvPr id="2" name="Title 1"/>
-          <p:cNvSpPr>
-            <a:spLocks noGrp="1"/>
-          </p:cNvSpPr>
-          <p:nvPr>
-            <p:ph type="title"/>
-          </p:nvPr>
-        </p:nvSpPr>
-        <p:spPr>
-          <a:xfrm>
-            <a:off x="533400" y="762000"/>
-            <a:ext cx="4265613" cy="579437"/>
-          </a:xfrm>
-        </p:spPr>
-        <p:txBody>
-          <a:bodyPr/>
-          <a:lstStyle/>
-          <a:p>
-            <a:pPr algn="just"/>
-            <a:r>
-              <a:rPr lang="en-US" dirty="0"/>
-              <a:t>Suboptimal Algorithms</a:t>
-            </a:r>
-          </a:p>
-        </p:txBody>
-      </p:sp>
-      <p:sp>
-        <p:nvSpPr>
-          <p:cNvPr id="3" name="Content Placeholder 2"/>
-          <p:cNvSpPr>
-            <a:spLocks noGrp="1"/>
-          </p:cNvSpPr>
-          <p:nvPr>
-            <p:ph idx="1"/>
-          </p:nvPr>
-        </p:nvSpPr>
-        <p:spPr>
-          <a:xfrm>
-            <a:off x="565688" y="1371600"/>
-            <a:ext cx="8578312" cy="4724400"/>
-          </a:xfrm>
-        </p:spPr>
-        <p:txBody>
-          <a:bodyPr/>
-          <a:lstStyle/>
-          <a:p>
-            <a:pPr marL="514350" indent="-514350" algn="ctr">
-              <a:buFont typeface="+mj-lt"/>
-              <a:buAutoNum type="arabicPeriod"/>
-            </a:pPr>
-            <a:r>
-              <a:rPr lang="en-US" sz="2400" b="1" dirty="0">
-                <a:solidFill>
-                  <a:schemeClr val="tx1"/>
-                </a:solidFill>
-              </a:rPr>
-              <a:t>Suboptimal algorithm 1</a:t>
-            </a:r>
-          </a:p>
-          <a:p>
-            <a:pPr algn="just">
-              <a:lnSpc>
-                <a:spcPct val="150000"/>
-              </a:lnSpc>
-              <a:buFont typeface="Wingdings" panose="05000000000000000000" pitchFamily="2" charset="2"/>
-              <a:buChar char="q"/>
-            </a:pPr>
-            <a:r>
-              <a:rPr lang="en-IN" sz="2400" dirty="0">
-                <a:solidFill>
-                  <a:schemeClr val="tx1"/>
-                </a:solidFill>
-              </a:rPr>
-              <a:t>This suboptimal algorithm can be divided into two phases. The </a:t>
-            </a:r>
-            <a:r>
-              <a:rPr lang="en-IN" sz="2400" b="1" dirty="0">
-                <a:solidFill>
-                  <a:schemeClr val="tx1"/>
-                </a:solidFill>
-              </a:rPr>
-              <a:t>first phase </a:t>
-            </a:r>
-            <a:r>
-              <a:rPr lang="en-IN" sz="2400" dirty="0">
-                <a:solidFill>
-                  <a:schemeClr val="tx1"/>
-                </a:solidFill>
-              </a:rPr>
-              <a:t>extends the ideas of the </a:t>
-            </a:r>
-            <a:r>
-              <a:rPr lang="en-IN" sz="2400" b="1" dirty="0">
-                <a:solidFill>
-                  <a:schemeClr val="tx1"/>
-                </a:solidFill>
-              </a:rPr>
-              <a:t>capacity-based iterative user selection algorithm.</a:t>
-            </a:r>
-          </a:p>
-          <a:p>
-            <a:pPr algn="just">
-              <a:lnSpc>
-                <a:spcPct val="150000"/>
-              </a:lnSpc>
-              <a:buFont typeface="Wingdings" panose="05000000000000000000" pitchFamily="2" charset="2"/>
-              <a:buChar char="q"/>
-            </a:pPr>
-            <a:r>
-              <a:rPr lang="en-IN" sz="2400" dirty="0">
-                <a:solidFill>
-                  <a:schemeClr val="tx1"/>
-                </a:solidFill>
-              </a:rPr>
-              <a:t>It selects a receive antenna with the highest capacity. Then, from the remaining unselected antennas, it finds the next receive antenna providing the largest sum capacity.</a:t>
-            </a:r>
-          </a:p>
-        </p:txBody>
-      </p:sp>
-    </p:spTree>
-  </p:cSld>
-  <p:clrMapOvr>
-    <a:masterClrMapping/>
-  </p:clrMapOvr>
-</p:sld>
-</file>
-
-<file path=ppt/slides/slide14.xml><?xml version="1.0" encoding="utf-8"?>
-<p:sld xmlns:a="http://schemas.openxmlformats.org/drawingml/2006/main" xmlns:r="http://schemas.openxmlformats.org/officeDocument/2006/relationships" xmlns:p="http://schemas.openxmlformats.org/presentationml/2006/main">
-  <p:cSld>
-    <p:spTree>
-      <p:nvGrpSpPr>
-        <p:cNvPr id="1" name=""/>
-        <p:cNvGrpSpPr/>
-        <p:nvPr/>
-      </p:nvGrpSpPr>
-      <p:grpSpPr>
-        <a:xfrm>
-          <a:off x="0" y="0"/>
-          <a:ext cx="0" cy="0"/>
-          <a:chOff x="0" y="0"/>
-          <a:chExt cx="0" cy="0"/>
-        </a:xfrm>
-      </p:grpSpPr>
-      <p:sp>
-        <p:nvSpPr>
-          <p:cNvPr id="2" name="Title 1"/>
-          <p:cNvSpPr>
-            <a:spLocks noGrp="1"/>
-          </p:cNvSpPr>
-          <p:nvPr>
-            <p:ph type="title"/>
-          </p:nvPr>
-        </p:nvSpPr>
-        <p:spPr>
-          <a:xfrm>
-            <a:off x="533400" y="762000"/>
             <a:ext cx="4265613" cy="579437"/>
           </a:xfrm>
         </p:spPr>
@@ -7731,7 +6252,7 @@
 </p:sld>
 </file>
 
-<file path=ppt/slides/slide15.xml><?xml version="1.0" encoding="utf-8"?>
+<file path=ppt/slides/slide13.xml><?xml version="1.0" encoding="utf-8"?>
 <p:sld xmlns:a="http://schemas.openxmlformats.org/drawingml/2006/main" xmlns:r="http://schemas.openxmlformats.org/officeDocument/2006/relationships" xmlns:p="http://schemas.openxmlformats.org/presentationml/2006/main">
   <p:cSld>
     <p:spTree>
@@ -8767,7 +7288,7 @@
 </p:sld>
 </file>
 
-<file path=ppt/slides/slide16.xml><?xml version="1.0" encoding="utf-8"?>
+<file path=ppt/slides/slide14.xml><?xml version="1.0" encoding="utf-8"?>
 <p:sld xmlns:a="http://schemas.openxmlformats.org/drawingml/2006/main" xmlns:r="http://schemas.openxmlformats.org/officeDocument/2006/relationships" xmlns:p="http://schemas.openxmlformats.org/presentationml/2006/main">
   <p:cSld>
     <p:spTree>
@@ -8918,7 +7439,7 @@
 </p:sld>
 </file>
 
-<file path=ppt/slides/slide17.xml><?xml version="1.0" encoding="utf-8"?>
+<file path=ppt/slides/slide15.xml><?xml version="1.0" encoding="utf-8"?>
 <p:sld xmlns:a="http://schemas.openxmlformats.org/drawingml/2006/main" xmlns:r="http://schemas.openxmlformats.org/officeDocument/2006/relationships" xmlns:p="http://schemas.openxmlformats.org/presentationml/2006/main">
   <p:cSld>
     <p:spTree>
@@ -9037,7 +7558,7 @@
 </p:sld>
 </file>
 
-<file path=ppt/slides/slide18.xml><?xml version="1.0" encoding="utf-8"?>
+<file path=ppt/slides/slide16.xml><?xml version="1.0" encoding="utf-8"?>
 <p:sld xmlns:a="http://schemas.openxmlformats.org/drawingml/2006/main" xmlns:r="http://schemas.openxmlformats.org/officeDocument/2006/relationships" xmlns:p="http://schemas.openxmlformats.org/presentationml/2006/main">
   <p:cSld>
     <p:spTree>
@@ -9772,6 +8293,310 @@
 </p:sld>
 </file>
 
+<file path=ppt/slides/slide17.xml><?xml version="1.0" encoding="utf-8"?>
+<p:sld xmlns:a="http://schemas.openxmlformats.org/drawingml/2006/main" xmlns:r="http://schemas.openxmlformats.org/officeDocument/2006/relationships" xmlns:p="http://schemas.openxmlformats.org/presentationml/2006/main">
+  <p:cSld>
+    <p:spTree>
+      <p:nvGrpSpPr>
+        <p:cNvPr id="1" name=""/>
+        <p:cNvGrpSpPr/>
+        <p:nvPr/>
+      </p:nvGrpSpPr>
+      <p:grpSpPr>
+        <a:xfrm>
+          <a:off x="0" y="0"/>
+          <a:ext cx="0" cy="0"/>
+          <a:chOff x="0" y="0"/>
+          <a:chExt cx="0" cy="0"/>
+        </a:xfrm>
+      </p:grpSpPr>
+      <p:sp>
+        <p:nvSpPr>
+          <p:cNvPr id="2" name="Title 1"/>
+          <p:cNvSpPr>
+            <a:spLocks noGrp="1"/>
+          </p:cNvSpPr>
+          <p:nvPr>
+            <p:ph type="title"/>
+          </p:nvPr>
+        </p:nvSpPr>
+        <p:spPr>
+          <a:xfrm>
+            <a:off x="533400" y="762000"/>
+            <a:ext cx="4265613" cy="579437"/>
+          </a:xfrm>
+        </p:spPr>
+        <p:txBody>
+          <a:bodyPr/>
+          <a:lstStyle/>
+          <a:p>
+            <a:pPr algn="l"/>
+            <a:r>
+              <a:rPr lang="en-US" dirty="0"/>
+              <a:t>Suboptimal Algorithms</a:t>
+            </a:r>
+          </a:p>
+        </p:txBody>
+      </p:sp>
+      <p:sp>
+        <p:nvSpPr>
+          <p:cNvPr id="3" name="Content Placeholder 2"/>
+          <p:cNvSpPr>
+            <a:spLocks noGrp="1"/>
+          </p:cNvSpPr>
+          <p:nvPr>
+            <p:ph idx="1"/>
+          </p:nvPr>
+        </p:nvSpPr>
+        <p:spPr>
+          <a:xfrm>
+            <a:off x="496019" y="1373187"/>
+            <a:ext cx="8763000" cy="4722813"/>
+          </a:xfrm>
+        </p:spPr>
+        <p:txBody>
+          <a:bodyPr/>
+          <a:lstStyle/>
+          <a:p>
+            <a:pPr marL="514350" indent="-514350" algn="ctr">
+              <a:buFont typeface="+mj-lt"/>
+              <a:buAutoNum type="arabicPeriod" startAt="2"/>
+            </a:pPr>
+            <a:r>
+              <a:rPr lang="en-US" sz="2400" b="1" dirty="0">
+                <a:solidFill>
+                  <a:schemeClr val="tx1"/>
+                </a:solidFill>
+              </a:rPr>
+              <a:t>Suboptimal algorithm 2</a:t>
+            </a:r>
+          </a:p>
+          <a:p>
+            <a:pPr marL="514350" indent="-514350">
+              <a:lnSpc>
+                <a:spcPct val="150000"/>
+              </a:lnSpc>
+              <a:buFont typeface="Wingdings" panose="05000000000000000000" pitchFamily="2" charset="2"/>
+              <a:buChar char="q"/>
+            </a:pPr>
+            <a:r>
+              <a:rPr lang="en-IN" sz="2400" dirty="0">
+                <a:solidFill>
+                  <a:schemeClr val="tx1"/>
+                </a:solidFill>
+              </a:rPr>
+              <a:t>It is seen that the </a:t>
+            </a:r>
+            <a:r>
+              <a:rPr lang="en-IN" sz="2400" b="1" dirty="0">
+                <a:solidFill>
+                  <a:schemeClr val="tx1"/>
+                </a:solidFill>
+              </a:rPr>
+              <a:t>main computational burden of SA1 </a:t>
+            </a:r>
+            <a:r>
+              <a:rPr lang="en-IN" sz="2400" dirty="0">
+                <a:solidFill>
+                  <a:schemeClr val="tx1"/>
+                </a:solidFill>
+              </a:rPr>
+              <a:t>focuses on </a:t>
+            </a:r>
+            <a:r>
+              <a:rPr lang="en-IN" sz="2400" b="1" dirty="0">
+                <a:solidFill>
+                  <a:schemeClr val="tx1"/>
+                </a:solidFill>
+              </a:rPr>
+              <a:t>updating users’ precoding matrices and evaluating the sum capacity</a:t>
+            </a:r>
+            <a:r>
+              <a:rPr lang="en-IN" sz="2400" dirty="0">
+                <a:solidFill>
+                  <a:schemeClr val="tx1"/>
+                </a:solidFill>
+              </a:rPr>
+              <a:t>.</a:t>
+            </a:r>
+          </a:p>
+          <a:p>
+            <a:pPr marL="514350" indent="-514350">
+              <a:lnSpc>
+                <a:spcPct val="150000"/>
+              </a:lnSpc>
+              <a:buFont typeface="Wingdings" panose="05000000000000000000" pitchFamily="2" charset="2"/>
+              <a:buChar char="q"/>
+            </a:pPr>
+            <a:r>
+              <a:rPr lang="en-IN" sz="2400" dirty="0">
+                <a:solidFill>
+                  <a:schemeClr val="tx1"/>
+                </a:solidFill>
+              </a:rPr>
+              <a:t>Thus, the algorithm is only required to compute the beamforming vector of </a:t>
+            </a:r>
+            <a:r>
+              <a:rPr lang="en-IN" sz="2400" b="1" dirty="0">
+                <a:solidFill>
+                  <a:schemeClr val="tx1"/>
+                </a:solidFill>
+              </a:rPr>
+              <a:t>the candidate antenna without updating the precoding matrices of the selected ones.</a:t>
+            </a:r>
+          </a:p>
+        </p:txBody>
+      </p:sp>
+    </p:spTree>
+    <p:extLst>
+      <p:ext uri="{BB962C8B-B14F-4D97-AF65-F5344CB8AC3E}">
+        <p14:creationId xmlns:p14="http://schemas.microsoft.com/office/powerpoint/2010/main" val="2284667163"/>
+      </p:ext>
+    </p:extLst>
+  </p:cSld>
+  <p:clrMapOvr>
+    <a:masterClrMapping/>
+  </p:clrMapOvr>
+</p:sld>
+</file>
+
+<file path=ppt/slides/slide18.xml><?xml version="1.0" encoding="utf-8"?>
+<p:sld xmlns:a="http://schemas.openxmlformats.org/drawingml/2006/main" xmlns:r="http://schemas.openxmlformats.org/officeDocument/2006/relationships" xmlns:p="http://schemas.openxmlformats.org/presentationml/2006/main">
+  <p:cSld>
+    <p:spTree>
+      <p:nvGrpSpPr>
+        <p:cNvPr id="1" name=""/>
+        <p:cNvGrpSpPr/>
+        <p:nvPr/>
+      </p:nvGrpSpPr>
+      <p:grpSpPr>
+        <a:xfrm>
+          <a:off x="0" y="0"/>
+          <a:ext cx="0" cy="0"/>
+          <a:chOff x="0" y="0"/>
+          <a:chExt cx="0" cy="0"/>
+        </a:xfrm>
+      </p:grpSpPr>
+      <p:sp>
+        <p:nvSpPr>
+          <p:cNvPr id="2" name="Title 1"/>
+          <p:cNvSpPr>
+            <a:spLocks noGrp="1"/>
+          </p:cNvSpPr>
+          <p:nvPr>
+            <p:ph type="title"/>
+          </p:nvPr>
+        </p:nvSpPr>
+        <p:spPr>
+          <a:xfrm>
+            <a:off x="533400" y="762000"/>
+            <a:ext cx="4265613" cy="579437"/>
+          </a:xfrm>
+        </p:spPr>
+        <p:txBody>
+          <a:bodyPr/>
+          <a:lstStyle/>
+          <a:p>
+            <a:pPr algn="l"/>
+            <a:r>
+              <a:rPr lang="en-US" dirty="0"/>
+              <a:t>Suboptimal Algorithms</a:t>
+            </a:r>
+          </a:p>
+        </p:txBody>
+      </p:sp>
+      <p:sp>
+        <p:nvSpPr>
+          <p:cNvPr id="3" name="Content Placeholder 2"/>
+          <p:cNvSpPr>
+            <a:spLocks noGrp="1"/>
+          </p:cNvSpPr>
+          <p:nvPr>
+            <p:ph idx="1"/>
+          </p:nvPr>
+        </p:nvSpPr>
+        <p:spPr>
+          <a:xfrm>
+            <a:off x="533400" y="1371600"/>
+            <a:ext cx="8610600" cy="4722813"/>
+          </a:xfrm>
+        </p:spPr>
+        <p:txBody>
+          <a:bodyPr/>
+          <a:lstStyle/>
+          <a:p>
+            <a:pPr marL="514350" indent="-514350">
+              <a:lnSpc>
+                <a:spcPct val="150000"/>
+              </a:lnSpc>
+              <a:buFont typeface="Wingdings" panose="05000000000000000000" pitchFamily="2" charset="2"/>
+              <a:buChar char="q"/>
+            </a:pPr>
+            <a:r>
+              <a:rPr lang="en-IN" sz="2400" dirty="0">
+                <a:solidFill>
+                  <a:schemeClr val="tx1"/>
+                </a:solidFill>
+              </a:rPr>
+              <a:t>Treating each receive antenna as an individual user provides </a:t>
+            </a:r>
+            <a:r>
+              <a:rPr lang="en-IN" sz="2400" b="1" dirty="0">
+                <a:solidFill>
+                  <a:schemeClr val="tx1"/>
+                </a:solidFill>
+              </a:rPr>
+              <a:t>more robustness to the errors </a:t>
+            </a:r>
+            <a:r>
+              <a:rPr lang="en-IN" sz="2400" dirty="0">
+                <a:solidFill>
+                  <a:schemeClr val="tx1"/>
+                </a:solidFill>
+              </a:rPr>
+              <a:t>from outdated precoding matrices than considering multiple antennas at each user.</a:t>
+            </a:r>
+          </a:p>
+          <a:p>
+            <a:pPr marL="514350" indent="-514350">
+              <a:lnSpc>
+                <a:spcPct val="150000"/>
+              </a:lnSpc>
+              <a:buFont typeface="Wingdings" panose="05000000000000000000" pitchFamily="2" charset="2"/>
+              <a:buChar char="q"/>
+            </a:pPr>
+            <a:r>
+              <a:rPr lang="en-IN" sz="2400" dirty="0">
+                <a:solidFill>
+                  <a:schemeClr val="tx1"/>
+                </a:solidFill>
+              </a:rPr>
+              <a:t>By treating each antenna as a separate user, no receive beamforming can be exploited. Thus, procedures in the second phase are excluded from SA2 and </a:t>
+            </a:r>
+            <a:r>
+              <a:rPr lang="en-IN" sz="2400" b="1" dirty="0">
+                <a:solidFill>
+                  <a:schemeClr val="tx1"/>
+                </a:solidFill>
+              </a:rPr>
+              <a:t>the number of data streams is always equal to the number of selected antennas.</a:t>
+            </a:r>
+          </a:p>
+        </p:txBody>
+      </p:sp>
+    </p:spTree>
+    <p:extLst>
+      <p:ext uri="{BB962C8B-B14F-4D97-AF65-F5344CB8AC3E}">
+        <p14:creationId xmlns:p14="http://schemas.microsoft.com/office/powerpoint/2010/main" val="4249425202"/>
+      </p:ext>
+    </p:extLst>
+  </p:cSld>
+  <p:clrMapOvr>
+    <a:masterClrMapping/>
+  </p:clrMapOvr>
+</p:sld>
+</file>
+
 <file path=ppt/slides/slide19.xml><?xml version="1.0" encoding="utf-8"?>
 <p:sld xmlns:a="http://schemas.openxmlformats.org/drawingml/2006/main" xmlns:r="http://schemas.openxmlformats.org/officeDocument/2006/relationships" xmlns:p="http://schemas.openxmlformats.org/presentationml/2006/main">
   <p:cSld>
@@ -9817,925 +8642,8 @@
           </a:p>
         </p:txBody>
       </p:sp>
-      <p:sp>
-        <p:nvSpPr>
-          <p:cNvPr id="3" name="Content Placeholder 2"/>
-          <p:cNvSpPr>
-            <a:spLocks noGrp="1"/>
-          </p:cNvSpPr>
-          <p:nvPr>
-            <p:ph idx="1"/>
-          </p:nvPr>
-        </p:nvSpPr>
-        <p:spPr>
-          <a:xfrm>
-            <a:off x="496019" y="1373187"/>
-            <a:ext cx="8763000" cy="4722813"/>
-          </a:xfrm>
-        </p:spPr>
-        <p:txBody>
-          <a:bodyPr/>
-          <a:lstStyle/>
-          <a:p>
-            <a:pPr marL="514350" indent="-514350" algn="ctr">
-              <a:buFont typeface="+mj-lt"/>
-              <a:buAutoNum type="arabicPeriod" startAt="2"/>
-            </a:pPr>
-            <a:r>
-              <a:rPr lang="en-US" sz="2400" b="1" dirty="0">
-                <a:solidFill>
-                  <a:schemeClr val="tx1"/>
-                </a:solidFill>
-              </a:rPr>
-              <a:t>Suboptimal algorithm 2</a:t>
-            </a:r>
-          </a:p>
-          <a:p>
-            <a:pPr marL="514350" indent="-514350">
-              <a:lnSpc>
-                <a:spcPct val="150000"/>
-              </a:lnSpc>
-              <a:buFont typeface="Wingdings" panose="05000000000000000000" pitchFamily="2" charset="2"/>
-              <a:buChar char="q"/>
-            </a:pPr>
-            <a:r>
-              <a:rPr lang="en-IN" sz="2400" dirty="0">
-                <a:solidFill>
-                  <a:schemeClr val="tx1"/>
-                </a:solidFill>
-              </a:rPr>
-              <a:t>It is seen that the </a:t>
-            </a:r>
-            <a:r>
-              <a:rPr lang="en-IN" sz="2400" b="1" dirty="0">
-                <a:solidFill>
-                  <a:schemeClr val="tx1"/>
-                </a:solidFill>
-              </a:rPr>
-              <a:t>main computational burden of SA1 </a:t>
-            </a:r>
-            <a:r>
-              <a:rPr lang="en-IN" sz="2400" dirty="0">
-                <a:solidFill>
-                  <a:schemeClr val="tx1"/>
-                </a:solidFill>
-              </a:rPr>
-              <a:t>focuses on </a:t>
-            </a:r>
-            <a:r>
-              <a:rPr lang="en-IN" sz="2400" b="1" dirty="0">
-                <a:solidFill>
-                  <a:schemeClr val="tx1"/>
-                </a:solidFill>
-              </a:rPr>
-              <a:t>updating users’ precoding matrices and evaluating the sum capacity</a:t>
-            </a:r>
-            <a:r>
-              <a:rPr lang="en-IN" sz="2400" dirty="0">
-                <a:solidFill>
-                  <a:schemeClr val="tx1"/>
-                </a:solidFill>
-              </a:rPr>
-              <a:t>.</a:t>
-            </a:r>
-          </a:p>
-          <a:p>
-            <a:pPr marL="514350" indent="-514350">
-              <a:lnSpc>
-                <a:spcPct val="150000"/>
-              </a:lnSpc>
-              <a:buFont typeface="Wingdings" panose="05000000000000000000" pitchFamily="2" charset="2"/>
-              <a:buChar char="q"/>
-            </a:pPr>
-            <a:r>
-              <a:rPr lang="en-IN" sz="2400" dirty="0">
-                <a:solidFill>
-                  <a:schemeClr val="tx1"/>
-                </a:solidFill>
-              </a:rPr>
-              <a:t>Thus, the algorithm is only required to compute the beamforming vector of </a:t>
-            </a:r>
-            <a:r>
-              <a:rPr lang="en-IN" sz="2400" b="1" dirty="0">
-                <a:solidFill>
-                  <a:schemeClr val="tx1"/>
-                </a:solidFill>
-              </a:rPr>
-              <a:t>the candidate antenna without updating the precoding matrices of the selected ones.</a:t>
-            </a:r>
-          </a:p>
-        </p:txBody>
-      </p:sp>
-    </p:spTree>
-    <p:extLst>
-      <p:ext uri="{BB962C8B-B14F-4D97-AF65-F5344CB8AC3E}">
-        <p14:creationId xmlns:p14="http://schemas.microsoft.com/office/powerpoint/2010/main" val="2284667163"/>
-      </p:ext>
-    </p:extLst>
-  </p:cSld>
-  <p:clrMapOvr>
-    <a:masterClrMapping/>
-  </p:clrMapOvr>
-</p:sld>
-</file>
-
-<file path=ppt/slides/slide2.xml><?xml version="1.0" encoding="utf-8"?>
-<p:sld xmlns:a="http://schemas.openxmlformats.org/drawingml/2006/main" xmlns:r="http://schemas.openxmlformats.org/officeDocument/2006/relationships" xmlns:p="http://schemas.openxmlformats.org/presentationml/2006/main">
-  <p:cSld>
-    <p:spTree>
-      <p:nvGrpSpPr>
-        <p:cNvPr id="1" name=""/>
-        <p:cNvGrpSpPr/>
-        <p:nvPr/>
-      </p:nvGrpSpPr>
-      <p:grpSpPr>
-        <a:xfrm>
-          <a:off x="0" y="0"/>
-          <a:ext cx="0" cy="0"/>
-          <a:chOff x="0" y="0"/>
-          <a:chExt cx="0" cy="0"/>
-        </a:xfrm>
-      </p:grpSpPr>
-      <p:sp>
-        <p:nvSpPr>
-          <p:cNvPr id="4097" name="Text Box 1"/>
-          <p:cNvSpPr txBox="1">
-            <a:spLocks noChangeArrowheads="1"/>
-          </p:cNvSpPr>
-          <p:nvPr/>
-        </p:nvSpPr>
-        <p:spPr bwMode="auto">
-          <a:xfrm>
-            <a:off x="533400" y="739775"/>
-            <a:ext cx="7924800" cy="579438"/>
-          </a:xfrm>
-          <a:prstGeom prst="rect">
-            <a:avLst/>
-          </a:prstGeom>
-          <a:noFill/>
-          <a:ln w="9525" cap="flat">
-            <a:noFill/>
-            <a:round/>
-            <a:headEnd/>
-            <a:tailEnd/>
-          </a:ln>
-          <a:effectLst/>
-        </p:spPr>
-        <p:txBody>
-          <a:bodyPr anchor="ctr"/>
-          <a:lstStyle/>
-          <a:p>
-            <a:pPr algn="just" eaLnBrk="1" hangingPunct="1">
-              <a:buClrTx/>
-              <a:buFontTx/>
-              <a:buNone/>
-              <a:tabLst>
-                <a:tab pos="0" algn="l"/>
-                <a:tab pos="914400" algn="l"/>
-                <a:tab pos="1828800" algn="l"/>
-                <a:tab pos="2743200" algn="l"/>
-                <a:tab pos="3657600" algn="l"/>
-                <a:tab pos="4572000" algn="l"/>
-                <a:tab pos="5486400" algn="l"/>
-                <a:tab pos="6400800" algn="l"/>
-                <a:tab pos="7315200" algn="l"/>
-                <a:tab pos="8229600" algn="l"/>
-                <a:tab pos="9144000" algn="l"/>
-                <a:tab pos="10058400" algn="l"/>
-              </a:tabLst>
-            </a:pPr>
-            <a:endParaRPr lang="en-US" sz="3200" b="1" dirty="0">
-              <a:solidFill>
-                <a:srgbClr val="3333CC"/>
-              </a:solidFill>
-              <a:ea typeface="DejaVu Sans" charset="0"/>
-              <a:cs typeface="DejaVu Sans" charset="0"/>
-            </a:endParaRPr>
-          </a:p>
-        </p:txBody>
-      </p:sp>
-      <p:sp>
-        <p:nvSpPr>
-          <p:cNvPr id="4098" name="Text Box 2"/>
-          <p:cNvSpPr txBox="1">
-            <a:spLocks noChangeArrowheads="1"/>
-          </p:cNvSpPr>
-          <p:nvPr/>
-        </p:nvSpPr>
-        <p:spPr bwMode="auto">
-          <a:xfrm>
-            <a:off x="685800" y="1369000"/>
-            <a:ext cx="8305800" cy="5005387"/>
-          </a:xfrm>
-          <a:prstGeom prst="rect">
-            <a:avLst/>
-          </a:prstGeom>
-          <a:noFill/>
-          <a:ln w="9525" cap="flat">
-            <a:noFill/>
-            <a:round/>
-            <a:headEnd/>
-            <a:tailEnd/>
-          </a:ln>
-          <a:effectLst/>
-        </p:spPr>
-        <p:txBody>
-          <a:bodyPr/>
-          <a:lstStyle/>
-          <a:p>
-            <a:pPr marL="342900" indent="-342900" algn="just" eaLnBrk="1" hangingPunct="1">
-              <a:lnSpc>
-                <a:spcPct val="150000"/>
-              </a:lnSpc>
-              <a:spcBef>
-                <a:spcPts val="600"/>
-              </a:spcBef>
-              <a:buFont typeface="Wingdings" panose="05000000000000000000" pitchFamily="2" charset="2"/>
-              <a:buChar char="q"/>
-              <a:tabLst>
-                <a:tab pos="911225" algn="l"/>
-                <a:tab pos="1825625" algn="l"/>
-                <a:tab pos="2740025" algn="l"/>
-                <a:tab pos="3654425" algn="l"/>
-                <a:tab pos="4568825" algn="l"/>
-                <a:tab pos="5483225" algn="l"/>
-                <a:tab pos="6397625" algn="l"/>
-                <a:tab pos="7312025" algn="l"/>
-                <a:tab pos="8226425" algn="l"/>
-                <a:tab pos="9140825" algn="l"/>
-                <a:tab pos="10055225" algn="l"/>
-              </a:tabLst>
-            </a:pPr>
-            <a:r>
-              <a:rPr lang="en-IN" sz="2000" dirty="0">
-                <a:solidFill>
-                  <a:srgbClr val="000000"/>
-                </a:solidFill>
-                <a:cs typeface="Times New Roman" pitchFamily="16" charset="0"/>
-              </a:rPr>
-              <a:t>Aims/Objectives</a:t>
-            </a:r>
-          </a:p>
-          <a:p>
-            <a:pPr marL="342900" indent="-342900" algn="just" eaLnBrk="1" hangingPunct="1">
-              <a:lnSpc>
-                <a:spcPct val="150000"/>
-              </a:lnSpc>
-              <a:spcBef>
-                <a:spcPts val="600"/>
-              </a:spcBef>
-              <a:buFont typeface="Wingdings" panose="05000000000000000000" pitchFamily="2" charset="2"/>
-              <a:buChar char="q"/>
-              <a:tabLst>
-                <a:tab pos="911225" algn="l"/>
-                <a:tab pos="1825625" algn="l"/>
-                <a:tab pos="2740025" algn="l"/>
-                <a:tab pos="3654425" algn="l"/>
-                <a:tab pos="4568825" algn="l"/>
-                <a:tab pos="5483225" algn="l"/>
-                <a:tab pos="6397625" algn="l"/>
-                <a:tab pos="7312025" algn="l"/>
-                <a:tab pos="8226425" algn="l"/>
-                <a:tab pos="9140825" algn="l"/>
-                <a:tab pos="10055225" algn="l"/>
-              </a:tabLst>
-            </a:pPr>
-            <a:r>
-              <a:rPr lang="en-IN" sz="2000" dirty="0">
-                <a:solidFill>
-                  <a:srgbClr val="000000"/>
-                </a:solidFill>
-                <a:cs typeface="Times New Roman" pitchFamily="16" charset="0"/>
-              </a:rPr>
-              <a:t>Introduction</a:t>
-            </a:r>
-          </a:p>
-          <a:p>
-            <a:pPr marL="342900" indent="-342900" algn="just" eaLnBrk="1" hangingPunct="1">
-              <a:lnSpc>
-                <a:spcPct val="150000"/>
-              </a:lnSpc>
-              <a:spcBef>
-                <a:spcPts val="600"/>
-              </a:spcBef>
-              <a:buFont typeface="Wingdings" panose="05000000000000000000" pitchFamily="2" charset="2"/>
-              <a:buChar char="q"/>
-              <a:tabLst>
-                <a:tab pos="911225" algn="l"/>
-                <a:tab pos="1825625" algn="l"/>
-                <a:tab pos="2740025" algn="l"/>
-                <a:tab pos="3654425" algn="l"/>
-                <a:tab pos="4568825" algn="l"/>
-                <a:tab pos="5483225" algn="l"/>
-                <a:tab pos="6397625" algn="l"/>
-                <a:tab pos="7312025" algn="l"/>
-                <a:tab pos="8226425" algn="l"/>
-                <a:tab pos="9140825" algn="l"/>
-                <a:tab pos="10055225" algn="l"/>
-              </a:tabLst>
-            </a:pPr>
-            <a:r>
-              <a:rPr lang="en-IN" sz="2000" dirty="0">
-                <a:solidFill>
-                  <a:srgbClr val="000000"/>
-                </a:solidFill>
-                <a:cs typeface="Times New Roman" pitchFamily="16" charset="0"/>
-              </a:rPr>
-              <a:t>System Model</a:t>
-            </a:r>
-          </a:p>
-          <a:p>
-            <a:pPr marL="342900" indent="-342900" algn="just" eaLnBrk="1" hangingPunct="1">
-              <a:lnSpc>
-                <a:spcPct val="150000"/>
-              </a:lnSpc>
-              <a:spcBef>
-                <a:spcPts val="600"/>
-              </a:spcBef>
-              <a:buFont typeface="Wingdings" panose="05000000000000000000" pitchFamily="2" charset="2"/>
-              <a:buChar char="q"/>
-              <a:tabLst>
-                <a:tab pos="911225" algn="l"/>
-                <a:tab pos="1825625" algn="l"/>
-                <a:tab pos="2740025" algn="l"/>
-                <a:tab pos="3654425" algn="l"/>
-                <a:tab pos="4568825" algn="l"/>
-                <a:tab pos="5483225" algn="l"/>
-                <a:tab pos="6397625" algn="l"/>
-                <a:tab pos="7312025" algn="l"/>
-                <a:tab pos="8226425" algn="l"/>
-                <a:tab pos="9140825" algn="l"/>
-                <a:tab pos="10055225" algn="l"/>
-              </a:tabLst>
-            </a:pPr>
-            <a:r>
-              <a:rPr lang="en-IN" sz="2000" dirty="0">
-                <a:solidFill>
-                  <a:srgbClr val="000000"/>
-                </a:solidFill>
-                <a:cs typeface="Times New Roman" pitchFamily="16" charset="0"/>
-              </a:rPr>
-              <a:t>JURAS Scheme for MU-MIMO</a:t>
-            </a:r>
-          </a:p>
-          <a:p>
-            <a:pPr marL="342900" indent="-342900" algn="just" eaLnBrk="1" hangingPunct="1">
-              <a:lnSpc>
-                <a:spcPct val="150000"/>
-              </a:lnSpc>
-              <a:spcBef>
-                <a:spcPts val="600"/>
-              </a:spcBef>
-              <a:buFont typeface="Wingdings" panose="05000000000000000000" pitchFamily="2" charset="2"/>
-              <a:buChar char="q"/>
-              <a:tabLst>
-                <a:tab pos="911225" algn="l"/>
-                <a:tab pos="1825625" algn="l"/>
-                <a:tab pos="2740025" algn="l"/>
-                <a:tab pos="3654425" algn="l"/>
-                <a:tab pos="4568825" algn="l"/>
-                <a:tab pos="5483225" algn="l"/>
-                <a:tab pos="6397625" algn="l"/>
-                <a:tab pos="7312025" algn="l"/>
-                <a:tab pos="8226425" algn="l"/>
-                <a:tab pos="9140825" algn="l"/>
-                <a:tab pos="10055225" algn="l"/>
-              </a:tabLst>
-            </a:pPr>
-            <a:r>
-              <a:rPr lang="en-IN" sz="2000" dirty="0">
-                <a:solidFill>
-                  <a:srgbClr val="000000"/>
-                </a:solidFill>
-                <a:cs typeface="Times New Roman" pitchFamily="16" charset="0"/>
-              </a:rPr>
-              <a:t>Suboptimal  Algorithms</a:t>
-            </a:r>
-          </a:p>
-          <a:p>
-            <a:pPr marL="342900" indent="-342900" algn="just" eaLnBrk="1" hangingPunct="1">
-              <a:lnSpc>
-                <a:spcPct val="150000"/>
-              </a:lnSpc>
-              <a:spcBef>
-                <a:spcPts val="600"/>
-              </a:spcBef>
-              <a:buFont typeface="Wingdings" panose="05000000000000000000" pitchFamily="2" charset="2"/>
-              <a:buChar char="q"/>
-              <a:tabLst>
-                <a:tab pos="911225" algn="l"/>
-                <a:tab pos="1825625" algn="l"/>
-                <a:tab pos="2740025" algn="l"/>
-                <a:tab pos="3654425" algn="l"/>
-                <a:tab pos="4568825" algn="l"/>
-                <a:tab pos="5483225" algn="l"/>
-                <a:tab pos="6397625" algn="l"/>
-                <a:tab pos="7312025" algn="l"/>
-                <a:tab pos="8226425" algn="l"/>
-                <a:tab pos="9140825" algn="l"/>
-                <a:tab pos="10055225" algn="l"/>
-              </a:tabLst>
-            </a:pPr>
-            <a:r>
-              <a:rPr lang="en-IN" sz="2000" dirty="0">
-                <a:solidFill>
-                  <a:srgbClr val="000000"/>
-                </a:solidFill>
-                <a:latin typeface="+mj-lt"/>
-                <a:cs typeface="Times New Roman" pitchFamily="16" charset="0"/>
-              </a:rPr>
-              <a:t>Outputs</a:t>
-            </a:r>
-          </a:p>
-          <a:p>
-            <a:pPr marL="342900" indent="-342900" algn="just" eaLnBrk="1" hangingPunct="1">
-              <a:lnSpc>
-                <a:spcPct val="150000"/>
-              </a:lnSpc>
-              <a:spcBef>
-                <a:spcPts val="600"/>
-              </a:spcBef>
-              <a:buFont typeface="Wingdings" panose="05000000000000000000" pitchFamily="2" charset="2"/>
-              <a:buChar char="q"/>
-              <a:tabLst>
-                <a:tab pos="911225" algn="l"/>
-                <a:tab pos="1825625" algn="l"/>
-                <a:tab pos="2740025" algn="l"/>
-                <a:tab pos="3654425" algn="l"/>
-                <a:tab pos="4568825" algn="l"/>
-                <a:tab pos="5483225" algn="l"/>
-                <a:tab pos="6397625" algn="l"/>
-                <a:tab pos="7312025" algn="l"/>
-                <a:tab pos="8226425" algn="l"/>
-                <a:tab pos="9140825" algn="l"/>
-                <a:tab pos="10055225" algn="l"/>
-              </a:tabLst>
-            </a:pPr>
-            <a:r>
-              <a:rPr lang="en-IN" sz="2000" dirty="0">
-                <a:solidFill>
-                  <a:srgbClr val="000000"/>
-                </a:solidFill>
-                <a:cs typeface="Times New Roman" pitchFamily="16" charset="0"/>
-              </a:rPr>
-              <a:t>Conclusions</a:t>
-            </a:r>
-            <a:endParaRPr lang="en-IN" sz="2000" dirty="0">
-              <a:solidFill>
-                <a:srgbClr val="000000"/>
-              </a:solidFill>
-              <a:latin typeface="+mj-lt"/>
-              <a:cs typeface="Times New Roman" pitchFamily="16" charset="0"/>
-            </a:endParaRPr>
-          </a:p>
-          <a:p>
-            <a:pPr marL="342900" indent="-342900" algn="just" eaLnBrk="1" hangingPunct="1">
-              <a:lnSpc>
-                <a:spcPct val="150000"/>
-              </a:lnSpc>
-              <a:spcBef>
-                <a:spcPts val="600"/>
-              </a:spcBef>
-              <a:buFont typeface="Wingdings" panose="05000000000000000000" pitchFamily="2" charset="2"/>
-              <a:buChar char="q"/>
-              <a:tabLst>
-                <a:tab pos="911225" algn="l"/>
-                <a:tab pos="1825625" algn="l"/>
-                <a:tab pos="2740025" algn="l"/>
-                <a:tab pos="3654425" algn="l"/>
-                <a:tab pos="4568825" algn="l"/>
-                <a:tab pos="5483225" algn="l"/>
-                <a:tab pos="6397625" algn="l"/>
-                <a:tab pos="7312025" algn="l"/>
-                <a:tab pos="8226425" algn="l"/>
-                <a:tab pos="9140825" algn="l"/>
-                <a:tab pos="10055225" algn="l"/>
-              </a:tabLst>
-            </a:pPr>
-            <a:r>
-              <a:rPr lang="en-IN" sz="2000" dirty="0">
-                <a:solidFill>
-                  <a:srgbClr val="000000"/>
-                </a:solidFill>
-                <a:latin typeface="+mj-lt"/>
-                <a:cs typeface="Times New Roman" pitchFamily="16" charset="0"/>
-              </a:rPr>
-              <a:t>References</a:t>
-            </a:r>
-            <a:endParaRPr lang="en-IN" sz="2800" b="1" dirty="0">
-              <a:solidFill>
-                <a:srgbClr val="000000"/>
-              </a:solidFill>
-              <a:latin typeface="+mj-lt"/>
-              <a:cs typeface="Times New Roman" pitchFamily="16" charset="0"/>
-            </a:endParaRPr>
-          </a:p>
-          <a:p>
-            <a:pPr marL="342900" indent="-342900" algn="just" eaLnBrk="1" hangingPunct="1">
-              <a:lnSpc>
-                <a:spcPct val="150000"/>
-              </a:lnSpc>
-              <a:spcBef>
-                <a:spcPts val="600"/>
-              </a:spcBef>
-              <a:buFont typeface="Wingdings" panose="05000000000000000000" pitchFamily="2" charset="2"/>
-              <a:buChar char="q"/>
-              <a:tabLst>
-                <a:tab pos="911225" algn="l"/>
-                <a:tab pos="1825625" algn="l"/>
-                <a:tab pos="2740025" algn="l"/>
-                <a:tab pos="3654425" algn="l"/>
-                <a:tab pos="4568825" algn="l"/>
-                <a:tab pos="5483225" algn="l"/>
-                <a:tab pos="6397625" algn="l"/>
-                <a:tab pos="7312025" algn="l"/>
-                <a:tab pos="8226425" algn="l"/>
-                <a:tab pos="9140825" algn="l"/>
-                <a:tab pos="10055225" algn="l"/>
-              </a:tabLst>
-            </a:pPr>
-            <a:endParaRPr lang="en-IN" b="1" dirty="0">
-              <a:solidFill>
-                <a:srgbClr val="000000"/>
-              </a:solidFill>
-              <a:cs typeface="Times New Roman" pitchFamily="16" charset="0"/>
-            </a:endParaRPr>
-          </a:p>
-          <a:p>
-            <a:pPr algn="just" eaLnBrk="1" hangingPunct="1">
-              <a:lnSpc>
-                <a:spcPct val="150000"/>
-              </a:lnSpc>
-              <a:spcBef>
-                <a:spcPts val="600"/>
-              </a:spcBef>
-              <a:tabLst>
-                <a:tab pos="911225" algn="l"/>
-                <a:tab pos="1825625" algn="l"/>
-                <a:tab pos="2740025" algn="l"/>
-                <a:tab pos="3654425" algn="l"/>
-                <a:tab pos="4568825" algn="l"/>
-                <a:tab pos="5483225" algn="l"/>
-                <a:tab pos="6397625" algn="l"/>
-                <a:tab pos="7312025" algn="l"/>
-                <a:tab pos="8226425" algn="l"/>
-                <a:tab pos="9140825" algn="l"/>
-                <a:tab pos="10055225" algn="l"/>
-              </a:tabLst>
-            </a:pPr>
-            <a:endParaRPr lang="en-IN" b="1" dirty="0">
-              <a:solidFill>
-                <a:srgbClr val="000000"/>
-              </a:solidFill>
-              <a:cs typeface="Times New Roman" pitchFamily="16" charset="0"/>
-            </a:endParaRPr>
-          </a:p>
-          <a:p>
-            <a:pPr algn="just" eaLnBrk="1" hangingPunct="1">
-              <a:lnSpc>
-                <a:spcPct val="150000"/>
-              </a:lnSpc>
-              <a:spcBef>
-                <a:spcPts val="600"/>
-              </a:spcBef>
-              <a:tabLst>
-                <a:tab pos="911225" algn="l"/>
-                <a:tab pos="1825625" algn="l"/>
-                <a:tab pos="2740025" algn="l"/>
-                <a:tab pos="3654425" algn="l"/>
-                <a:tab pos="4568825" algn="l"/>
-                <a:tab pos="5483225" algn="l"/>
-                <a:tab pos="6397625" algn="l"/>
-                <a:tab pos="7312025" algn="l"/>
-                <a:tab pos="8226425" algn="l"/>
-                <a:tab pos="9140825" algn="l"/>
-                <a:tab pos="10055225" algn="l"/>
-              </a:tabLst>
-            </a:pPr>
-            <a:endParaRPr lang="en-IN" b="1" dirty="0">
-              <a:solidFill>
-                <a:srgbClr val="000000"/>
-              </a:solidFill>
-              <a:cs typeface="Times New Roman" pitchFamily="16" charset="0"/>
-            </a:endParaRPr>
-          </a:p>
-          <a:p>
-            <a:pPr algn="just" eaLnBrk="1" hangingPunct="1">
-              <a:lnSpc>
-                <a:spcPct val="150000"/>
-              </a:lnSpc>
-              <a:spcBef>
-                <a:spcPts val="600"/>
-              </a:spcBef>
-              <a:tabLst>
-                <a:tab pos="911225" algn="l"/>
-                <a:tab pos="1825625" algn="l"/>
-                <a:tab pos="2740025" algn="l"/>
-                <a:tab pos="3654425" algn="l"/>
-                <a:tab pos="4568825" algn="l"/>
-                <a:tab pos="5483225" algn="l"/>
-                <a:tab pos="6397625" algn="l"/>
-                <a:tab pos="7312025" algn="l"/>
-                <a:tab pos="8226425" algn="l"/>
-                <a:tab pos="9140825" algn="l"/>
-                <a:tab pos="10055225" algn="l"/>
-              </a:tabLst>
-            </a:pPr>
-            <a:endParaRPr lang="en-IN" b="1" dirty="0">
-              <a:solidFill>
-                <a:srgbClr val="000000"/>
-              </a:solidFill>
-              <a:cs typeface="Times New Roman" pitchFamily="16" charset="0"/>
-            </a:endParaRPr>
-          </a:p>
-          <a:p>
-            <a:pPr marL="341313" indent="-341313" algn="just" eaLnBrk="1" hangingPunct="1">
-              <a:lnSpc>
-                <a:spcPct val="150000"/>
-              </a:lnSpc>
-              <a:spcBef>
-                <a:spcPts val="600"/>
-              </a:spcBef>
-              <a:tabLst>
-                <a:tab pos="911225" algn="l"/>
-                <a:tab pos="1825625" algn="l"/>
-                <a:tab pos="2740025" algn="l"/>
-                <a:tab pos="3654425" algn="l"/>
-                <a:tab pos="4568825" algn="l"/>
-                <a:tab pos="5483225" algn="l"/>
-                <a:tab pos="6397625" algn="l"/>
-                <a:tab pos="7312025" algn="l"/>
-                <a:tab pos="8226425" algn="l"/>
-                <a:tab pos="9140825" algn="l"/>
-                <a:tab pos="10055225" algn="l"/>
-              </a:tabLst>
-            </a:pPr>
-            <a:endParaRPr lang="en-IN" b="1" dirty="0">
-              <a:solidFill>
-                <a:srgbClr val="000000"/>
-              </a:solidFill>
-              <a:cs typeface="Times New Roman" pitchFamily="16" charset="0"/>
-            </a:endParaRPr>
-          </a:p>
-        </p:txBody>
-      </p:sp>
-      <p:sp>
-        <p:nvSpPr>
-          <p:cNvPr id="4" name="TextBox 3"/>
-          <p:cNvSpPr txBox="1"/>
-          <p:nvPr/>
-        </p:nvSpPr>
-        <p:spPr>
-          <a:xfrm>
-            <a:off x="533400" y="762000"/>
-            <a:ext cx="1757212" cy="584775"/>
-          </a:xfrm>
-          <a:prstGeom prst="rect">
-            <a:avLst/>
-          </a:prstGeom>
-          <a:noFill/>
-        </p:spPr>
-        <p:txBody>
-          <a:bodyPr wrap="none" rtlCol="0">
-            <a:spAutoFit/>
-          </a:bodyPr>
-          <a:lstStyle/>
-          <a:p>
-            <a:pPr algn="just"/>
-            <a:r>
-              <a:rPr lang="en-US" sz="3200" b="1" dirty="0">
-                <a:solidFill>
-                  <a:srgbClr val="3333CC"/>
-                </a:solidFill>
-                <a:latin typeface="+mj-lt"/>
-                <a:ea typeface="+mj-ea"/>
-                <a:cs typeface="+mj-cs"/>
-              </a:rPr>
-              <a:t>Contents</a:t>
-            </a:r>
-          </a:p>
-        </p:txBody>
-      </p:sp>
-    </p:spTree>
-  </p:cSld>
-  <p:clrMapOvr>
-    <a:masterClrMapping/>
-  </p:clrMapOvr>
-  <p:transition spd="med"/>
-  <p:timing>
-    <p:tnLst>
-      <p:par>
-        <p:cTn id="1" dur="indefinite" restart="never" nodeType="tmRoot">
-          <p:childTnLst>
-            <p:seq concurrent="1" nextAc="seek">
-              <p:cTn id="2" dur="0" nodeType="mainSeq"/>
-              <p:prevCondLst>
-                <p:cond evt="onPrev" delay="0">
-                  <p:tgtEl>
-                    <p:sldTgt/>
-                  </p:tgtEl>
-                </p:cond>
-              </p:prevCondLst>
-              <p:nextCondLst>
-                <p:cond evt="onNext" delay="0">
-                  <p:tgtEl>
-                    <p:sldTgt/>
-                  </p:tgtEl>
-                </p:cond>
-              </p:nextCondLst>
-            </p:seq>
-          </p:childTnLst>
-        </p:cTn>
-      </p:par>
-    </p:tnLst>
-  </p:timing>
-</p:sld>
-</file>
-
-<file path=ppt/slides/slide20.xml><?xml version="1.0" encoding="utf-8"?>
-<p:sld xmlns:a="http://schemas.openxmlformats.org/drawingml/2006/main" xmlns:r="http://schemas.openxmlformats.org/officeDocument/2006/relationships" xmlns:p="http://schemas.openxmlformats.org/presentationml/2006/main">
-  <p:cSld>
-    <p:spTree>
-      <p:nvGrpSpPr>
-        <p:cNvPr id="1" name=""/>
-        <p:cNvGrpSpPr/>
-        <p:nvPr/>
-      </p:nvGrpSpPr>
-      <p:grpSpPr>
-        <a:xfrm>
-          <a:off x="0" y="0"/>
-          <a:ext cx="0" cy="0"/>
-          <a:chOff x="0" y="0"/>
-          <a:chExt cx="0" cy="0"/>
-        </a:xfrm>
-      </p:grpSpPr>
-      <p:sp>
-        <p:nvSpPr>
-          <p:cNvPr id="2" name="Title 1"/>
-          <p:cNvSpPr>
-            <a:spLocks noGrp="1"/>
-          </p:cNvSpPr>
-          <p:nvPr>
-            <p:ph type="title"/>
-          </p:nvPr>
-        </p:nvSpPr>
-        <p:spPr>
-          <a:xfrm>
-            <a:off x="533400" y="762000"/>
-            <a:ext cx="4265613" cy="579437"/>
-          </a:xfrm>
-        </p:spPr>
-        <p:txBody>
-          <a:bodyPr/>
-          <a:lstStyle/>
-          <a:p>
-            <a:pPr algn="l"/>
-            <a:r>
-              <a:rPr lang="en-US" dirty="0"/>
-              <a:t>Suboptimal Algorithms</a:t>
-            </a:r>
-          </a:p>
-        </p:txBody>
-      </p:sp>
-      <p:sp>
-        <p:nvSpPr>
-          <p:cNvPr id="3" name="Content Placeholder 2"/>
-          <p:cNvSpPr>
-            <a:spLocks noGrp="1"/>
-          </p:cNvSpPr>
-          <p:nvPr>
-            <p:ph idx="1"/>
-          </p:nvPr>
-        </p:nvSpPr>
-        <p:spPr>
-          <a:xfrm>
-            <a:off x="533400" y="1371600"/>
-            <a:ext cx="8610600" cy="4722813"/>
-          </a:xfrm>
-        </p:spPr>
-        <p:txBody>
-          <a:bodyPr/>
-          <a:lstStyle/>
-          <a:p>
-            <a:pPr marL="514350" indent="-514350">
-              <a:lnSpc>
-                <a:spcPct val="150000"/>
-              </a:lnSpc>
-              <a:buFont typeface="Wingdings" panose="05000000000000000000" pitchFamily="2" charset="2"/>
-              <a:buChar char="q"/>
-            </a:pPr>
-            <a:r>
-              <a:rPr lang="en-IN" sz="2400" dirty="0">
-                <a:solidFill>
-                  <a:schemeClr val="tx1"/>
-                </a:solidFill>
-              </a:rPr>
-              <a:t>Treating each receive antenna as an individual user provides </a:t>
-            </a:r>
-            <a:r>
-              <a:rPr lang="en-IN" sz="2400" b="1" dirty="0">
-                <a:solidFill>
-                  <a:schemeClr val="tx1"/>
-                </a:solidFill>
-              </a:rPr>
-              <a:t>more robustness to the errors </a:t>
-            </a:r>
-            <a:r>
-              <a:rPr lang="en-IN" sz="2400" dirty="0">
-                <a:solidFill>
-                  <a:schemeClr val="tx1"/>
-                </a:solidFill>
-              </a:rPr>
-              <a:t>from outdated precoding matrices than considering multiple antennas at each user.</a:t>
-            </a:r>
-          </a:p>
-          <a:p>
-            <a:pPr marL="514350" indent="-514350">
-              <a:lnSpc>
-                <a:spcPct val="150000"/>
-              </a:lnSpc>
-              <a:buFont typeface="Wingdings" panose="05000000000000000000" pitchFamily="2" charset="2"/>
-              <a:buChar char="q"/>
-            </a:pPr>
-            <a:r>
-              <a:rPr lang="en-IN" sz="2400" dirty="0">
-                <a:solidFill>
-                  <a:schemeClr val="tx1"/>
-                </a:solidFill>
-              </a:rPr>
-              <a:t>By treating each antenna as a separate user, no receive beamforming can be exploited. Thus, procedures in the second phase are excluded from SA2 and </a:t>
-            </a:r>
-            <a:r>
-              <a:rPr lang="en-IN" sz="2400" b="1" dirty="0">
-                <a:solidFill>
-                  <a:schemeClr val="tx1"/>
-                </a:solidFill>
-              </a:rPr>
-              <a:t>the number of data streams is always equal to the number of selected antennas.</a:t>
-            </a:r>
-          </a:p>
-        </p:txBody>
-      </p:sp>
-    </p:spTree>
-    <p:extLst>
-      <p:ext uri="{BB962C8B-B14F-4D97-AF65-F5344CB8AC3E}">
-        <p14:creationId xmlns:p14="http://schemas.microsoft.com/office/powerpoint/2010/main" val="4249425202"/>
-      </p:ext>
-    </p:extLst>
-  </p:cSld>
-  <p:clrMapOvr>
-    <a:masterClrMapping/>
-  </p:clrMapOvr>
-</p:sld>
-</file>
-
-<file path=ppt/slides/slide21.xml><?xml version="1.0" encoding="utf-8"?>
-<p:sld xmlns:a="http://schemas.openxmlformats.org/drawingml/2006/main" xmlns:r="http://schemas.openxmlformats.org/officeDocument/2006/relationships" xmlns:p="http://schemas.openxmlformats.org/presentationml/2006/main">
-  <p:cSld>
-    <p:spTree>
-      <p:nvGrpSpPr>
-        <p:cNvPr id="1" name=""/>
-        <p:cNvGrpSpPr/>
-        <p:nvPr/>
-      </p:nvGrpSpPr>
-      <p:grpSpPr>
-        <a:xfrm>
-          <a:off x="0" y="0"/>
-          <a:ext cx="0" cy="0"/>
-          <a:chOff x="0" y="0"/>
-          <a:chExt cx="0" cy="0"/>
-        </a:xfrm>
-      </p:grpSpPr>
-      <p:sp>
-        <p:nvSpPr>
-          <p:cNvPr id="2" name="Title 1"/>
-          <p:cNvSpPr>
-            <a:spLocks noGrp="1"/>
-          </p:cNvSpPr>
-          <p:nvPr>
-            <p:ph type="title"/>
-          </p:nvPr>
-        </p:nvSpPr>
-        <p:spPr>
-          <a:xfrm>
-            <a:off x="533400" y="762000"/>
-            <a:ext cx="4265613" cy="579437"/>
-          </a:xfrm>
-        </p:spPr>
-        <p:txBody>
-          <a:bodyPr/>
-          <a:lstStyle/>
-          <a:p>
-            <a:pPr algn="l"/>
-            <a:r>
-              <a:rPr lang="en-US" dirty="0"/>
-              <a:t>Suboptimal Algorithms</a:t>
-            </a:r>
-          </a:p>
-        </p:txBody>
-      </p:sp>
-      <mc:AlternateContent xmlns:mc="http://schemas.openxmlformats.org/markup-compatibility/2006" xmlns:a14="http://schemas.microsoft.com/office/drawing/2010/main">
-        <mc:Choice Requires="a14">
+      <mc:AlternateContent xmlns:mc="http://schemas.openxmlformats.org/markup-compatibility/2006">
+        <mc:Choice xmlns:a14="http://schemas.microsoft.com/office/drawing/2010/main" Requires="a14">
           <p:sp>
             <p:nvSpPr>
               <p:cNvPr id="3" name="Content Placeholder 2"/>
@@ -10749,7 +8657,7 @@
             <p:spPr>
               <a:xfrm>
                 <a:off x="533400" y="1371600"/>
-                <a:ext cx="8610600" cy="4722813"/>
+                <a:ext cx="8568397" cy="4722813"/>
               </a:xfrm>
             </p:spPr>
             <p:txBody>
@@ -10850,14 +8758,38 @@
                         </m:naryPr>
                         <m:sub>
                           <m:r>
-                            <a:rPr lang="en-IN" sz="2400" b="1" i="1" smtClean="0">
+                            <m:rPr>
+                              <m:brk/>
+                              <m:aln/>
+                            </m:rPr>
+                            <a:rPr lang="en-US" sz="2400" b="1" i="1" smtClean="0">
                               <a:solidFill>
                                 <a:schemeClr val="tx1"/>
                               </a:solidFill>
                               <a:latin typeface="Cambria Math" panose="02040503050406030204" pitchFamily="18" charset="0"/>
                               <a:cs typeface="Times New Roman" pitchFamily="16" charset="0"/>
                             </a:rPr>
-                            <m:t>𝒓𝒆𝒔</m:t>
+                            <m:t>𝒊</m:t>
+                          </m:r>
+                          <m:r>
+                            <a:rPr lang="en-US" sz="2400" b="1" i="1" smtClean="0">
+                              <a:solidFill>
+                                <a:schemeClr val="tx1"/>
+                              </a:solidFill>
+                              <a:latin typeface="Cambria Math" panose="02040503050406030204" pitchFamily="18" charset="0"/>
+                              <a:cs typeface="Times New Roman" pitchFamily="16" charset="0"/>
+                            </a:rPr>
+                            <m:t>=</m:t>
+                          </m:r>
+                          <m:r>
+                            <a:rPr lang="en-US" sz="2400" b="1" i="1" smtClean="0">
+                              <a:solidFill>
+                                <a:schemeClr val="tx1"/>
+                              </a:solidFill>
+                              <a:latin typeface="Cambria Math" panose="02040503050406030204" pitchFamily="18" charset="0"/>
+                              <a:cs typeface="Times New Roman" pitchFamily="16" charset="0"/>
+                            </a:rPr>
+                            <m:t>𝑺𝒕𝒎𝒑</m:t>
                           </m:r>
                         </m:sub>
                         <m:sup/>
@@ -11488,7 +9420,7 @@
             </p:txBody>
           </p:sp>
         </mc:Choice>
-        <mc:Fallback xmlns="">
+        <mc:Fallback>
           <p:sp>
             <p:nvSpPr>
               <p:cNvPr id="3" name="Content Placeholder 2"/>
@@ -11502,12 +9434,12 @@
             <p:spPr>
               <a:xfrm>
                 <a:off x="533400" y="1371600"/>
-                <a:ext cx="8610600" cy="4722813"/>
+                <a:ext cx="8568397" cy="4722813"/>
               </a:xfrm>
               <a:blipFill>
                 <a:blip r:embed="rId2"/>
                 <a:stretch>
-                  <a:fillRect l="-992" t="-1032" r="-1133"/>
+                  <a:fillRect l="-996" t="-1032" r="-1139"/>
                 </a:stretch>
               </a:blipFill>
             </p:spPr>
@@ -11539,7 +9471,620 @@
 </p:sld>
 </file>
 
-<file path=ppt/slides/slide22.xml><?xml version="1.0" encoding="utf-8"?>
+<file path=ppt/slides/slide2.xml><?xml version="1.0" encoding="utf-8"?>
+<p:sld xmlns:a="http://schemas.openxmlformats.org/drawingml/2006/main" xmlns:r="http://schemas.openxmlformats.org/officeDocument/2006/relationships" xmlns:p="http://schemas.openxmlformats.org/presentationml/2006/main">
+  <p:cSld>
+    <p:spTree>
+      <p:nvGrpSpPr>
+        <p:cNvPr id="1" name=""/>
+        <p:cNvGrpSpPr/>
+        <p:nvPr/>
+      </p:nvGrpSpPr>
+      <p:grpSpPr>
+        <a:xfrm>
+          <a:off x="0" y="0"/>
+          <a:ext cx="0" cy="0"/>
+          <a:chOff x="0" y="0"/>
+          <a:chExt cx="0" cy="0"/>
+        </a:xfrm>
+      </p:grpSpPr>
+      <p:sp>
+        <p:nvSpPr>
+          <p:cNvPr id="4097" name="Text Box 1"/>
+          <p:cNvSpPr txBox="1">
+            <a:spLocks noChangeArrowheads="1"/>
+          </p:cNvSpPr>
+          <p:nvPr/>
+        </p:nvSpPr>
+        <p:spPr bwMode="auto">
+          <a:xfrm>
+            <a:off x="533400" y="739775"/>
+            <a:ext cx="7924800" cy="579438"/>
+          </a:xfrm>
+          <a:prstGeom prst="rect">
+            <a:avLst/>
+          </a:prstGeom>
+          <a:noFill/>
+          <a:ln w="9525" cap="flat">
+            <a:noFill/>
+            <a:round/>
+            <a:headEnd/>
+            <a:tailEnd/>
+          </a:ln>
+          <a:effectLst/>
+        </p:spPr>
+        <p:txBody>
+          <a:bodyPr anchor="ctr"/>
+          <a:lstStyle/>
+          <a:p>
+            <a:pPr algn="just" eaLnBrk="1" hangingPunct="1">
+              <a:buClrTx/>
+              <a:buFontTx/>
+              <a:buNone/>
+              <a:tabLst>
+                <a:tab pos="0" algn="l"/>
+                <a:tab pos="914400" algn="l"/>
+                <a:tab pos="1828800" algn="l"/>
+                <a:tab pos="2743200" algn="l"/>
+                <a:tab pos="3657600" algn="l"/>
+                <a:tab pos="4572000" algn="l"/>
+                <a:tab pos="5486400" algn="l"/>
+                <a:tab pos="6400800" algn="l"/>
+                <a:tab pos="7315200" algn="l"/>
+                <a:tab pos="8229600" algn="l"/>
+                <a:tab pos="9144000" algn="l"/>
+                <a:tab pos="10058400" algn="l"/>
+              </a:tabLst>
+            </a:pPr>
+            <a:endParaRPr lang="en-US" sz="3200" b="1" dirty="0">
+              <a:solidFill>
+                <a:srgbClr val="3333CC"/>
+              </a:solidFill>
+              <a:ea typeface="DejaVu Sans" charset="0"/>
+              <a:cs typeface="DejaVu Sans" charset="0"/>
+            </a:endParaRPr>
+          </a:p>
+        </p:txBody>
+      </p:sp>
+      <p:sp>
+        <p:nvSpPr>
+          <p:cNvPr id="4098" name="Text Box 2"/>
+          <p:cNvSpPr txBox="1">
+            <a:spLocks noChangeArrowheads="1"/>
+          </p:cNvSpPr>
+          <p:nvPr/>
+        </p:nvSpPr>
+        <p:spPr bwMode="auto">
+          <a:xfrm>
+            <a:off x="685800" y="1369000"/>
+            <a:ext cx="8305800" cy="5005387"/>
+          </a:xfrm>
+          <a:prstGeom prst="rect">
+            <a:avLst/>
+          </a:prstGeom>
+          <a:noFill/>
+          <a:ln w="9525" cap="flat">
+            <a:noFill/>
+            <a:round/>
+            <a:headEnd/>
+            <a:tailEnd/>
+          </a:ln>
+          <a:effectLst/>
+        </p:spPr>
+        <p:txBody>
+          <a:bodyPr/>
+          <a:lstStyle/>
+          <a:p>
+            <a:pPr marL="342900" indent="-342900" algn="just" eaLnBrk="1" hangingPunct="1">
+              <a:lnSpc>
+                <a:spcPct val="150000"/>
+              </a:lnSpc>
+              <a:spcBef>
+                <a:spcPts val="600"/>
+              </a:spcBef>
+              <a:buFont typeface="Wingdings" panose="05000000000000000000" pitchFamily="2" charset="2"/>
+              <a:buChar char="q"/>
+              <a:tabLst>
+                <a:tab pos="911225" algn="l"/>
+                <a:tab pos="1825625" algn="l"/>
+                <a:tab pos="2740025" algn="l"/>
+                <a:tab pos="3654425" algn="l"/>
+                <a:tab pos="4568825" algn="l"/>
+                <a:tab pos="5483225" algn="l"/>
+                <a:tab pos="6397625" algn="l"/>
+                <a:tab pos="7312025" algn="l"/>
+                <a:tab pos="8226425" algn="l"/>
+                <a:tab pos="9140825" algn="l"/>
+                <a:tab pos="10055225" algn="l"/>
+              </a:tabLst>
+            </a:pPr>
+            <a:r>
+              <a:rPr lang="en-IN" sz="2000" dirty="0">
+                <a:solidFill>
+                  <a:srgbClr val="000000"/>
+                </a:solidFill>
+                <a:cs typeface="Times New Roman" pitchFamily="16" charset="0"/>
+              </a:rPr>
+              <a:t>Aims/Objectives</a:t>
+            </a:r>
+          </a:p>
+          <a:p>
+            <a:pPr marL="342900" indent="-342900" algn="just" eaLnBrk="1" hangingPunct="1">
+              <a:lnSpc>
+                <a:spcPct val="150000"/>
+              </a:lnSpc>
+              <a:spcBef>
+                <a:spcPts val="600"/>
+              </a:spcBef>
+              <a:buFont typeface="Wingdings" panose="05000000000000000000" pitchFamily="2" charset="2"/>
+              <a:buChar char="q"/>
+              <a:tabLst>
+                <a:tab pos="911225" algn="l"/>
+                <a:tab pos="1825625" algn="l"/>
+                <a:tab pos="2740025" algn="l"/>
+                <a:tab pos="3654425" algn="l"/>
+                <a:tab pos="4568825" algn="l"/>
+                <a:tab pos="5483225" algn="l"/>
+                <a:tab pos="6397625" algn="l"/>
+                <a:tab pos="7312025" algn="l"/>
+                <a:tab pos="8226425" algn="l"/>
+                <a:tab pos="9140825" algn="l"/>
+                <a:tab pos="10055225" algn="l"/>
+              </a:tabLst>
+            </a:pPr>
+            <a:r>
+              <a:rPr lang="en-IN" sz="2000" dirty="0">
+                <a:solidFill>
+                  <a:srgbClr val="000000"/>
+                </a:solidFill>
+                <a:cs typeface="Times New Roman" pitchFamily="16" charset="0"/>
+              </a:rPr>
+              <a:t>Introduction</a:t>
+            </a:r>
+          </a:p>
+          <a:p>
+            <a:pPr marL="342900" indent="-342900" algn="just" eaLnBrk="1" hangingPunct="1">
+              <a:lnSpc>
+                <a:spcPct val="150000"/>
+              </a:lnSpc>
+              <a:spcBef>
+                <a:spcPts val="600"/>
+              </a:spcBef>
+              <a:buFont typeface="Wingdings" panose="05000000000000000000" pitchFamily="2" charset="2"/>
+              <a:buChar char="q"/>
+              <a:tabLst>
+                <a:tab pos="911225" algn="l"/>
+                <a:tab pos="1825625" algn="l"/>
+                <a:tab pos="2740025" algn="l"/>
+                <a:tab pos="3654425" algn="l"/>
+                <a:tab pos="4568825" algn="l"/>
+                <a:tab pos="5483225" algn="l"/>
+                <a:tab pos="6397625" algn="l"/>
+                <a:tab pos="7312025" algn="l"/>
+                <a:tab pos="8226425" algn="l"/>
+                <a:tab pos="9140825" algn="l"/>
+                <a:tab pos="10055225" algn="l"/>
+              </a:tabLst>
+            </a:pPr>
+            <a:r>
+              <a:rPr lang="en-IN" sz="2000" dirty="0">
+                <a:solidFill>
+                  <a:srgbClr val="000000"/>
+                </a:solidFill>
+                <a:cs typeface="Times New Roman" pitchFamily="16" charset="0"/>
+              </a:rPr>
+              <a:t>System Model</a:t>
+            </a:r>
+          </a:p>
+          <a:p>
+            <a:pPr marL="342900" indent="-342900" algn="just" eaLnBrk="1" hangingPunct="1">
+              <a:lnSpc>
+                <a:spcPct val="150000"/>
+              </a:lnSpc>
+              <a:spcBef>
+                <a:spcPts val="600"/>
+              </a:spcBef>
+              <a:buFont typeface="Wingdings" panose="05000000000000000000" pitchFamily="2" charset="2"/>
+              <a:buChar char="q"/>
+              <a:tabLst>
+                <a:tab pos="911225" algn="l"/>
+                <a:tab pos="1825625" algn="l"/>
+                <a:tab pos="2740025" algn="l"/>
+                <a:tab pos="3654425" algn="l"/>
+                <a:tab pos="4568825" algn="l"/>
+                <a:tab pos="5483225" algn="l"/>
+                <a:tab pos="6397625" algn="l"/>
+                <a:tab pos="7312025" algn="l"/>
+                <a:tab pos="8226425" algn="l"/>
+                <a:tab pos="9140825" algn="l"/>
+                <a:tab pos="10055225" algn="l"/>
+              </a:tabLst>
+            </a:pPr>
+            <a:r>
+              <a:rPr lang="en-IN" sz="2000" dirty="0">
+                <a:solidFill>
+                  <a:srgbClr val="000000"/>
+                </a:solidFill>
+                <a:cs typeface="Times New Roman" pitchFamily="16" charset="0"/>
+              </a:rPr>
+              <a:t>JURAS Scheme for MU-MIMO</a:t>
+            </a:r>
+          </a:p>
+          <a:p>
+            <a:pPr marL="342900" indent="-342900" algn="just" eaLnBrk="1" hangingPunct="1">
+              <a:lnSpc>
+                <a:spcPct val="150000"/>
+              </a:lnSpc>
+              <a:spcBef>
+                <a:spcPts val="600"/>
+              </a:spcBef>
+              <a:buFont typeface="Wingdings" panose="05000000000000000000" pitchFamily="2" charset="2"/>
+              <a:buChar char="q"/>
+              <a:tabLst>
+                <a:tab pos="911225" algn="l"/>
+                <a:tab pos="1825625" algn="l"/>
+                <a:tab pos="2740025" algn="l"/>
+                <a:tab pos="3654425" algn="l"/>
+                <a:tab pos="4568825" algn="l"/>
+                <a:tab pos="5483225" algn="l"/>
+                <a:tab pos="6397625" algn="l"/>
+                <a:tab pos="7312025" algn="l"/>
+                <a:tab pos="8226425" algn="l"/>
+                <a:tab pos="9140825" algn="l"/>
+                <a:tab pos="10055225" algn="l"/>
+              </a:tabLst>
+            </a:pPr>
+            <a:r>
+              <a:rPr lang="en-IN" sz="2000" dirty="0">
+                <a:solidFill>
+                  <a:srgbClr val="000000"/>
+                </a:solidFill>
+                <a:cs typeface="Times New Roman" pitchFamily="16" charset="0"/>
+              </a:rPr>
+              <a:t>Suboptimal  Algorithms</a:t>
+            </a:r>
+          </a:p>
+          <a:p>
+            <a:pPr marL="342900" indent="-342900" algn="just" eaLnBrk="1" hangingPunct="1">
+              <a:lnSpc>
+                <a:spcPct val="150000"/>
+              </a:lnSpc>
+              <a:spcBef>
+                <a:spcPts val="600"/>
+              </a:spcBef>
+              <a:buFont typeface="Wingdings" panose="05000000000000000000" pitchFamily="2" charset="2"/>
+              <a:buChar char="q"/>
+              <a:tabLst>
+                <a:tab pos="911225" algn="l"/>
+                <a:tab pos="1825625" algn="l"/>
+                <a:tab pos="2740025" algn="l"/>
+                <a:tab pos="3654425" algn="l"/>
+                <a:tab pos="4568825" algn="l"/>
+                <a:tab pos="5483225" algn="l"/>
+                <a:tab pos="6397625" algn="l"/>
+                <a:tab pos="7312025" algn="l"/>
+                <a:tab pos="8226425" algn="l"/>
+                <a:tab pos="9140825" algn="l"/>
+                <a:tab pos="10055225" algn="l"/>
+              </a:tabLst>
+            </a:pPr>
+            <a:r>
+              <a:rPr lang="en-IN" sz="2000" dirty="0">
+                <a:solidFill>
+                  <a:srgbClr val="000000"/>
+                </a:solidFill>
+                <a:latin typeface="+mj-lt"/>
+                <a:cs typeface="Times New Roman" pitchFamily="16" charset="0"/>
+              </a:rPr>
+              <a:t>Outputs</a:t>
+            </a:r>
+          </a:p>
+          <a:p>
+            <a:pPr marL="342900" indent="-342900" algn="just" eaLnBrk="1" hangingPunct="1">
+              <a:lnSpc>
+                <a:spcPct val="150000"/>
+              </a:lnSpc>
+              <a:spcBef>
+                <a:spcPts val="600"/>
+              </a:spcBef>
+              <a:buFont typeface="Wingdings" panose="05000000000000000000" pitchFamily="2" charset="2"/>
+              <a:buChar char="q"/>
+              <a:tabLst>
+                <a:tab pos="911225" algn="l"/>
+                <a:tab pos="1825625" algn="l"/>
+                <a:tab pos="2740025" algn="l"/>
+                <a:tab pos="3654425" algn="l"/>
+                <a:tab pos="4568825" algn="l"/>
+                <a:tab pos="5483225" algn="l"/>
+                <a:tab pos="6397625" algn="l"/>
+                <a:tab pos="7312025" algn="l"/>
+                <a:tab pos="8226425" algn="l"/>
+                <a:tab pos="9140825" algn="l"/>
+                <a:tab pos="10055225" algn="l"/>
+              </a:tabLst>
+            </a:pPr>
+            <a:r>
+              <a:rPr lang="en-IN" sz="2000" dirty="0">
+                <a:solidFill>
+                  <a:srgbClr val="000000"/>
+                </a:solidFill>
+                <a:cs typeface="Times New Roman" pitchFamily="16" charset="0"/>
+              </a:rPr>
+              <a:t>Conclusions</a:t>
+            </a:r>
+            <a:endParaRPr lang="en-IN" sz="2000" dirty="0">
+              <a:solidFill>
+                <a:srgbClr val="000000"/>
+              </a:solidFill>
+              <a:latin typeface="+mj-lt"/>
+              <a:cs typeface="Times New Roman" pitchFamily="16" charset="0"/>
+            </a:endParaRPr>
+          </a:p>
+          <a:p>
+            <a:pPr marL="342900" indent="-342900" algn="just" eaLnBrk="1" hangingPunct="1">
+              <a:lnSpc>
+                <a:spcPct val="150000"/>
+              </a:lnSpc>
+              <a:spcBef>
+                <a:spcPts val="600"/>
+              </a:spcBef>
+              <a:buFont typeface="Wingdings" panose="05000000000000000000" pitchFamily="2" charset="2"/>
+              <a:buChar char="q"/>
+              <a:tabLst>
+                <a:tab pos="911225" algn="l"/>
+                <a:tab pos="1825625" algn="l"/>
+                <a:tab pos="2740025" algn="l"/>
+                <a:tab pos="3654425" algn="l"/>
+                <a:tab pos="4568825" algn="l"/>
+                <a:tab pos="5483225" algn="l"/>
+                <a:tab pos="6397625" algn="l"/>
+                <a:tab pos="7312025" algn="l"/>
+                <a:tab pos="8226425" algn="l"/>
+                <a:tab pos="9140825" algn="l"/>
+                <a:tab pos="10055225" algn="l"/>
+              </a:tabLst>
+            </a:pPr>
+            <a:r>
+              <a:rPr lang="en-IN" sz="2000" dirty="0">
+                <a:solidFill>
+                  <a:srgbClr val="000000"/>
+                </a:solidFill>
+                <a:latin typeface="+mj-lt"/>
+                <a:cs typeface="Times New Roman" pitchFamily="16" charset="0"/>
+              </a:rPr>
+              <a:t>References</a:t>
+            </a:r>
+            <a:endParaRPr lang="en-IN" sz="2800" b="1" dirty="0">
+              <a:solidFill>
+                <a:srgbClr val="000000"/>
+              </a:solidFill>
+              <a:latin typeface="+mj-lt"/>
+              <a:cs typeface="Times New Roman" pitchFamily="16" charset="0"/>
+            </a:endParaRPr>
+          </a:p>
+          <a:p>
+            <a:pPr marL="342900" indent="-342900" algn="just" eaLnBrk="1" hangingPunct="1">
+              <a:lnSpc>
+                <a:spcPct val="150000"/>
+              </a:lnSpc>
+              <a:spcBef>
+                <a:spcPts val="600"/>
+              </a:spcBef>
+              <a:buFont typeface="Wingdings" panose="05000000000000000000" pitchFamily="2" charset="2"/>
+              <a:buChar char="q"/>
+              <a:tabLst>
+                <a:tab pos="911225" algn="l"/>
+                <a:tab pos="1825625" algn="l"/>
+                <a:tab pos="2740025" algn="l"/>
+                <a:tab pos="3654425" algn="l"/>
+                <a:tab pos="4568825" algn="l"/>
+                <a:tab pos="5483225" algn="l"/>
+                <a:tab pos="6397625" algn="l"/>
+                <a:tab pos="7312025" algn="l"/>
+                <a:tab pos="8226425" algn="l"/>
+                <a:tab pos="9140825" algn="l"/>
+                <a:tab pos="10055225" algn="l"/>
+              </a:tabLst>
+            </a:pPr>
+            <a:endParaRPr lang="en-IN" b="1" dirty="0">
+              <a:solidFill>
+                <a:srgbClr val="000000"/>
+              </a:solidFill>
+              <a:cs typeface="Times New Roman" pitchFamily="16" charset="0"/>
+            </a:endParaRPr>
+          </a:p>
+          <a:p>
+            <a:pPr algn="just" eaLnBrk="1" hangingPunct="1">
+              <a:lnSpc>
+                <a:spcPct val="150000"/>
+              </a:lnSpc>
+              <a:spcBef>
+                <a:spcPts val="600"/>
+              </a:spcBef>
+              <a:tabLst>
+                <a:tab pos="911225" algn="l"/>
+                <a:tab pos="1825625" algn="l"/>
+                <a:tab pos="2740025" algn="l"/>
+                <a:tab pos="3654425" algn="l"/>
+                <a:tab pos="4568825" algn="l"/>
+                <a:tab pos="5483225" algn="l"/>
+                <a:tab pos="6397625" algn="l"/>
+                <a:tab pos="7312025" algn="l"/>
+                <a:tab pos="8226425" algn="l"/>
+                <a:tab pos="9140825" algn="l"/>
+                <a:tab pos="10055225" algn="l"/>
+              </a:tabLst>
+            </a:pPr>
+            <a:endParaRPr lang="en-IN" b="1" dirty="0">
+              <a:solidFill>
+                <a:srgbClr val="000000"/>
+              </a:solidFill>
+              <a:cs typeface="Times New Roman" pitchFamily="16" charset="0"/>
+            </a:endParaRPr>
+          </a:p>
+          <a:p>
+            <a:pPr algn="just" eaLnBrk="1" hangingPunct="1">
+              <a:lnSpc>
+                <a:spcPct val="150000"/>
+              </a:lnSpc>
+              <a:spcBef>
+                <a:spcPts val="600"/>
+              </a:spcBef>
+              <a:tabLst>
+                <a:tab pos="911225" algn="l"/>
+                <a:tab pos="1825625" algn="l"/>
+                <a:tab pos="2740025" algn="l"/>
+                <a:tab pos="3654425" algn="l"/>
+                <a:tab pos="4568825" algn="l"/>
+                <a:tab pos="5483225" algn="l"/>
+                <a:tab pos="6397625" algn="l"/>
+                <a:tab pos="7312025" algn="l"/>
+                <a:tab pos="8226425" algn="l"/>
+                <a:tab pos="9140825" algn="l"/>
+                <a:tab pos="10055225" algn="l"/>
+              </a:tabLst>
+            </a:pPr>
+            <a:endParaRPr lang="en-IN" b="1" dirty="0">
+              <a:solidFill>
+                <a:srgbClr val="000000"/>
+              </a:solidFill>
+              <a:cs typeface="Times New Roman" pitchFamily="16" charset="0"/>
+            </a:endParaRPr>
+          </a:p>
+          <a:p>
+            <a:pPr algn="just" eaLnBrk="1" hangingPunct="1">
+              <a:lnSpc>
+                <a:spcPct val="150000"/>
+              </a:lnSpc>
+              <a:spcBef>
+                <a:spcPts val="600"/>
+              </a:spcBef>
+              <a:tabLst>
+                <a:tab pos="911225" algn="l"/>
+                <a:tab pos="1825625" algn="l"/>
+                <a:tab pos="2740025" algn="l"/>
+                <a:tab pos="3654425" algn="l"/>
+                <a:tab pos="4568825" algn="l"/>
+                <a:tab pos="5483225" algn="l"/>
+                <a:tab pos="6397625" algn="l"/>
+                <a:tab pos="7312025" algn="l"/>
+                <a:tab pos="8226425" algn="l"/>
+                <a:tab pos="9140825" algn="l"/>
+                <a:tab pos="10055225" algn="l"/>
+              </a:tabLst>
+            </a:pPr>
+            <a:endParaRPr lang="en-IN" b="1" dirty="0">
+              <a:solidFill>
+                <a:srgbClr val="000000"/>
+              </a:solidFill>
+              <a:cs typeface="Times New Roman" pitchFamily="16" charset="0"/>
+            </a:endParaRPr>
+          </a:p>
+          <a:p>
+            <a:pPr marL="341313" indent="-341313" algn="just" eaLnBrk="1" hangingPunct="1">
+              <a:lnSpc>
+                <a:spcPct val="150000"/>
+              </a:lnSpc>
+              <a:spcBef>
+                <a:spcPts val="600"/>
+              </a:spcBef>
+              <a:tabLst>
+                <a:tab pos="911225" algn="l"/>
+                <a:tab pos="1825625" algn="l"/>
+                <a:tab pos="2740025" algn="l"/>
+                <a:tab pos="3654425" algn="l"/>
+                <a:tab pos="4568825" algn="l"/>
+                <a:tab pos="5483225" algn="l"/>
+                <a:tab pos="6397625" algn="l"/>
+                <a:tab pos="7312025" algn="l"/>
+                <a:tab pos="8226425" algn="l"/>
+                <a:tab pos="9140825" algn="l"/>
+                <a:tab pos="10055225" algn="l"/>
+              </a:tabLst>
+            </a:pPr>
+            <a:endParaRPr lang="en-IN" b="1" dirty="0">
+              <a:solidFill>
+                <a:srgbClr val="000000"/>
+              </a:solidFill>
+              <a:cs typeface="Times New Roman" pitchFamily="16" charset="0"/>
+            </a:endParaRPr>
+          </a:p>
+        </p:txBody>
+      </p:sp>
+      <p:sp>
+        <p:nvSpPr>
+          <p:cNvPr id="4" name="TextBox 3"/>
+          <p:cNvSpPr txBox="1"/>
+          <p:nvPr/>
+        </p:nvSpPr>
+        <p:spPr>
+          <a:xfrm>
+            <a:off x="533400" y="762000"/>
+            <a:ext cx="1757212" cy="584775"/>
+          </a:xfrm>
+          <a:prstGeom prst="rect">
+            <a:avLst/>
+          </a:prstGeom>
+          <a:noFill/>
+        </p:spPr>
+        <p:txBody>
+          <a:bodyPr wrap="none" rtlCol="0">
+            <a:spAutoFit/>
+          </a:bodyPr>
+          <a:lstStyle/>
+          <a:p>
+            <a:pPr algn="just"/>
+            <a:r>
+              <a:rPr lang="en-US" sz="3200" b="1" dirty="0">
+                <a:solidFill>
+                  <a:srgbClr val="3333CC"/>
+                </a:solidFill>
+                <a:latin typeface="+mj-lt"/>
+                <a:ea typeface="+mj-ea"/>
+                <a:cs typeface="+mj-cs"/>
+              </a:rPr>
+              <a:t>Contents</a:t>
+            </a:r>
+          </a:p>
+        </p:txBody>
+      </p:sp>
+    </p:spTree>
+  </p:cSld>
+  <p:clrMapOvr>
+    <a:masterClrMapping/>
+  </p:clrMapOvr>
+  <p:transition spd="med"/>
+  <p:timing>
+    <p:tnLst>
+      <p:par>
+        <p:cTn id="1" dur="indefinite" restart="never" nodeType="tmRoot">
+          <p:childTnLst>
+            <p:seq concurrent="1" nextAc="seek">
+              <p:cTn id="2" dur="0" nodeType="mainSeq"/>
+              <p:prevCondLst>
+                <p:cond evt="onPrev" delay="0">
+                  <p:tgtEl>
+                    <p:sldTgt/>
+                  </p:tgtEl>
+                </p:cond>
+              </p:prevCondLst>
+              <p:nextCondLst>
+                <p:cond evt="onNext" delay="0">
+                  <p:tgtEl>
+                    <p:sldTgt/>
+                  </p:tgtEl>
+                </p:cond>
+              </p:nextCondLst>
+            </p:seq>
+          </p:childTnLst>
+        </p:cTn>
+      </p:par>
+    </p:tnLst>
+  </p:timing>
+</p:sld>
+</file>
+
+<file path=ppt/slides/slide20.xml><?xml version="1.0" encoding="utf-8"?>
 <p:sld xmlns:a="http://schemas.openxmlformats.org/drawingml/2006/main" xmlns:r="http://schemas.openxmlformats.org/officeDocument/2006/relationships" xmlns:p="http://schemas.openxmlformats.org/presentationml/2006/main">
   <p:cSld>
     <p:spTree>
@@ -11670,7 +10215,7 @@
 </p:sld>
 </file>
 
-<file path=ppt/slides/slide23.xml><?xml version="1.0" encoding="utf-8"?>
+<file path=ppt/slides/slide21.xml><?xml version="1.0" encoding="utf-8"?>
 <p:sld xmlns:a="http://schemas.openxmlformats.org/drawingml/2006/main" xmlns:r="http://schemas.openxmlformats.org/officeDocument/2006/relationships" xmlns:p="http://schemas.openxmlformats.org/presentationml/2006/main">
   <p:cSld>
     <p:spTree>
@@ -11789,7 +10334,7 @@
 </p:sld>
 </file>
 
-<file path=ppt/slides/slide24.xml><?xml version="1.0" encoding="utf-8"?>
+<file path=ppt/slides/slide22.xml><?xml version="1.0" encoding="utf-8"?>
 <p:sld xmlns:a="http://schemas.openxmlformats.org/drawingml/2006/main" xmlns:r="http://schemas.openxmlformats.org/officeDocument/2006/relationships" xmlns:p="http://schemas.openxmlformats.org/presentationml/2006/main">
   <p:cSld>
     <p:spTree>
@@ -12291,7 +10836,7 @@
 </p:sld>
 </file>
 
-<file path=ppt/slides/slide25.xml><?xml version="1.0" encoding="utf-8"?>
+<file path=ppt/slides/slide23.xml><?xml version="1.0" encoding="utf-8"?>
 <p:sld xmlns:a="http://schemas.openxmlformats.org/drawingml/2006/main" xmlns:r="http://schemas.openxmlformats.org/officeDocument/2006/relationships" xmlns:p="http://schemas.openxmlformats.org/presentationml/2006/main">
   <p:cSld>
     <p:spTree>
@@ -12445,7 +10990,7 @@
 </p:sld>
 </file>
 
-<file path=ppt/slides/slide26.xml><?xml version="1.0" encoding="utf-8"?>
+<file path=ppt/slides/slide24.xml><?xml version="1.0" encoding="utf-8"?>
 <p:sld xmlns:a="http://schemas.openxmlformats.org/drawingml/2006/main" xmlns:r="http://schemas.openxmlformats.org/officeDocument/2006/relationships" xmlns:p="http://schemas.openxmlformats.org/presentationml/2006/main">
   <p:cSld>
     <p:spTree>
@@ -12656,6 +11201,344 @@
 </p:sld>
 </file>
 
+<file path=ppt/slides/slide25.xml><?xml version="1.0" encoding="utf-8"?>
+<p:sld xmlns:a="http://schemas.openxmlformats.org/drawingml/2006/main" xmlns:r="http://schemas.openxmlformats.org/officeDocument/2006/relationships" xmlns:p="http://schemas.openxmlformats.org/presentationml/2006/main">
+  <p:cSld>
+    <p:spTree>
+      <p:nvGrpSpPr>
+        <p:cNvPr id="1" name=""/>
+        <p:cNvGrpSpPr/>
+        <p:nvPr/>
+      </p:nvGrpSpPr>
+      <p:grpSpPr>
+        <a:xfrm>
+          <a:off x="0" y="0"/>
+          <a:ext cx="0" cy="0"/>
+          <a:chOff x="0" y="0"/>
+          <a:chExt cx="0" cy="0"/>
+        </a:xfrm>
+      </p:grpSpPr>
+      <p:sp>
+        <p:nvSpPr>
+          <p:cNvPr id="2" name="Title 1"/>
+          <p:cNvSpPr>
+            <a:spLocks noGrp="1"/>
+          </p:cNvSpPr>
+          <p:nvPr>
+            <p:ph type="title"/>
+          </p:nvPr>
+        </p:nvSpPr>
+        <p:spPr>
+          <a:xfrm>
+            <a:off x="533400" y="762000"/>
+            <a:ext cx="2589213" cy="579437"/>
+          </a:xfrm>
+        </p:spPr>
+        <p:txBody>
+          <a:bodyPr/>
+          <a:lstStyle/>
+          <a:p>
+            <a:pPr algn="just"/>
+            <a:r>
+              <a:rPr lang="en-US" dirty="0"/>
+              <a:t>Conclusions</a:t>
+            </a:r>
+          </a:p>
+        </p:txBody>
+      </p:sp>
+      <p:sp>
+        <p:nvSpPr>
+          <p:cNvPr id="3" name="Content Placeholder 2"/>
+          <p:cNvSpPr>
+            <a:spLocks noGrp="1"/>
+          </p:cNvSpPr>
+          <p:nvPr>
+            <p:ph idx="1"/>
+          </p:nvPr>
+        </p:nvSpPr>
+        <p:spPr>
+          <a:xfrm>
+            <a:off x="685800" y="1371600"/>
+            <a:ext cx="8382000" cy="4953000"/>
+          </a:xfrm>
+        </p:spPr>
+        <p:txBody>
+          <a:bodyPr/>
+          <a:lstStyle/>
+          <a:p>
+            <a:pPr algn="just">
+              <a:lnSpc>
+                <a:spcPct val="150000"/>
+              </a:lnSpc>
+              <a:buFont typeface="Wingdings" pitchFamily="2" charset="2"/>
+              <a:buChar char="q"/>
+            </a:pPr>
+            <a:r>
+              <a:rPr lang="en-GB" sz="2400" dirty="0">
+                <a:solidFill>
+                  <a:schemeClr val="tx1"/>
+                </a:solidFill>
+              </a:rPr>
+              <a:t>The JURAS scheme enhances the </a:t>
+            </a:r>
+            <a:r>
+              <a:rPr lang="en-GB" sz="2400" b="1" dirty="0">
+                <a:solidFill>
+                  <a:schemeClr val="tx1"/>
+                </a:solidFill>
+              </a:rPr>
+              <a:t>sum capacity </a:t>
+            </a:r>
+            <a:r>
+              <a:rPr lang="en-GB" sz="2400" dirty="0">
+                <a:solidFill>
+                  <a:schemeClr val="tx1"/>
+                </a:solidFill>
+              </a:rPr>
+              <a:t>when the number of users increases.</a:t>
+            </a:r>
+          </a:p>
+          <a:p>
+            <a:pPr marL="0" indent="0" algn="just">
+              <a:lnSpc>
+                <a:spcPct val="150000"/>
+              </a:lnSpc>
+            </a:pPr>
+            <a:endParaRPr lang="en-GB" sz="2400" dirty="0">
+              <a:solidFill>
+                <a:schemeClr val="tx1"/>
+              </a:solidFill>
+            </a:endParaRPr>
+          </a:p>
+          <a:p>
+            <a:pPr algn="just">
+              <a:lnSpc>
+                <a:spcPct val="150000"/>
+              </a:lnSpc>
+              <a:buFont typeface="Wingdings" pitchFamily="2" charset="2"/>
+              <a:buChar char="q"/>
+            </a:pPr>
+            <a:r>
+              <a:rPr lang="en-GB" sz="2400" dirty="0">
+                <a:solidFill>
+                  <a:schemeClr val="tx1"/>
+                </a:solidFill>
+              </a:rPr>
+              <a:t>The JURAS scheme </a:t>
+            </a:r>
+            <a:r>
+              <a:rPr lang="en-GB" sz="2400" b="1" dirty="0">
+                <a:solidFill>
+                  <a:schemeClr val="tx1"/>
+                </a:solidFill>
+              </a:rPr>
+              <a:t>sum capacity</a:t>
+            </a:r>
+            <a:r>
+              <a:rPr lang="en-GB" sz="2400" dirty="0">
+                <a:solidFill>
+                  <a:schemeClr val="tx1"/>
+                </a:solidFill>
+              </a:rPr>
+              <a:t> is </a:t>
+            </a:r>
+            <a:r>
+              <a:rPr lang="en-GB" sz="2400" b="1" dirty="0">
+                <a:solidFill>
+                  <a:schemeClr val="tx1"/>
+                </a:solidFill>
+              </a:rPr>
+              <a:t>significant at high SNR.</a:t>
+            </a:r>
+          </a:p>
+          <a:p>
+            <a:pPr marL="0" indent="0" algn="just">
+              <a:lnSpc>
+                <a:spcPct val="150000"/>
+              </a:lnSpc>
+            </a:pPr>
+            <a:endParaRPr lang="en-US" sz="2400" dirty="0">
+              <a:solidFill>
+                <a:schemeClr val="tx1"/>
+              </a:solidFill>
+            </a:endParaRPr>
+          </a:p>
+          <a:p>
+            <a:pPr algn="just">
+              <a:lnSpc>
+                <a:spcPct val="150000"/>
+              </a:lnSpc>
+              <a:buFont typeface="Wingdings" pitchFamily="2" charset="2"/>
+              <a:buChar char="q"/>
+            </a:pPr>
+            <a:r>
+              <a:rPr lang="en-GB" sz="2400" dirty="0">
+                <a:solidFill>
+                  <a:schemeClr val="tx1"/>
+                </a:solidFill>
+              </a:rPr>
+              <a:t>The two JURAS suboptimal algorithms </a:t>
+            </a:r>
+            <a:r>
+              <a:rPr lang="en-GB" sz="2400" b="1" dirty="0">
+                <a:solidFill>
+                  <a:schemeClr val="tx1"/>
+                </a:solidFill>
+              </a:rPr>
+              <a:t>reduced the complexity of computation.</a:t>
+            </a:r>
+            <a:endParaRPr lang="en-US" sz="2400" b="1" dirty="0">
+              <a:solidFill>
+                <a:schemeClr val="tx1"/>
+              </a:solidFill>
+            </a:endParaRPr>
+          </a:p>
+          <a:p>
+            <a:pPr>
+              <a:lnSpc>
+                <a:spcPct val="150000"/>
+              </a:lnSpc>
+            </a:pPr>
+            <a:endParaRPr lang="en-US" dirty="0"/>
+          </a:p>
+        </p:txBody>
+      </p:sp>
+    </p:spTree>
+  </p:cSld>
+  <p:clrMapOvr>
+    <a:masterClrMapping/>
+  </p:clrMapOvr>
+</p:sld>
+</file>
+
+<file path=ppt/slides/slide26.xml><?xml version="1.0" encoding="utf-8"?>
+<p:sld xmlns:a="http://schemas.openxmlformats.org/drawingml/2006/main" xmlns:r="http://schemas.openxmlformats.org/officeDocument/2006/relationships" xmlns:p="http://schemas.openxmlformats.org/presentationml/2006/main">
+  <p:cSld>
+    <p:spTree>
+      <p:nvGrpSpPr>
+        <p:cNvPr id="1" name=""/>
+        <p:cNvGrpSpPr/>
+        <p:nvPr/>
+      </p:nvGrpSpPr>
+      <p:grpSpPr>
+        <a:xfrm>
+          <a:off x="0" y="0"/>
+          <a:ext cx="0" cy="0"/>
+          <a:chOff x="0" y="0"/>
+          <a:chExt cx="0" cy="0"/>
+        </a:xfrm>
+      </p:grpSpPr>
+      <p:sp>
+        <p:nvSpPr>
+          <p:cNvPr id="2" name="Title 1"/>
+          <p:cNvSpPr>
+            <a:spLocks noGrp="1"/>
+          </p:cNvSpPr>
+          <p:nvPr>
+            <p:ph type="title"/>
+          </p:nvPr>
+        </p:nvSpPr>
+        <p:spPr>
+          <a:xfrm>
+            <a:off x="533400" y="763587"/>
+            <a:ext cx="3427413" cy="579437"/>
+          </a:xfrm>
+        </p:spPr>
+        <p:txBody>
+          <a:bodyPr/>
+          <a:lstStyle/>
+          <a:p>
+            <a:pPr algn="just"/>
+            <a:r>
+              <a:rPr lang="en-US" dirty="0"/>
+              <a:t>References</a:t>
+            </a:r>
+          </a:p>
+        </p:txBody>
+      </p:sp>
+      <p:sp>
+        <p:nvSpPr>
+          <p:cNvPr id="3" name="Content Placeholder 2"/>
+          <p:cNvSpPr>
+            <a:spLocks noGrp="1"/>
+          </p:cNvSpPr>
+          <p:nvPr>
+            <p:ph idx="1"/>
+          </p:nvPr>
+        </p:nvSpPr>
+        <p:spPr>
+          <a:xfrm>
+            <a:off x="685800" y="1371600"/>
+            <a:ext cx="8458200" cy="4722813"/>
+          </a:xfrm>
+        </p:spPr>
+        <p:txBody>
+          <a:bodyPr/>
+          <a:lstStyle/>
+          <a:p>
+            <a:pPr marL="457200" indent="-457200" algn="just">
+              <a:lnSpc>
+                <a:spcPct val="150000"/>
+              </a:lnSpc>
+              <a:buFont typeface="Wingdings" panose="05000000000000000000" pitchFamily="2" charset="2"/>
+              <a:buChar char="q"/>
+            </a:pPr>
+            <a:r>
+              <a:rPr lang="en-US" sz="2000" dirty="0">
+                <a:solidFill>
+                  <a:schemeClr val="tx1"/>
+                </a:solidFill>
+              </a:rPr>
+              <a:t>M. Sadek, A. Tarighat, and A. H. Sayed, "A Leakage-Based Precoding Scheme for Downlink Multi-User MIMO Channels," IEEE Transactions on Wireless Communications, vol. 6, no. 5, May 2007.</a:t>
+            </a:r>
+          </a:p>
+          <a:p>
+            <a:pPr marL="457200" indent="-457200" algn="just">
+              <a:lnSpc>
+                <a:spcPct val="150000"/>
+              </a:lnSpc>
+              <a:buFont typeface="Wingdings" panose="05000000000000000000" pitchFamily="2" charset="2"/>
+              <a:buChar char="q"/>
+            </a:pPr>
+            <a:r>
+              <a:rPr lang="en-US" sz="2000" dirty="0">
+                <a:solidFill>
+                  <a:schemeClr val="tx1"/>
+                </a:solidFill>
+              </a:rPr>
+              <a:t>M. Sadek, A. Tarighat, and A. H. Sayed, "Active Antenna Selection in Multiuser MIMO Communications," IEEE Transactions on Signal Processing, vol. 55, no. 4, pp. 1498 - 1510, Apr 2007.</a:t>
+            </a:r>
+          </a:p>
+          <a:p>
+            <a:pPr marL="457200" indent="-457200" algn="just">
+              <a:lnSpc>
+                <a:spcPct val="150000"/>
+              </a:lnSpc>
+              <a:buFont typeface="Wingdings" panose="05000000000000000000" pitchFamily="2" charset="2"/>
+              <a:buChar char="q"/>
+            </a:pPr>
+            <a:r>
+              <a:rPr lang="en-IN" sz="2000" dirty="0">
+                <a:solidFill>
+                  <a:schemeClr val="tx1"/>
+                </a:solidFill>
+              </a:rPr>
+              <a:t>M. Costa, "Writing on Dirty Paper," IEEE Transactions on Information Theory, vol. 29, no. 3, pp. 439-441, May 1983.</a:t>
+            </a:r>
+          </a:p>
+          <a:p>
+            <a:endParaRPr lang="en-US" dirty="0"/>
+          </a:p>
+        </p:txBody>
+      </p:sp>
+    </p:spTree>
+  </p:cSld>
+  <p:clrMapOvr>
+    <a:masterClrMapping/>
+  </p:clrMapOvr>
+</p:sld>
+</file>
+
 <file path=ppt/slides/slide27.xml><?xml version="1.0" encoding="utf-8"?>
 <p:sld xmlns:a="http://schemas.openxmlformats.org/drawingml/2006/main" xmlns:r="http://schemas.openxmlformats.org/officeDocument/2006/relationships" xmlns:p="http://schemas.openxmlformats.org/presentationml/2006/main">
   <p:cSld>
@@ -12685,8 +11568,8 @@
         </p:nvSpPr>
         <p:spPr>
           <a:xfrm>
-            <a:off x="533400" y="762000"/>
-            <a:ext cx="2589213" cy="579437"/>
+            <a:off x="533400" y="763587"/>
+            <a:ext cx="3427413" cy="579437"/>
           </a:xfrm>
         </p:spPr>
         <p:txBody>
@@ -12696,7 +11579,7 @@
             <a:pPr algn="just"/>
             <a:r>
               <a:rPr lang="en-US" dirty="0"/>
-              <a:t>Conclusions</a:t>
+              <a:t>References</a:t>
             </a:r>
           </a:p>
         </p:txBody>
@@ -12714,135 +11597,62 @@
         <p:spPr>
           <a:xfrm>
             <a:off x="685800" y="1371600"/>
-            <a:ext cx="8382000" cy="4953000"/>
+            <a:ext cx="8382000" cy="4876800"/>
           </a:xfrm>
         </p:spPr>
         <p:txBody>
           <a:bodyPr/>
           <a:lstStyle/>
           <a:p>
-            <a:pPr algn="just">
+            <a:pPr marL="457200" indent="-457200" algn="just">
               <a:lnSpc>
                 <a:spcPct val="150000"/>
               </a:lnSpc>
-              <a:buFont typeface="Wingdings" pitchFamily="2" charset="2"/>
+              <a:buFont typeface="Wingdings" panose="05000000000000000000" pitchFamily="2" charset="2"/>
               <a:buChar char="q"/>
             </a:pPr>
             <a:r>
-              <a:rPr lang="en-GB" sz="2400" dirty="0">
+              <a:rPr lang="en-US" sz="2000" dirty="0">
                 <a:solidFill>
                   <a:schemeClr val="tx1"/>
                 </a:solidFill>
               </a:rPr>
-              <a:t>The JURAS scheme enhances the </a:t>
-            </a:r>
-            <a:r>
-              <a:rPr lang="en-GB" sz="2400" b="1" dirty="0">
-                <a:solidFill>
-                  <a:schemeClr val="tx1"/>
-                </a:solidFill>
-              </a:rPr>
-              <a:t>performance gain </a:t>
-            </a:r>
-            <a:r>
-              <a:rPr lang="en-GB" sz="2400" dirty="0">
-                <a:solidFill>
-                  <a:schemeClr val="tx1"/>
-                </a:solidFill>
-              </a:rPr>
-              <a:t>when the number of users increases.</a:t>
-            </a:r>
-          </a:p>
-          <a:p>
-            <a:pPr marL="0" indent="0" algn="just">
+              <a:t>G. Caire and S. S. (Shitz), "On the Achievable Throughput of a Multiantenna Gaussian Broadcast Channel," IEEE Transactions on Information Theory, vol. 49, no. 7, pp. 1691-1706, Jul 2003.</a:t>
+            </a:r>
+          </a:p>
+          <a:p>
+            <a:pPr marL="457200" indent="-457200" algn="just">
               <a:lnSpc>
                 <a:spcPct val="150000"/>
               </a:lnSpc>
-            </a:pPr>
-            <a:endParaRPr lang="en-GB" sz="2400" dirty="0">
-              <a:solidFill>
-                <a:schemeClr val="tx1"/>
-              </a:solidFill>
-            </a:endParaRPr>
-          </a:p>
-          <a:p>
-            <a:pPr algn="just">
-              <a:lnSpc>
-                <a:spcPct val="150000"/>
-              </a:lnSpc>
-              <a:buFont typeface="Wingdings" pitchFamily="2" charset="2"/>
+              <a:buFont typeface="Wingdings" panose="05000000000000000000" pitchFamily="2" charset="2"/>
               <a:buChar char="q"/>
             </a:pPr>
             <a:r>
-              <a:rPr lang="en-GB" sz="2400" dirty="0">
+              <a:rPr lang="en-US" sz="2000" dirty="0">
                 <a:solidFill>
                   <a:schemeClr val="tx1"/>
                 </a:solidFill>
               </a:rPr>
-              <a:t>The JURAS scheme performance  gain is </a:t>
-            </a:r>
-            <a:r>
-              <a:rPr lang="en-GB" sz="2400" b="1" dirty="0">
+              <a:t>Q. H. Spencer, A. L. Swindlehurst, and M. Haardt, "Zero-Forcing methods for Downlink Spatial Multiplexing in Multiuser MIMO channels," IEEE Transactions on Signal Processing, vol. 52, no. 2, pp. 461-471, Feb 2004</a:t>
+            </a:r>
+            <a:r>
+              <a:rPr lang="en-US" sz="2000" b="1" dirty="0">
                 <a:solidFill>
                   <a:schemeClr val="tx1"/>
                 </a:solidFill>
               </a:rPr>
-              <a:t>significant at high SNR.</a:t>
-            </a:r>
-          </a:p>
-          <a:p>
-            <a:pPr marL="0" indent="0" algn="just">
-              <a:lnSpc>
-                <a:spcPct val="150000"/>
-              </a:lnSpc>
-            </a:pPr>
-            <a:endParaRPr lang="en-US" sz="2400" dirty="0">
-              <a:solidFill>
-                <a:schemeClr val="tx1"/>
-              </a:solidFill>
-            </a:endParaRPr>
-          </a:p>
-          <a:p>
-            <a:pPr algn="just">
-              <a:lnSpc>
-                <a:spcPct val="150000"/>
-              </a:lnSpc>
-              <a:buFont typeface="Wingdings" pitchFamily="2" charset="2"/>
-              <a:buChar char="q"/>
-            </a:pPr>
-            <a:r>
-              <a:rPr lang="en-GB" sz="2400" dirty="0">
-                <a:solidFill>
-                  <a:schemeClr val="tx1"/>
-                </a:solidFill>
-              </a:rPr>
-              <a:t>The two JURAS suboptimal algorithms </a:t>
-            </a:r>
-            <a:r>
-              <a:rPr lang="en-GB" sz="2400" b="1" dirty="0">
-                <a:solidFill>
-                  <a:schemeClr val="tx1"/>
-                </a:solidFill>
-              </a:rPr>
-              <a:t>reduced the complexity of computation.</a:t>
-            </a:r>
-            <a:endParaRPr lang="en-US" sz="2400" b="1" dirty="0">
-              <a:solidFill>
-                <a:schemeClr val="tx1"/>
-              </a:solidFill>
-            </a:endParaRPr>
-          </a:p>
-          <a:p>
-            <a:pPr>
-              <a:lnSpc>
-                <a:spcPct val="150000"/>
-              </a:lnSpc>
-            </a:pPr>
-            <a:endParaRPr lang="en-US" dirty="0"/>
+              <a:t>.</a:t>
+            </a:r>
           </a:p>
         </p:txBody>
       </p:sp>
     </p:spTree>
+    <p:extLst>
+      <p:ext uri="{BB962C8B-B14F-4D97-AF65-F5344CB8AC3E}">
+        <p14:creationId xmlns:p14="http://schemas.microsoft.com/office/powerpoint/2010/main" val="1992499214"/>
+      </p:ext>
+    </p:extLst>
   </p:cSld>
   <p:clrMapOvr>
     <a:masterClrMapping/>
@@ -12869,35 +11679,13 @@
       </p:grpSpPr>
       <p:sp>
         <p:nvSpPr>
-          <p:cNvPr id="2" name="Title 1"/>
-          <p:cNvSpPr>
-            <a:spLocks noGrp="1"/>
-          </p:cNvSpPr>
-          <p:nvPr>
-            <p:ph type="title"/>
-          </p:nvPr>
-        </p:nvSpPr>
-        <p:spPr>
-          <a:xfrm>
-            <a:off x="533400" y="763587"/>
-            <a:ext cx="3427413" cy="579437"/>
-          </a:xfrm>
-        </p:spPr>
-        <p:txBody>
-          <a:bodyPr/>
-          <a:lstStyle/>
-          <a:p>
-            <a:pPr algn="just"/>
-            <a:r>
-              <a:rPr lang="en-US" dirty="0"/>
-              <a:t>References</a:t>
-            </a:r>
-          </a:p>
-        </p:txBody>
-      </p:sp>
-      <p:sp>
-        <p:nvSpPr>
-          <p:cNvPr id="3" name="Content Placeholder 2"/>
+          <p:cNvPr id="3" name="Content Placeholder 2">
+            <a:extLst>
+              <a:ext uri="{FF2B5EF4-FFF2-40B4-BE49-F238E27FC236}">
+                <a16:creationId xmlns:a16="http://schemas.microsoft.com/office/drawing/2014/main" id="{90D03541-7F4B-49E9-9605-FA18B604C9F6}"/>
+              </a:ext>
+            </a:extLst>
+          </p:cNvPr>
           <p:cNvSpPr>
             <a:spLocks noGrp="1"/>
           </p:cNvSpPr>
@@ -12915,181 +11703,46 @@
           <a:bodyPr/>
           <a:lstStyle/>
           <a:p>
-            <a:pPr marL="457200" indent="-457200" algn="just">
-              <a:lnSpc>
-                <a:spcPct val="150000"/>
-              </a:lnSpc>
-              <a:buFont typeface="Wingdings" panose="05000000000000000000" pitchFamily="2" charset="2"/>
-              <a:buChar char="q"/>
-            </a:pPr>
-            <a:r>
-              <a:rPr lang="en-US" sz="2000" dirty="0">
-                <a:solidFill>
-                  <a:schemeClr val="tx1"/>
-                </a:solidFill>
-              </a:rPr>
-              <a:t>M. Sadek, A. Tarighat, and A. H. Sayed, "A Leakage-Based Precoding Scheme for Downlink Multi-User MIMO Channels," IEEE Transactions on Wireless Communications, vol. 6, no. 5, May 2007.</a:t>
-            </a:r>
-          </a:p>
-          <a:p>
-            <a:pPr marL="457200" indent="-457200" algn="just">
-              <a:lnSpc>
-                <a:spcPct val="150000"/>
-              </a:lnSpc>
-              <a:buFont typeface="Wingdings" panose="05000000000000000000" pitchFamily="2" charset="2"/>
-              <a:buChar char="q"/>
-            </a:pPr>
-            <a:r>
-              <a:rPr lang="en-US" sz="2000" dirty="0">
-                <a:solidFill>
-                  <a:schemeClr val="tx1"/>
-                </a:solidFill>
-              </a:rPr>
-              <a:t>M. Sadek, A. Tarighat, and A. H. Sayed, "Active Antenna Selection in Multiuser MIMO Communications," IEEE Transactions on Signal Processing, vol. 55, no. 4, pp. 1498 - 1510, Apr 2007.</a:t>
-            </a:r>
-          </a:p>
-          <a:p>
-            <a:pPr marL="457200" indent="-457200" algn="just">
-              <a:lnSpc>
-                <a:spcPct val="150000"/>
-              </a:lnSpc>
-              <a:buFont typeface="Wingdings" panose="05000000000000000000" pitchFamily="2" charset="2"/>
-              <a:buChar char="q"/>
-            </a:pPr>
-            <a:r>
-              <a:rPr lang="en-IN" sz="2000" dirty="0">
-                <a:solidFill>
-                  <a:schemeClr val="tx1"/>
-                </a:solidFill>
-              </a:rPr>
-              <a:t>M. Costa, "Writing on Dirty Paper," IEEE Transactions on Information Theory, vol. 29, no. 3, pp. 439-441, May 1983.</a:t>
-            </a:r>
-          </a:p>
-          <a:p>
-            <a:endParaRPr lang="en-US" dirty="0"/>
-          </a:p>
-        </p:txBody>
-      </p:sp>
-    </p:spTree>
-  </p:cSld>
-  <p:clrMapOvr>
-    <a:masterClrMapping/>
-  </p:clrMapOvr>
-</p:sld>
-</file>
-
-<file path=ppt/slides/slide29.xml><?xml version="1.0" encoding="utf-8"?>
-<p:sld xmlns:a="http://schemas.openxmlformats.org/drawingml/2006/main" xmlns:r="http://schemas.openxmlformats.org/officeDocument/2006/relationships" xmlns:p="http://schemas.openxmlformats.org/presentationml/2006/main">
-  <p:cSld>
-    <p:spTree>
-      <p:nvGrpSpPr>
-        <p:cNvPr id="1" name=""/>
-        <p:cNvGrpSpPr/>
-        <p:nvPr/>
-      </p:nvGrpSpPr>
-      <p:grpSpPr>
-        <a:xfrm>
-          <a:off x="0" y="0"/>
-          <a:ext cx="0" cy="0"/>
-          <a:chOff x="0" y="0"/>
-          <a:chExt cx="0" cy="0"/>
-        </a:xfrm>
-      </p:grpSpPr>
-      <p:sp>
-        <p:nvSpPr>
-          <p:cNvPr id="2" name="Title 1"/>
-          <p:cNvSpPr>
-            <a:spLocks noGrp="1"/>
-          </p:cNvSpPr>
-          <p:nvPr>
-            <p:ph type="title"/>
-          </p:nvPr>
-        </p:nvSpPr>
-        <p:spPr>
-          <a:xfrm>
-            <a:off x="533400" y="763587"/>
-            <a:ext cx="3427413" cy="579437"/>
-          </a:xfrm>
-        </p:spPr>
-        <p:txBody>
-          <a:bodyPr/>
-          <a:lstStyle/>
+            <a:r>
+              <a:rPr lang="en-IN" sz="8800" dirty="0">
+                <a:solidFill>
+                  <a:schemeClr val="accent2">
+                    <a:lumMod val="75000"/>
+                  </a:schemeClr>
+                </a:solidFill>
+              </a:rPr>
+              <a:t>     </a:t>
+            </a:r>
+          </a:p>
           <a:p>
             <a:pPr algn="just"/>
             <a:r>
-              <a:rPr lang="en-US" dirty="0"/>
-              <a:t>References</a:t>
-            </a:r>
-          </a:p>
-        </p:txBody>
-      </p:sp>
-      <p:sp>
-        <p:nvSpPr>
-          <p:cNvPr id="3" name="Content Placeholder 2"/>
-          <p:cNvSpPr>
-            <a:spLocks noGrp="1"/>
-          </p:cNvSpPr>
-          <p:nvPr>
-            <p:ph idx="1"/>
-          </p:nvPr>
-        </p:nvSpPr>
-        <p:spPr>
-          <a:xfrm>
-            <a:off x="685800" y="1371600"/>
-            <a:ext cx="8382000" cy="4876800"/>
-          </a:xfrm>
-        </p:spPr>
-        <p:txBody>
-          <a:bodyPr/>
-          <a:lstStyle/>
-          <a:p>
-            <a:pPr marL="457200" indent="-457200" algn="just">
-              <a:lnSpc>
-                <a:spcPct val="150000"/>
-              </a:lnSpc>
-              <a:buFont typeface="Wingdings" panose="05000000000000000000" pitchFamily="2" charset="2"/>
-              <a:buChar char="q"/>
-            </a:pPr>
-            <a:r>
-              <a:rPr lang="en-US" sz="2000" dirty="0">
-                <a:solidFill>
-                  <a:schemeClr val="tx1"/>
-                </a:solidFill>
-              </a:rPr>
-              <a:t>G. Caire and S. S. (Shitz), "On the Achievable Throughput of a Multiantenna Gaussian Broadcast Channel," IEEE Transactions on Information Theory, vol. 49, no. 7, pp. 1691-1706, Jul 2003.</a:t>
-            </a:r>
-          </a:p>
-          <a:p>
-            <a:pPr marL="457200" indent="-457200" algn="just">
-              <a:lnSpc>
-                <a:spcPct val="150000"/>
-              </a:lnSpc>
-              <a:buFont typeface="Wingdings" panose="05000000000000000000" pitchFamily="2" charset="2"/>
-              <a:buChar char="q"/>
-            </a:pPr>
-            <a:r>
-              <a:rPr lang="en-US" sz="2000" dirty="0">
-                <a:solidFill>
-                  <a:schemeClr val="tx1"/>
-                </a:solidFill>
-              </a:rPr>
-              <a:t>Q. H. Spencer, A. L. Swindlehurst, and M. Haardt, "Zero-Forcing methods for Downlink Spatial Multiplexing in Multiuser MIMO channels," IEEE Transactions on Signal Processing, vol. 52, no. 2, pp. 461-471, Feb 2004</a:t>
-            </a:r>
-            <a:r>
-              <a:rPr lang="en-US" sz="2000" b="1" dirty="0">
-                <a:solidFill>
-                  <a:schemeClr val="tx1"/>
-                </a:solidFill>
-              </a:rPr>
-              <a:t>.</a:t>
-            </a:r>
+              <a:rPr lang="en-IN" sz="8800" dirty="0">
+                <a:solidFill>
+                  <a:schemeClr val="accent2">
+                    <a:lumMod val="75000"/>
+                  </a:schemeClr>
+                </a:solidFill>
+              </a:rPr>
+              <a:t>    Thank You</a:t>
+            </a:r>
+            <a:endParaRPr lang="en-US" sz="8800" dirty="0">
+              <a:solidFill>
+                <a:schemeClr val="accent2">
+                  <a:lumMod val="75000"/>
+                </a:schemeClr>
+              </a:solidFill>
+            </a:endParaRPr>
+          </a:p>
+          <a:p>
+            <a:endParaRPr lang="en-IN" dirty="0"/>
           </a:p>
         </p:txBody>
       </p:sp>
     </p:spTree>
     <p:extLst>
       <p:ext uri="{BB962C8B-B14F-4D97-AF65-F5344CB8AC3E}">
-        <p14:creationId xmlns:p14="http://schemas.microsoft.com/office/powerpoint/2010/main" val="1992499214"/>
+        <p14:creationId xmlns:p14="http://schemas.microsoft.com/office/powerpoint/2010/main" val="3746131391"/>
       </p:ext>
     </p:extLst>
   </p:cSld>
@@ -13197,7 +11850,7 @@
               <a:rPr lang="en-IN" sz="2400" b="1" kern="1200" dirty="0">
                 <a:cs typeface="Times New Roman" pitchFamily="16" charset="0"/>
               </a:rPr>
-              <a:t>significant gain over a user selection (US) scheme.</a:t>
+              <a:t>significant sum capacity over a user selection (US) scheme.</a:t>
             </a:r>
           </a:p>
           <a:p>
@@ -13258,98 +11911,6 @@
         </p:txBody>
       </p:sp>
     </p:spTree>
-  </p:cSld>
-  <p:clrMapOvr>
-    <a:masterClrMapping/>
-  </p:clrMapOvr>
-</p:sld>
-</file>
-
-<file path=ppt/slides/slide30.xml><?xml version="1.0" encoding="utf-8"?>
-<p:sld xmlns:a="http://schemas.openxmlformats.org/drawingml/2006/main" xmlns:r="http://schemas.openxmlformats.org/officeDocument/2006/relationships" xmlns:p="http://schemas.openxmlformats.org/presentationml/2006/main">
-  <p:cSld>
-    <p:spTree>
-      <p:nvGrpSpPr>
-        <p:cNvPr id="1" name=""/>
-        <p:cNvGrpSpPr/>
-        <p:nvPr/>
-      </p:nvGrpSpPr>
-      <p:grpSpPr>
-        <a:xfrm>
-          <a:off x="0" y="0"/>
-          <a:ext cx="0" cy="0"/>
-          <a:chOff x="0" y="0"/>
-          <a:chExt cx="0" cy="0"/>
-        </a:xfrm>
-      </p:grpSpPr>
-      <p:sp>
-        <p:nvSpPr>
-          <p:cNvPr id="3" name="Content Placeholder 2">
-            <a:extLst>
-              <a:ext uri="{FF2B5EF4-FFF2-40B4-BE49-F238E27FC236}">
-                <a16:creationId xmlns:a16="http://schemas.microsoft.com/office/drawing/2014/main" id="{90D03541-7F4B-49E9-9605-FA18B604C9F6}"/>
-              </a:ext>
-            </a:extLst>
-          </p:cNvPr>
-          <p:cNvSpPr>
-            <a:spLocks noGrp="1"/>
-          </p:cNvSpPr>
-          <p:nvPr>
-            <p:ph idx="1"/>
-          </p:nvPr>
-        </p:nvSpPr>
-        <p:spPr>
-          <a:xfrm>
-            <a:off x="685800" y="1371600"/>
-            <a:ext cx="8458200" cy="4722813"/>
-          </a:xfrm>
-        </p:spPr>
-        <p:txBody>
-          <a:bodyPr/>
-          <a:lstStyle/>
-          <a:p>
-            <a:r>
-              <a:rPr lang="en-IN" sz="8800" dirty="0">
-                <a:solidFill>
-                  <a:schemeClr val="accent2">
-                    <a:lumMod val="75000"/>
-                  </a:schemeClr>
-                </a:solidFill>
-              </a:rPr>
-              <a:t>     </a:t>
-            </a:r>
-          </a:p>
-          <a:p>
-            <a:pPr algn="just"/>
-            <a:r>
-              <a:rPr lang="en-IN" sz="8800" dirty="0">
-                <a:solidFill>
-                  <a:schemeClr val="accent2">
-                    <a:lumMod val="75000"/>
-                  </a:schemeClr>
-                </a:solidFill>
-              </a:rPr>
-              <a:t>    Thank You</a:t>
-            </a:r>
-            <a:endParaRPr lang="en-US" sz="8800" dirty="0">
-              <a:solidFill>
-                <a:schemeClr val="accent2">
-                  <a:lumMod val="75000"/>
-                </a:schemeClr>
-              </a:solidFill>
-            </a:endParaRPr>
-          </a:p>
-          <a:p>
-            <a:endParaRPr lang="en-IN" dirty="0"/>
-          </a:p>
-        </p:txBody>
-      </p:sp>
-    </p:spTree>
-    <p:extLst>
-      <p:ext uri="{BB962C8B-B14F-4D97-AF65-F5344CB8AC3E}">
-        <p14:creationId xmlns:p14="http://schemas.microsoft.com/office/powerpoint/2010/main" val="3746131391"/>
-      </p:ext>
-    </p:extLst>
   </p:cSld>
   <p:clrMapOvr>
     <a:masterClrMapping/>
@@ -13386,8 +11947,8 @@
         </p:nvSpPr>
         <p:spPr>
           <a:xfrm>
-            <a:off x="652220" y="778625"/>
-            <a:ext cx="4681780" cy="533400"/>
+            <a:off x="533400" y="762000"/>
+            <a:ext cx="2895600" cy="579437"/>
           </a:xfrm>
         </p:spPr>
         <p:txBody>
@@ -13396,55 +11957,256 @@
           <a:p>
             <a:pPr algn="just"/>
             <a:r>
-              <a:rPr lang="en-IN" dirty="0"/>
-              <a:t>Aims/Objectives</a:t>
-            </a:r>
-            <a:endParaRPr lang="en-US" sz="2400" dirty="0"/>
+              <a:rPr lang="en-US" dirty="0"/>
+              <a:t>Introduction</a:t>
+            </a:r>
           </a:p>
         </p:txBody>
       </p:sp>
-      <p:pic>
-        <p:nvPicPr>
-          <p:cNvPr id="7" name="Picture 6">
-            <a:extLst>
-              <a:ext uri="{FF2B5EF4-FFF2-40B4-BE49-F238E27FC236}">
-                <a16:creationId xmlns:a16="http://schemas.microsoft.com/office/drawing/2014/main" id="{A2CF0083-0C24-41BB-85DF-C080C5EFAC25}"/>
-              </a:ext>
-            </a:extLst>
-          </p:cNvPr>
-          <p:cNvPicPr>
-            <a:picLocks noChangeAspect="1"/>
-          </p:cNvPicPr>
-          <p:nvPr/>
-        </p:nvPicPr>
-        <p:blipFill>
-          <a:blip r:embed="rId2">
-            <a:extLst>
-              <a:ext uri="{28A0092B-C50C-407E-A947-70E740481C1C}">
-                <a14:useLocalDpi xmlns:a14="http://schemas.microsoft.com/office/drawing/2010/main" val="0"/>
-              </a:ext>
-            </a:extLst>
-          </a:blip>
-          <a:stretch>
-            <a:fillRect/>
-          </a:stretch>
-        </p:blipFill>
+      <p:sp>
+        <p:nvSpPr>
+          <p:cNvPr id="3" name="Content Placeholder 2"/>
+          <p:cNvSpPr>
+            <a:spLocks noGrp="1"/>
+          </p:cNvSpPr>
+          <p:nvPr>
+            <p:ph idx="1"/>
+          </p:nvPr>
+        </p:nvSpPr>
         <p:spPr>
           <a:xfrm>
-            <a:off x="990600" y="1325430"/>
-            <a:ext cx="7620000" cy="4848902"/>
-          </a:xfrm>
-          <a:prstGeom prst="rect">
-            <a:avLst/>
-          </a:prstGeom>
-        </p:spPr>
-      </p:pic>
+            <a:off x="533400" y="1377141"/>
+            <a:ext cx="8610600" cy="609599"/>
+          </a:xfrm>
+        </p:spPr>
+        <p:txBody>
+          <a:bodyPr/>
+          <a:lstStyle/>
+          <a:p>
+            <a:pPr algn="just" eaLnBrk="1" hangingPunct="1">
+              <a:lnSpc>
+                <a:spcPct val="150000"/>
+              </a:lnSpc>
+              <a:spcBef>
+                <a:spcPts val="600"/>
+              </a:spcBef>
+              <a:buFont typeface="Wingdings" panose="05000000000000000000" pitchFamily="2" charset="2"/>
+              <a:buChar char="q"/>
+              <a:tabLst>
+                <a:tab pos="911225" algn="l"/>
+                <a:tab pos="1825625" algn="l"/>
+                <a:tab pos="2740025" algn="l"/>
+                <a:tab pos="3654425" algn="l"/>
+                <a:tab pos="4568825" algn="l"/>
+                <a:tab pos="5483225" algn="l"/>
+                <a:tab pos="6397625" algn="l"/>
+                <a:tab pos="7312025" algn="l"/>
+                <a:tab pos="8226425" algn="l"/>
+                <a:tab pos="9140825" algn="l"/>
+                <a:tab pos="10055225" algn="l"/>
+              </a:tabLst>
+            </a:pPr>
+            <a:r>
+              <a:rPr lang="en-IN" sz="2400" dirty="0">
+                <a:latin typeface="Times New Roman" pitchFamily="16" charset="0"/>
+                <a:cs typeface="Times New Roman" pitchFamily="16" charset="0"/>
+              </a:rPr>
+              <a:t>MU-MIMO schemes have recently attracted attention due to their capability of offering significant gain in </a:t>
+            </a:r>
+            <a:r>
+              <a:rPr lang="en-IN" sz="2400" b="1" dirty="0">
+                <a:solidFill>
+                  <a:schemeClr val="tx1"/>
+                </a:solidFill>
+                <a:latin typeface="Times New Roman" pitchFamily="16" charset="0"/>
+                <a:cs typeface="Times New Roman" pitchFamily="16" charset="0"/>
+              </a:rPr>
+              <a:t>system capacity.</a:t>
+            </a:r>
+            <a:endParaRPr lang="en-IN" sz="2400" dirty="0">
+              <a:latin typeface="Times New Roman" pitchFamily="16" charset="0"/>
+              <a:cs typeface="Times New Roman" pitchFamily="16" charset="0"/>
+            </a:endParaRPr>
+          </a:p>
+          <a:p>
+            <a:pPr algn="just" eaLnBrk="1" hangingPunct="1">
+              <a:lnSpc>
+                <a:spcPct val="150000"/>
+              </a:lnSpc>
+              <a:spcBef>
+                <a:spcPts val="600"/>
+              </a:spcBef>
+              <a:buFont typeface="Wingdings" panose="05000000000000000000" pitchFamily="2" charset="2"/>
+              <a:buChar char="q"/>
+              <a:tabLst>
+                <a:tab pos="911225" algn="l"/>
+                <a:tab pos="1825625" algn="l"/>
+                <a:tab pos="2740025" algn="l"/>
+                <a:tab pos="3654425" algn="l"/>
+                <a:tab pos="4568825" algn="l"/>
+                <a:tab pos="5483225" algn="l"/>
+                <a:tab pos="6397625" algn="l"/>
+                <a:tab pos="7312025" algn="l"/>
+                <a:tab pos="8226425" algn="l"/>
+                <a:tab pos="9140825" algn="l"/>
+                <a:tab pos="10055225" algn="l"/>
+              </a:tabLst>
+            </a:pPr>
+            <a:r>
+              <a:rPr lang="en-IN" sz="2400" b="1" dirty="0">
+                <a:solidFill>
+                  <a:schemeClr val="tx1"/>
+                </a:solidFill>
+                <a:latin typeface="Times New Roman" pitchFamily="16" charset="0"/>
+                <a:cs typeface="Times New Roman" pitchFamily="16" charset="0"/>
+              </a:rPr>
+              <a:t>When users are equipped with multiple antennas</a:t>
+            </a:r>
+            <a:r>
+              <a:rPr lang="en-IN" sz="2400" dirty="0">
+                <a:latin typeface="Times New Roman" pitchFamily="16" charset="0"/>
+                <a:cs typeface="Times New Roman" pitchFamily="16" charset="0"/>
+              </a:rPr>
+              <a:t>, joint user and receive antenna selection may be performed and it potentially provide </a:t>
+            </a:r>
+            <a:r>
+              <a:rPr lang="en-IN" sz="2400" b="1" dirty="0">
+                <a:solidFill>
+                  <a:schemeClr val="tx1"/>
+                </a:solidFill>
+                <a:latin typeface="Times New Roman" pitchFamily="16" charset="0"/>
+                <a:cs typeface="Times New Roman" pitchFamily="16" charset="0"/>
+              </a:rPr>
+              <a:t>superior performance</a:t>
+            </a:r>
+            <a:r>
+              <a:rPr lang="en-IN" sz="2400" dirty="0">
+                <a:latin typeface="Times New Roman" pitchFamily="16" charset="0"/>
+                <a:cs typeface="Times New Roman" pitchFamily="16" charset="0"/>
+              </a:rPr>
+              <a:t>.</a:t>
+            </a:r>
+            <a:endParaRPr lang="en-US" sz="2400" dirty="0"/>
+          </a:p>
+          <a:p>
+            <a:pPr algn="just" eaLnBrk="1" hangingPunct="1">
+              <a:lnSpc>
+                <a:spcPct val="150000"/>
+              </a:lnSpc>
+              <a:spcBef>
+                <a:spcPts val="600"/>
+              </a:spcBef>
+              <a:buFont typeface="Wingdings" panose="05000000000000000000" pitchFamily="2" charset="2"/>
+              <a:buChar char="q"/>
+              <a:tabLst>
+                <a:tab pos="911225" algn="l"/>
+                <a:tab pos="1825625" algn="l"/>
+                <a:tab pos="2740025" algn="l"/>
+                <a:tab pos="3654425" algn="l"/>
+                <a:tab pos="4568825" algn="l"/>
+                <a:tab pos="5483225" algn="l"/>
+                <a:tab pos="6397625" algn="l"/>
+                <a:tab pos="7312025" algn="l"/>
+                <a:tab pos="8226425" algn="l"/>
+                <a:tab pos="9140825" algn="l"/>
+                <a:tab pos="10055225" algn="l"/>
+              </a:tabLst>
+            </a:pPr>
+            <a:r>
+              <a:rPr lang="en-IN" sz="2400" dirty="0">
+                <a:latin typeface="Times New Roman" pitchFamily="16" charset="0"/>
+                <a:cs typeface="Times New Roman" pitchFamily="16" charset="0"/>
+              </a:rPr>
+              <a:t>There are some techniques which provide theoretical sum capacity are DPC (</a:t>
+            </a:r>
+            <a:r>
+              <a:rPr lang="en-IN" sz="2400" b="1" dirty="0">
+                <a:solidFill>
+                  <a:schemeClr val="tx1"/>
+                </a:solidFill>
+                <a:latin typeface="Times New Roman" pitchFamily="16" charset="0"/>
+                <a:cs typeface="Times New Roman" pitchFamily="16" charset="0"/>
+              </a:rPr>
+              <a:t>Dirty Paper Coding</a:t>
+            </a:r>
+            <a:r>
+              <a:rPr lang="en-IN" sz="2400" dirty="0">
+                <a:latin typeface="Times New Roman" pitchFamily="16" charset="0"/>
+                <a:cs typeface="Times New Roman" pitchFamily="16" charset="0"/>
+              </a:rPr>
+              <a:t>) ,ZF </a:t>
+            </a:r>
+            <a:r>
+              <a:rPr lang="en-IN" sz="2400" dirty="0">
+                <a:solidFill>
+                  <a:schemeClr val="tx1"/>
+                </a:solidFill>
+                <a:latin typeface="Times New Roman" pitchFamily="16" charset="0"/>
+                <a:cs typeface="Times New Roman" pitchFamily="16" charset="0"/>
+              </a:rPr>
+              <a:t>(</a:t>
+            </a:r>
+            <a:r>
+              <a:rPr lang="en-IN" sz="2400" b="1" dirty="0">
+                <a:solidFill>
+                  <a:schemeClr val="tx1"/>
+                </a:solidFill>
+                <a:latin typeface="Times New Roman" pitchFamily="16" charset="0"/>
+                <a:cs typeface="Times New Roman" pitchFamily="16" charset="0"/>
+              </a:rPr>
+              <a:t>Zero Forcing</a:t>
+            </a:r>
+            <a:r>
+              <a:rPr lang="en-IN" sz="2400" dirty="0">
+                <a:latin typeface="Times New Roman" pitchFamily="16" charset="0"/>
+                <a:cs typeface="Times New Roman" pitchFamily="16" charset="0"/>
+              </a:rPr>
+              <a:t>), BD (</a:t>
+            </a:r>
+            <a:r>
+              <a:rPr lang="en-IN" sz="2400" b="1" dirty="0">
+                <a:solidFill>
+                  <a:schemeClr val="tx1"/>
+                </a:solidFill>
+                <a:latin typeface="Times New Roman" pitchFamily="16" charset="0"/>
+                <a:cs typeface="Times New Roman" pitchFamily="16" charset="0"/>
+              </a:rPr>
+              <a:t>Block Diagonalization</a:t>
+            </a:r>
+            <a:r>
+              <a:rPr lang="en-IN" sz="2400" dirty="0">
+                <a:latin typeface="Times New Roman" pitchFamily="16" charset="0"/>
+                <a:cs typeface="Times New Roman" pitchFamily="16" charset="0"/>
+              </a:rPr>
+              <a:t>)  but they suffer due to high complexity.</a:t>
+            </a:r>
+          </a:p>
+          <a:p>
+            <a:pPr algn="just" eaLnBrk="1" hangingPunct="1">
+              <a:spcBef>
+                <a:spcPts val="600"/>
+              </a:spcBef>
+              <a:buFont typeface="Wingdings" panose="05000000000000000000" pitchFamily="2" charset="2"/>
+              <a:buChar char="q"/>
+              <a:tabLst>
+                <a:tab pos="911225" algn="l"/>
+                <a:tab pos="1825625" algn="l"/>
+                <a:tab pos="2740025" algn="l"/>
+                <a:tab pos="3654425" algn="l"/>
+                <a:tab pos="4568825" algn="l"/>
+                <a:tab pos="5483225" algn="l"/>
+                <a:tab pos="6397625" algn="l"/>
+                <a:tab pos="7312025" algn="l"/>
+                <a:tab pos="8226425" algn="l"/>
+                <a:tab pos="9140825" algn="l"/>
+                <a:tab pos="10055225" algn="l"/>
+              </a:tabLst>
+            </a:pPr>
+            <a:endParaRPr lang="en-US" sz="2400" dirty="0"/>
+          </a:p>
+        </p:txBody>
+      </p:sp>
     </p:spTree>
-    <p:extLst>
-      <p:ext uri="{BB962C8B-B14F-4D97-AF65-F5344CB8AC3E}">
-        <p14:creationId xmlns:p14="http://schemas.microsoft.com/office/powerpoint/2010/main" val="2605122808"/>
-      </p:ext>
-    </p:extLst>
   </p:cSld>
   <p:clrMapOvr>
     <a:masterClrMapping/>
@@ -13481,397 +12243,6 @@
         </p:nvSpPr>
         <p:spPr>
           <a:xfrm>
-            <a:off x="652220" y="778625"/>
-            <a:ext cx="4681780" cy="533400"/>
-          </a:xfrm>
-        </p:spPr>
-        <p:txBody>
-          <a:bodyPr/>
-          <a:lstStyle/>
-          <a:p>
-            <a:pPr algn="just"/>
-            <a:r>
-              <a:rPr lang="en-IN" dirty="0"/>
-              <a:t>Aims/Objectives</a:t>
-            </a:r>
-            <a:endParaRPr lang="en-US" sz="2400" dirty="0"/>
-          </a:p>
-        </p:txBody>
-      </p:sp>
-      <p:pic>
-        <p:nvPicPr>
-          <p:cNvPr id="4" name="Picture 3">
-            <a:extLst>
-              <a:ext uri="{FF2B5EF4-FFF2-40B4-BE49-F238E27FC236}">
-                <a16:creationId xmlns:a16="http://schemas.microsoft.com/office/drawing/2014/main" id="{BBDCFD07-A08D-4464-A8B0-2AC8261D95A6}"/>
-              </a:ext>
-            </a:extLst>
-          </p:cNvPr>
-          <p:cNvPicPr>
-            <a:picLocks noChangeAspect="1"/>
-          </p:cNvPicPr>
-          <p:nvPr/>
-        </p:nvPicPr>
-        <p:blipFill>
-          <a:blip r:embed="rId2">
-            <a:extLst>
-              <a:ext uri="{28A0092B-C50C-407E-A947-70E740481C1C}">
-                <a14:useLocalDpi xmlns:a14="http://schemas.microsoft.com/office/drawing/2010/main" val="0"/>
-              </a:ext>
-            </a:extLst>
-          </a:blip>
-          <a:stretch>
-            <a:fillRect/>
-          </a:stretch>
-        </p:blipFill>
-        <p:spPr>
-          <a:xfrm>
-            <a:off x="821410" y="1312025"/>
-            <a:ext cx="7501180" cy="4834384"/>
-          </a:xfrm>
-          <a:prstGeom prst="rect">
-            <a:avLst/>
-          </a:prstGeom>
-        </p:spPr>
-      </p:pic>
-    </p:spTree>
-    <p:extLst>
-      <p:ext uri="{BB962C8B-B14F-4D97-AF65-F5344CB8AC3E}">
-        <p14:creationId xmlns:p14="http://schemas.microsoft.com/office/powerpoint/2010/main" val="2450919560"/>
-      </p:ext>
-    </p:extLst>
-  </p:cSld>
-  <p:clrMapOvr>
-    <a:masterClrMapping/>
-  </p:clrMapOvr>
-</p:sld>
-</file>
-
-<file path=ppt/slides/slide6.xml><?xml version="1.0" encoding="utf-8"?>
-<p:sld xmlns:a="http://schemas.openxmlformats.org/drawingml/2006/main" xmlns:r="http://schemas.openxmlformats.org/officeDocument/2006/relationships" xmlns:p="http://schemas.openxmlformats.org/presentationml/2006/main">
-  <p:cSld>
-    <p:spTree>
-      <p:nvGrpSpPr>
-        <p:cNvPr id="1" name=""/>
-        <p:cNvGrpSpPr/>
-        <p:nvPr/>
-      </p:nvGrpSpPr>
-      <p:grpSpPr>
-        <a:xfrm>
-          <a:off x="0" y="0"/>
-          <a:ext cx="0" cy="0"/>
-          <a:chOff x="0" y="0"/>
-          <a:chExt cx="0" cy="0"/>
-        </a:xfrm>
-      </p:grpSpPr>
-      <p:sp>
-        <p:nvSpPr>
-          <p:cNvPr id="2" name="Title 1"/>
-          <p:cNvSpPr>
-            <a:spLocks noGrp="1"/>
-          </p:cNvSpPr>
-          <p:nvPr>
-            <p:ph type="title"/>
-          </p:nvPr>
-        </p:nvSpPr>
-        <p:spPr>
-          <a:xfrm>
-            <a:off x="533400" y="762000"/>
-            <a:ext cx="2895600" cy="579437"/>
-          </a:xfrm>
-        </p:spPr>
-        <p:txBody>
-          <a:bodyPr/>
-          <a:lstStyle/>
-          <a:p>
-            <a:pPr algn="just"/>
-            <a:r>
-              <a:rPr lang="en-US" dirty="0"/>
-              <a:t>Introduction</a:t>
-            </a:r>
-          </a:p>
-        </p:txBody>
-      </p:sp>
-      <p:sp>
-        <p:nvSpPr>
-          <p:cNvPr id="3" name="Content Placeholder 2"/>
-          <p:cNvSpPr>
-            <a:spLocks noGrp="1"/>
-          </p:cNvSpPr>
-          <p:nvPr>
-            <p:ph idx="1"/>
-          </p:nvPr>
-        </p:nvSpPr>
-        <p:spPr>
-          <a:xfrm>
-            <a:off x="533400" y="1377141"/>
-            <a:ext cx="8610600" cy="609599"/>
-          </a:xfrm>
-        </p:spPr>
-        <p:txBody>
-          <a:bodyPr/>
-          <a:lstStyle/>
-          <a:p>
-            <a:pPr algn="just" eaLnBrk="1" hangingPunct="1">
-              <a:lnSpc>
-                <a:spcPct val="150000"/>
-              </a:lnSpc>
-              <a:spcBef>
-                <a:spcPts val="600"/>
-              </a:spcBef>
-              <a:buFont typeface="Wingdings" panose="05000000000000000000" pitchFamily="2" charset="2"/>
-              <a:buChar char="q"/>
-              <a:tabLst>
-                <a:tab pos="911225" algn="l"/>
-                <a:tab pos="1825625" algn="l"/>
-                <a:tab pos="2740025" algn="l"/>
-                <a:tab pos="3654425" algn="l"/>
-                <a:tab pos="4568825" algn="l"/>
-                <a:tab pos="5483225" algn="l"/>
-                <a:tab pos="6397625" algn="l"/>
-                <a:tab pos="7312025" algn="l"/>
-                <a:tab pos="8226425" algn="l"/>
-                <a:tab pos="9140825" algn="l"/>
-                <a:tab pos="10055225" algn="l"/>
-              </a:tabLst>
-            </a:pPr>
-            <a:r>
-              <a:rPr lang="en-IN" sz="2400" dirty="0">
-                <a:latin typeface="Times New Roman" pitchFamily="16" charset="0"/>
-                <a:cs typeface="Times New Roman" pitchFamily="16" charset="0"/>
-              </a:rPr>
-              <a:t>MU-MIMO schemes have recently attracted attention due to their capability of offering significant gain in </a:t>
-            </a:r>
-            <a:r>
-              <a:rPr lang="en-IN" sz="2400" b="1" dirty="0">
-                <a:solidFill>
-                  <a:schemeClr val="tx1"/>
-                </a:solidFill>
-                <a:latin typeface="Times New Roman" pitchFamily="16" charset="0"/>
-                <a:cs typeface="Times New Roman" pitchFamily="16" charset="0"/>
-              </a:rPr>
-              <a:t>system capacity.</a:t>
-            </a:r>
-            <a:endParaRPr lang="en-IN" sz="2400" dirty="0">
-              <a:latin typeface="Times New Roman" pitchFamily="16" charset="0"/>
-              <a:cs typeface="Times New Roman" pitchFamily="16" charset="0"/>
-            </a:endParaRPr>
-          </a:p>
-          <a:p>
-            <a:pPr algn="just" eaLnBrk="1" hangingPunct="1">
-              <a:lnSpc>
-                <a:spcPct val="150000"/>
-              </a:lnSpc>
-              <a:spcBef>
-                <a:spcPts val="600"/>
-              </a:spcBef>
-              <a:buFont typeface="Wingdings" panose="05000000000000000000" pitchFamily="2" charset="2"/>
-              <a:buChar char="q"/>
-              <a:tabLst>
-                <a:tab pos="911225" algn="l"/>
-                <a:tab pos="1825625" algn="l"/>
-                <a:tab pos="2740025" algn="l"/>
-                <a:tab pos="3654425" algn="l"/>
-                <a:tab pos="4568825" algn="l"/>
-                <a:tab pos="5483225" algn="l"/>
-                <a:tab pos="6397625" algn="l"/>
-                <a:tab pos="7312025" algn="l"/>
-                <a:tab pos="8226425" algn="l"/>
-                <a:tab pos="9140825" algn="l"/>
-                <a:tab pos="10055225" algn="l"/>
-              </a:tabLst>
-            </a:pPr>
-            <a:r>
-              <a:rPr lang="en-IN" sz="2400" b="1" dirty="0">
-                <a:solidFill>
-                  <a:schemeClr val="tx1"/>
-                </a:solidFill>
-                <a:latin typeface="Times New Roman" pitchFamily="16" charset="0"/>
-                <a:cs typeface="Times New Roman" pitchFamily="16" charset="0"/>
-              </a:rPr>
-              <a:t>When users are equipped with multiple antennas</a:t>
-            </a:r>
-            <a:r>
-              <a:rPr lang="en-IN" sz="2400" dirty="0">
-                <a:latin typeface="Times New Roman" pitchFamily="16" charset="0"/>
-                <a:cs typeface="Times New Roman" pitchFamily="16" charset="0"/>
-              </a:rPr>
-              <a:t>, joint user and receive antenna selection may be performed and it potentially provide </a:t>
-            </a:r>
-            <a:r>
-              <a:rPr lang="en-IN" sz="2400" b="1" dirty="0">
-                <a:solidFill>
-                  <a:schemeClr val="tx1"/>
-                </a:solidFill>
-                <a:latin typeface="Times New Roman" pitchFamily="16" charset="0"/>
-                <a:cs typeface="Times New Roman" pitchFamily="16" charset="0"/>
-              </a:rPr>
-              <a:t>superior performance</a:t>
-            </a:r>
-            <a:r>
-              <a:rPr lang="en-IN" sz="2400" dirty="0">
-                <a:latin typeface="Times New Roman" pitchFamily="16" charset="0"/>
-                <a:cs typeface="Times New Roman" pitchFamily="16" charset="0"/>
-              </a:rPr>
-              <a:t>.</a:t>
-            </a:r>
-            <a:endParaRPr lang="en-US" sz="2400" dirty="0"/>
-          </a:p>
-          <a:p>
-            <a:pPr algn="just" eaLnBrk="1" hangingPunct="1">
-              <a:lnSpc>
-                <a:spcPct val="150000"/>
-              </a:lnSpc>
-              <a:spcBef>
-                <a:spcPts val="600"/>
-              </a:spcBef>
-              <a:buFont typeface="Wingdings" panose="05000000000000000000" pitchFamily="2" charset="2"/>
-              <a:buChar char="q"/>
-              <a:tabLst>
-                <a:tab pos="911225" algn="l"/>
-                <a:tab pos="1825625" algn="l"/>
-                <a:tab pos="2740025" algn="l"/>
-                <a:tab pos="3654425" algn="l"/>
-                <a:tab pos="4568825" algn="l"/>
-                <a:tab pos="5483225" algn="l"/>
-                <a:tab pos="6397625" algn="l"/>
-                <a:tab pos="7312025" algn="l"/>
-                <a:tab pos="8226425" algn="l"/>
-                <a:tab pos="9140825" algn="l"/>
-                <a:tab pos="10055225" algn="l"/>
-              </a:tabLst>
-            </a:pPr>
-            <a:r>
-              <a:rPr lang="en-IN" sz="2400" dirty="0">
-                <a:latin typeface="Times New Roman" pitchFamily="16" charset="0"/>
-                <a:cs typeface="Times New Roman" pitchFamily="16" charset="0"/>
-              </a:rPr>
-              <a:t>There are some techniques which provide theoretical sum capacity are DPC (</a:t>
-            </a:r>
-            <a:r>
-              <a:rPr lang="en-IN" sz="2400" b="1" dirty="0">
-                <a:solidFill>
-                  <a:schemeClr val="tx1"/>
-                </a:solidFill>
-                <a:latin typeface="Times New Roman" pitchFamily="16" charset="0"/>
-                <a:cs typeface="Times New Roman" pitchFamily="16" charset="0"/>
-              </a:rPr>
-              <a:t>Dirty Paper Coding</a:t>
-            </a:r>
-            <a:r>
-              <a:rPr lang="en-IN" sz="2400" dirty="0">
-                <a:latin typeface="Times New Roman" pitchFamily="16" charset="0"/>
-                <a:cs typeface="Times New Roman" pitchFamily="16" charset="0"/>
-              </a:rPr>
-              <a:t>) ,ZF </a:t>
-            </a:r>
-            <a:r>
-              <a:rPr lang="en-IN" sz="2400" dirty="0">
-                <a:solidFill>
-                  <a:schemeClr val="tx1"/>
-                </a:solidFill>
-                <a:latin typeface="Times New Roman" pitchFamily="16" charset="0"/>
-                <a:cs typeface="Times New Roman" pitchFamily="16" charset="0"/>
-              </a:rPr>
-              <a:t>(</a:t>
-            </a:r>
-            <a:r>
-              <a:rPr lang="en-IN" sz="2400" b="1" dirty="0">
-                <a:solidFill>
-                  <a:schemeClr val="tx1"/>
-                </a:solidFill>
-                <a:latin typeface="Times New Roman" pitchFamily="16" charset="0"/>
-                <a:cs typeface="Times New Roman" pitchFamily="16" charset="0"/>
-              </a:rPr>
-              <a:t>Zero Forcing</a:t>
-            </a:r>
-            <a:r>
-              <a:rPr lang="en-IN" sz="2400" dirty="0">
-                <a:latin typeface="Times New Roman" pitchFamily="16" charset="0"/>
-                <a:cs typeface="Times New Roman" pitchFamily="16" charset="0"/>
-              </a:rPr>
-              <a:t>), BD (</a:t>
-            </a:r>
-            <a:r>
-              <a:rPr lang="en-IN" sz="2400" b="1" dirty="0">
-                <a:solidFill>
-                  <a:schemeClr val="tx1"/>
-                </a:solidFill>
-                <a:latin typeface="Times New Roman" pitchFamily="16" charset="0"/>
-                <a:cs typeface="Times New Roman" pitchFamily="16" charset="0"/>
-              </a:rPr>
-              <a:t>Block Diagonalization</a:t>
-            </a:r>
-            <a:r>
-              <a:rPr lang="en-IN" sz="2400" dirty="0">
-                <a:latin typeface="Times New Roman" pitchFamily="16" charset="0"/>
-                <a:cs typeface="Times New Roman" pitchFamily="16" charset="0"/>
-              </a:rPr>
-              <a:t>)  but they suffer due to high complexity.</a:t>
-            </a:r>
-          </a:p>
-          <a:p>
-            <a:pPr algn="just" eaLnBrk="1" hangingPunct="1">
-              <a:spcBef>
-                <a:spcPts val="600"/>
-              </a:spcBef>
-              <a:buFont typeface="Wingdings" panose="05000000000000000000" pitchFamily="2" charset="2"/>
-              <a:buChar char="q"/>
-              <a:tabLst>
-                <a:tab pos="911225" algn="l"/>
-                <a:tab pos="1825625" algn="l"/>
-                <a:tab pos="2740025" algn="l"/>
-                <a:tab pos="3654425" algn="l"/>
-                <a:tab pos="4568825" algn="l"/>
-                <a:tab pos="5483225" algn="l"/>
-                <a:tab pos="6397625" algn="l"/>
-                <a:tab pos="7312025" algn="l"/>
-                <a:tab pos="8226425" algn="l"/>
-                <a:tab pos="9140825" algn="l"/>
-                <a:tab pos="10055225" algn="l"/>
-              </a:tabLst>
-            </a:pPr>
-            <a:endParaRPr lang="en-US" sz="2400" dirty="0"/>
-          </a:p>
-        </p:txBody>
-      </p:sp>
-    </p:spTree>
-  </p:cSld>
-  <p:clrMapOvr>
-    <a:masterClrMapping/>
-  </p:clrMapOvr>
-</p:sld>
-</file>
-
-<file path=ppt/slides/slide7.xml><?xml version="1.0" encoding="utf-8"?>
-<p:sld xmlns:a="http://schemas.openxmlformats.org/drawingml/2006/main" xmlns:r="http://schemas.openxmlformats.org/officeDocument/2006/relationships" xmlns:p="http://schemas.openxmlformats.org/presentationml/2006/main">
-  <p:cSld>
-    <p:spTree>
-      <p:nvGrpSpPr>
-        <p:cNvPr id="1" name=""/>
-        <p:cNvGrpSpPr/>
-        <p:nvPr/>
-      </p:nvGrpSpPr>
-      <p:grpSpPr>
-        <a:xfrm>
-          <a:off x="0" y="0"/>
-          <a:ext cx="0" cy="0"/>
-          <a:chOff x="0" y="0"/>
-          <a:chExt cx="0" cy="0"/>
-        </a:xfrm>
-      </p:grpSpPr>
-      <p:sp>
-        <p:nvSpPr>
-          <p:cNvPr id="2" name="Title 1"/>
-          <p:cNvSpPr>
-            <a:spLocks noGrp="1"/>
-          </p:cNvSpPr>
-          <p:nvPr>
-            <p:ph type="title"/>
-          </p:nvPr>
-        </p:nvSpPr>
-        <p:spPr>
-          <a:xfrm>
             <a:off x="533400" y="762000"/>
             <a:ext cx="2817813" cy="479425"/>
           </a:xfrm>
@@ -14107,7 +12478,7 @@
 </p:sld>
 </file>
 
-<file path=ppt/slides/slide8.xml><?xml version="1.0" encoding="utf-8"?>
+<file path=ppt/slides/slide6.xml><?xml version="1.0" encoding="utf-8"?>
 <p:sld xmlns:a="http://schemas.openxmlformats.org/drawingml/2006/main" xmlns:r="http://schemas.openxmlformats.org/officeDocument/2006/relationships" xmlns:p="http://schemas.openxmlformats.org/presentationml/2006/main">
   <p:cSld>
     <p:spTree>
@@ -19360,6 +17731,438 @@
 </p:sld>
 </file>
 
+<file path=ppt/slides/slide7.xml><?xml version="1.0" encoding="utf-8"?>
+<p:sld xmlns:a="http://schemas.openxmlformats.org/drawingml/2006/main" xmlns:r="http://schemas.openxmlformats.org/officeDocument/2006/relationships" xmlns:p="http://schemas.openxmlformats.org/presentationml/2006/main">
+  <p:cSld>
+    <p:spTree>
+      <p:nvGrpSpPr>
+        <p:cNvPr id="1" name=""/>
+        <p:cNvGrpSpPr/>
+        <p:nvPr/>
+      </p:nvGrpSpPr>
+      <p:grpSpPr>
+        <a:xfrm>
+          <a:off x="0" y="0"/>
+          <a:ext cx="0" cy="0"/>
+          <a:chOff x="0" y="0"/>
+          <a:chExt cx="0" cy="0"/>
+        </a:xfrm>
+      </p:grpSpPr>
+      <p:sp>
+        <p:nvSpPr>
+          <p:cNvPr id="2" name="Title 1">
+            <a:extLst>
+              <a:ext uri="{FF2B5EF4-FFF2-40B4-BE49-F238E27FC236}">
+                <a16:creationId xmlns:a16="http://schemas.microsoft.com/office/drawing/2014/main" id="{76C4E71F-B0AE-4C19-84E6-CF97090FB59E}"/>
+              </a:ext>
+            </a:extLst>
+          </p:cNvPr>
+          <p:cNvSpPr>
+            <a:spLocks noGrp="1"/>
+          </p:cNvSpPr>
+          <p:nvPr>
+            <p:ph type="title"/>
+          </p:nvPr>
+        </p:nvSpPr>
+        <p:spPr/>
+        <p:txBody>
+          <a:bodyPr/>
+          <a:lstStyle/>
+          <a:p>
+            <a:pPr algn="just"/>
+            <a:r>
+              <a:rPr lang="en-US" dirty="0"/>
+              <a:t>System Model</a:t>
+            </a:r>
+            <a:endParaRPr lang="en-IN" dirty="0"/>
+          </a:p>
+        </p:txBody>
+      </p:sp>
+      <p:sp>
+        <p:nvSpPr>
+          <p:cNvPr id="3" name="Content Placeholder 2">
+            <a:extLst>
+              <a:ext uri="{FF2B5EF4-FFF2-40B4-BE49-F238E27FC236}">
+                <a16:creationId xmlns:a16="http://schemas.microsoft.com/office/drawing/2014/main" id="{F3EAEEE4-84CB-4D53-BD7E-35808338701B}"/>
+              </a:ext>
+            </a:extLst>
+          </p:cNvPr>
+          <p:cNvSpPr>
+            <a:spLocks noGrp="1"/>
+          </p:cNvSpPr>
+          <p:nvPr>
+            <p:ph idx="1"/>
+          </p:nvPr>
+        </p:nvSpPr>
+        <p:spPr>
+          <a:xfrm>
+            <a:off x="533400" y="1371600"/>
+            <a:ext cx="8610600" cy="4953000"/>
+          </a:xfrm>
+        </p:spPr>
+        <p:txBody>
+          <a:bodyPr/>
+          <a:lstStyle/>
+          <a:p>
+            <a:pPr marL="457200" lvl="0" indent="-457200" algn="just">
+              <a:lnSpc>
+                <a:spcPct val="150000"/>
+              </a:lnSpc>
+              <a:buFont typeface="Wingdings" panose="05000000000000000000" pitchFamily="2" charset="2"/>
+              <a:buChar char="q"/>
+            </a:pPr>
+            <a:r>
+              <a:rPr lang="en-IN" altLang="en-US" sz="2400" dirty="0">
+                <a:cs typeface="Times New Roman" panose="02020603050405020304" pitchFamily="18" charset="0"/>
+              </a:rPr>
+              <a:t>The model consists of a </a:t>
+            </a:r>
+            <a:r>
+              <a:rPr lang="en-IN" altLang="en-US" sz="2400" b="1" dirty="0">
+                <a:cs typeface="Times New Roman" panose="02020603050405020304" pitchFamily="18" charset="0"/>
+              </a:rPr>
+              <a:t>single cell downlink MU MIMO </a:t>
+            </a:r>
+            <a:r>
+              <a:rPr lang="en-IN" altLang="en-US" sz="2400" dirty="0">
+                <a:cs typeface="Times New Roman" panose="02020603050405020304" pitchFamily="18" charset="0"/>
+              </a:rPr>
+              <a:t>network.</a:t>
+            </a:r>
+          </a:p>
+          <a:p>
+            <a:pPr marL="457200" lvl="0" indent="-457200" algn="just">
+              <a:lnSpc>
+                <a:spcPct val="150000"/>
+              </a:lnSpc>
+              <a:buFont typeface="Wingdings" panose="05000000000000000000" pitchFamily="2" charset="2"/>
+              <a:buChar char="q"/>
+            </a:pPr>
+            <a:endParaRPr lang="en-IN" altLang="en-US" sz="2400" dirty="0">
+              <a:cs typeface="Times New Roman" panose="02020603050405020304" pitchFamily="18" charset="0"/>
+            </a:endParaRPr>
+          </a:p>
+          <a:p>
+            <a:pPr marL="457200" lvl="0" indent="-457200" algn="just">
+              <a:lnSpc>
+                <a:spcPct val="150000"/>
+              </a:lnSpc>
+              <a:buFont typeface="Wingdings" panose="05000000000000000000" pitchFamily="2" charset="2"/>
+              <a:buChar char="q"/>
+            </a:pPr>
+            <a:r>
+              <a:rPr lang="en-IN" altLang="en-US" sz="2400" dirty="0">
+                <a:cs typeface="Times New Roman" panose="02020603050405020304" pitchFamily="18" charset="0"/>
+              </a:rPr>
+              <a:t>The Base Station has N</a:t>
+            </a:r>
+            <a:r>
+              <a:rPr lang="en-IN" altLang="en-US" sz="2400" baseline="-25000" dirty="0">
+                <a:cs typeface="Times New Roman" panose="02020603050405020304" pitchFamily="18" charset="0"/>
+              </a:rPr>
+              <a:t>t</a:t>
+            </a:r>
+            <a:r>
+              <a:rPr lang="en-IN" altLang="en-US" sz="2400" dirty="0">
+                <a:cs typeface="Times New Roman" panose="02020603050405020304" pitchFamily="18" charset="0"/>
+              </a:rPr>
+              <a:t> number of transmitting antennas whereas there are </a:t>
+            </a:r>
+            <a:r>
+              <a:rPr lang="en-IN" altLang="en-US" sz="2400" b="1" dirty="0">
+                <a:cs typeface="Times New Roman" panose="02020603050405020304" pitchFamily="18" charset="0"/>
+              </a:rPr>
+              <a:t>K users</a:t>
+            </a:r>
+            <a:r>
+              <a:rPr lang="en-IN" altLang="en-US" sz="2400" dirty="0">
+                <a:cs typeface="Times New Roman" panose="02020603050405020304" pitchFamily="18" charset="0"/>
+              </a:rPr>
+              <a:t> having </a:t>
+            </a:r>
+            <a:r>
+              <a:rPr lang="en-IN" altLang="en-US" sz="2400" b="1" dirty="0">
+                <a:cs typeface="Times New Roman" panose="02020603050405020304" pitchFamily="18" charset="0"/>
+              </a:rPr>
+              <a:t>N</a:t>
+            </a:r>
+            <a:r>
+              <a:rPr lang="en-IN" altLang="en-US" sz="2400" b="1" baseline="-25000" dirty="0">
+                <a:cs typeface="Times New Roman" panose="02020603050405020304" pitchFamily="18" charset="0"/>
+              </a:rPr>
+              <a:t>r </a:t>
+            </a:r>
+            <a:r>
+              <a:rPr lang="en-IN" altLang="en-US" sz="2400" b="1" dirty="0">
+                <a:cs typeface="Times New Roman" panose="02020603050405020304" pitchFamily="18" charset="0"/>
+              </a:rPr>
+              <a:t> receiving antennas </a:t>
+            </a:r>
+            <a:r>
+              <a:rPr lang="en-IN" altLang="en-US" sz="2400" dirty="0">
+                <a:cs typeface="Times New Roman" panose="02020603050405020304" pitchFamily="18" charset="0"/>
+              </a:rPr>
+              <a:t>with them where </a:t>
+            </a:r>
+            <a:r>
+              <a:rPr lang="en-IN" altLang="en-US" sz="2400" b="1" dirty="0">
+                <a:cs typeface="Times New Roman" panose="02020603050405020304" pitchFamily="18" charset="0"/>
+              </a:rPr>
+              <a:t>M</a:t>
+            </a:r>
+            <a:r>
+              <a:rPr lang="en-IN" altLang="en-US" sz="2400" b="1" baseline="-25000" dirty="0">
+                <a:cs typeface="Times New Roman" panose="02020603050405020304" pitchFamily="18" charset="0"/>
+              </a:rPr>
+              <a:t>k</a:t>
+            </a:r>
+            <a:r>
+              <a:rPr lang="en-IN" altLang="en-US" sz="2400" b="1" dirty="0">
+                <a:cs typeface="Times New Roman" panose="02020603050405020304" pitchFamily="18" charset="0"/>
+              </a:rPr>
+              <a:t> receiving antennas will be active at a time </a:t>
+            </a:r>
+            <a:r>
+              <a:rPr lang="en-IN" altLang="en-US" sz="2400" dirty="0">
+                <a:cs typeface="Times New Roman" panose="02020603050405020304" pitchFamily="18" charset="0"/>
+              </a:rPr>
+              <a:t>for a particular user where </a:t>
+            </a:r>
+            <a:r>
+              <a:rPr lang="en-IN" altLang="en-US" sz="2400" b="1" dirty="0">
+                <a:cs typeface="Times New Roman" panose="02020603050405020304" pitchFamily="18" charset="0"/>
+              </a:rPr>
+              <a:t>M</a:t>
+            </a:r>
+            <a:r>
+              <a:rPr lang="en-IN" altLang="en-US" sz="2400" b="1" baseline="-25000" dirty="0">
+                <a:cs typeface="Times New Roman" panose="02020603050405020304" pitchFamily="18" charset="0"/>
+              </a:rPr>
+              <a:t>k</a:t>
+            </a:r>
+            <a:r>
+              <a:rPr lang="en-IN" altLang="en-US" sz="2400" b="1" dirty="0">
+                <a:cs typeface="Times New Roman" panose="02020603050405020304" pitchFamily="18" charset="0"/>
+              </a:rPr>
+              <a:t> &lt;= Nr</a:t>
+            </a:r>
+            <a:r>
+              <a:rPr lang="en-IN" altLang="en-US" sz="2400" b="1" baseline="-25000" dirty="0">
+                <a:cs typeface="Times New Roman" panose="02020603050405020304" pitchFamily="18" charset="0"/>
+              </a:rPr>
+              <a:t> </a:t>
+            </a:r>
+            <a:r>
+              <a:rPr lang="en-IN" altLang="en-US" sz="2400" baseline="-25000" dirty="0">
+                <a:cs typeface="Times New Roman" panose="02020603050405020304" pitchFamily="18" charset="0"/>
+              </a:rPr>
+              <a:t>.</a:t>
+            </a:r>
+          </a:p>
+        </p:txBody>
+      </p:sp>
+    </p:spTree>
+    <p:extLst>
+      <p:ext uri="{BB962C8B-B14F-4D97-AF65-F5344CB8AC3E}">
+        <p14:creationId xmlns:p14="http://schemas.microsoft.com/office/powerpoint/2010/main" val="3785486708"/>
+      </p:ext>
+    </p:extLst>
+  </p:cSld>
+  <p:clrMapOvr>
+    <a:masterClrMapping/>
+  </p:clrMapOvr>
+</p:sld>
+</file>
+
+<file path=ppt/slides/slide8.xml><?xml version="1.0" encoding="utf-8"?>
+<p:sld xmlns:a="http://schemas.openxmlformats.org/drawingml/2006/main" xmlns:r="http://schemas.openxmlformats.org/officeDocument/2006/relationships" xmlns:p="http://schemas.openxmlformats.org/presentationml/2006/main">
+  <p:cSld>
+    <p:spTree>
+      <p:nvGrpSpPr>
+        <p:cNvPr id="1" name=""/>
+        <p:cNvGrpSpPr/>
+        <p:nvPr/>
+      </p:nvGrpSpPr>
+      <p:grpSpPr>
+        <a:xfrm>
+          <a:off x="0" y="0"/>
+          <a:ext cx="0" cy="0"/>
+          <a:chOff x="0" y="0"/>
+          <a:chExt cx="0" cy="0"/>
+        </a:xfrm>
+      </p:grpSpPr>
+      <p:sp>
+        <p:nvSpPr>
+          <p:cNvPr id="2" name="Title 1">
+            <a:extLst>
+              <a:ext uri="{FF2B5EF4-FFF2-40B4-BE49-F238E27FC236}">
+                <a16:creationId xmlns:a16="http://schemas.microsoft.com/office/drawing/2014/main" id="{76C4E71F-B0AE-4C19-84E6-CF97090FB59E}"/>
+              </a:ext>
+            </a:extLst>
+          </p:cNvPr>
+          <p:cNvSpPr>
+            <a:spLocks noGrp="1"/>
+          </p:cNvSpPr>
+          <p:nvPr>
+            <p:ph type="title"/>
+          </p:nvPr>
+        </p:nvSpPr>
+        <p:spPr/>
+        <p:txBody>
+          <a:bodyPr/>
+          <a:lstStyle/>
+          <a:p>
+            <a:pPr algn="just"/>
+            <a:r>
+              <a:rPr lang="en-US" dirty="0"/>
+              <a:t>System Model</a:t>
+            </a:r>
+            <a:endParaRPr lang="en-IN" dirty="0"/>
+          </a:p>
+        </p:txBody>
+      </p:sp>
+      <p:sp>
+        <p:nvSpPr>
+          <p:cNvPr id="3" name="Content Placeholder 2">
+            <a:extLst>
+              <a:ext uri="{FF2B5EF4-FFF2-40B4-BE49-F238E27FC236}">
+                <a16:creationId xmlns:a16="http://schemas.microsoft.com/office/drawing/2014/main" id="{F3EAEEE4-84CB-4D53-BD7E-35808338701B}"/>
+              </a:ext>
+            </a:extLst>
+          </p:cNvPr>
+          <p:cNvSpPr>
+            <a:spLocks noGrp="1"/>
+          </p:cNvSpPr>
+          <p:nvPr>
+            <p:ph idx="1"/>
+          </p:nvPr>
+        </p:nvSpPr>
+        <p:spPr>
+          <a:xfrm>
+            <a:off x="533400" y="1371600"/>
+            <a:ext cx="8610600" cy="4953000"/>
+          </a:xfrm>
+        </p:spPr>
+        <p:txBody>
+          <a:bodyPr/>
+          <a:lstStyle/>
+          <a:p>
+            <a:pPr marL="457200" indent="-457200" algn="just">
+              <a:lnSpc>
+                <a:spcPct val="150000"/>
+              </a:lnSpc>
+              <a:buFont typeface="Wingdings" panose="05000000000000000000" pitchFamily="2" charset="2"/>
+              <a:buChar char="q"/>
+            </a:pPr>
+            <a:r>
+              <a:rPr lang="en-IN" altLang="en-US" sz="2400" dirty="0">
+                <a:cs typeface="Times New Roman" panose="02020603050405020304" pitchFamily="18" charset="0"/>
+              </a:rPr>
+              <a:t>Our </a:t>
+            </a:r>
+            <a:r>
+              <a:rPr lang="en-IN" altLang="en-US" sz="2400" b="1" dirty="0">
+                <a:solidFill>
+                  <a:schemeClr val="tx1"/>
+                </a:solidFill>
+                <a:cs typeface="Times New Roman" panose="02020603050405020304" pitchFamily="18" charset="0"/>
+              </a:rPr>
+              <a:t>objective function i.e. sum capacity </a:t>
+            </a:r>
+            <a:r>
+              <a:rPr lang="en-IN" altLang="en-US" sz="2400" dirty="0">
+                <a:cs typeface="Times New Roman" panose="02020603050405020304" pitchFamily="18" charset="0"/>
+              </a:rPr>
+              <a:t>is dependent on the SLNR based precoding matrix which has been given in next slides.</a:t>
+            </a:r>
+          </a:p>
+          <a:p>
+            <a:pPr marL="457200" indent="-457200" algn="just">
+              <a:lnSpc>
+                <a:spcPct val="150000"/>
+              </a:lnSpc>
+              <a:buFont typeface="Wingdings" panose="05000000000000000000" pitchFamily="2" charset="2"/>
+              <a:buChar char="q"/>
+            </a:pPr>
+            <a:endParaRPr lang="en-IN" altLang="en-US" sz="2400" dirty="0">
+              <a:cs typeface="Times New Roman" panose="02020603050405020304" pitchFamily="18" charset="0"/>
+            </a:endParaRPr>
+          </a:p>
+          <a:p>
+            <a:pPr marL="457200" indent="-457200" algn="just">
+              <a:lnSpc>
+                <a:spcPct val="150000"/>
+              </a:lnSpc>
+              <a:buFont typeface="Wingdings" panose="05000000000000000000" pitchFamily="2" charset="2"/>
+              <a:buChar char="q"/>
+            </a:pPr>
+            <a:r>
+              <a:rPr lang="en-IN" altLang="en-US" sz="2400" dirty="0">
+                <a:cs typeface="Times New Roman" panose="02020603050405020304" pitchFamily="18" charset="0"/>
+              </a:rPr>
+              <a:t>We will assume </a:t>
+            </a:r>
+            <a:r>
+              <a:rPr lang="en-IN" altLang="en-US" sz="2400" b="1" dirty="0">
+                <a:solidFill>
+                  <a:schemeClr val="tx1"/>
+                </a:solidFill>
+                <a:cs typeface="Times New Roman" panose="02020603050405020304" pitchFamily="18" charset="0"/>
+              </a:rPr>
+              <a:t>equal power per data stream power </a:t>
+            </a:r>
+            <a:r>
+              <a:rPr lang="en-IN" altLang="en-US" sz="2400" b="1" dirty="0">
+                <a:cs typeface="Times New Roman" panose="02020603050405020304" pitchFamily="18" charset="0"/>
+              </a:rPr>
+              <a:t>scheme </a:t>
+            </a:r>
+            <a:r>
+              <a:rPr lang="en-IN" altLang="en-US" sz="2400" dirty="0">
+                <a:cs typeface="Times New Roman" panose="02020603050405020304" pitchFamily="18" charset="0"/>
+              </a:rPr>
+              <a:t>while calculating the </a:t>
+            </a:r>
+            <a:r>
+              <a:rPr lang="en-IN" altLang="en-US" sz="2400" b="1" dirty="0">
+                <a:cs typeface="Times New Roman" panose="02020603050405020304" pitchFamily="18" charset="0"/>
+              </a:rPr>
+              <a:t>SINR</a:t>
+            </a:r>
+            <a:r>
+              <a:rPr lang="en-IN" altLang="en-US" sz="2400" dirty="0">
+                <a:cs typeface="Times New Roman" panose="02020603050405020304" pitchFamily="18" charset="0"/>
+              </a:rPr>
+              <a:t> for the system (</a:t>
+            </a:r>
+            <a:r>
+              <a:rPr lang="en-IN" altLang="en-US" sz="2400" b="1" dirty="0">
+                <a:cs typeface="Times New Roman" panose="02020603050405020304" pitchFamily="18" charset="0"/>
+              </a:rPr>
+              <a:t>EPS</a:t>
+            </a:r>
+            <a:r>
+              <a:rPr lang="en-IN" altLang="en-US" sz="2400" dirty="0">
+                <a:cs typeface="Times New Roman" panose="02020603050405020304" pitchFamily="18" charset="0"/>
+              </a:rPr>
+              <a:t> ).</a:t>
+            </a:r>
+          </a:p>
+        </p:txBody>
+      </p:sp>
+    </p:spTree>
+    <p:extLst>
+      <p:ext uri="{BB962C8B-B14F-4D97-AF65-F5344CB8AC3E}">
+        <p14:creationId xmlns:p14="http://schemas.microsoft.com/office/powerpoint/2010/main" val="216802201"/>
+      </p:ext>
+    </p:extLst>
+  </p:cSld>
+  <p:clrMapOvr>
+    <a:masterClrMapping/>
+  </p:clrMapOvr>
+</p:sld>
+</file>
+
 <file path=ppt/slides/slide9.xml><?xml version="1.0" encoding="utf-8"?>
 <p:sld xmlns:a="http://schemas.openxmlformats.org/drawingml/2006/main" xmlns:r="http://schemas.openxmlformats.org/officeDocument/2006/relationships" xmlns:p="http://schemas.openxmlformats.org/presentationml/2006/main">
   <p:cSld>
@@ -19398,7 +18201,7 @@
           <a:bodyPr/>
           <a:lstStyle/>
           <a:p>
-            <a:pPr algn="just"/>
+            <a:pPr algn="l"/>
             <a:r>
               <a:rPr lang="en-US" dirty="0"/>
               <a:t>System Model</a:t>
@@ -19407,185 +18210,1230 @@
           </a:p>
         </p:txBody>
       </p:sp>
-      <p:sp>
-        <p:nvSpPr>
-          <p:cNvPr id="3" name="Content Placeholder 2">
+      <mc:AlternateContent xmlns:mc="http://schemas.openxmlformats.org/markup-compatibility/2006" xmlns:a14="http://schemas.microsoft.com/office/drawing/2010/main">
+        <mc:Choice Requires="a14">
+          <p:sp>
+            <p:nvSpPr>
+              <p:cNvPr id="3" name="Content Placeholder 2">
+                <a:extLst>
+                  <a:ext uri="{FF2B5EF4-FFF2-40B4-BE49-F238E27FC236}">
+                    <a16:creationId xmlns:a16="http://schemas.microsoft.com/office/drawing/2014/main" id="{F3EAEEE4-84CB-4D53-BD7E-35808338701B}"/>
+                  </a:ext>
+                </a:extLst>
+              </p:cNvPr>
+              <p:cNvSpPr>
+                <a:spLocks noGrp="1"/>
+              </p:cNvSpPr>
+              <p:nvPr>
+                <p:ph idx="1"/>
+              </p:nvPr>
+            </p:nvSpPr>
+            <p:spPr>
+              <a:xfrm>
+                <a:off x="533400" y="1371600"/>
+                <a:ext cx="8610600" cy="4722813"/>
+              </a:xfrm>
+            </p:spPr>
+            <p:txBody>
+              <a:bodyPr/>
+              <a:lstStyle/>
+              <a:p>
+                <a:pPr marL="457200" indent="-457200" algn="just">
+                  <a:lnSpc>
+                    <a:spcPct val="150000"/>
+                  </a:lnSpc>
+                  <a:buFont typeface="Wingdings" panose="05000000000000000000" pitchFamily="2" charset="2"/>
+                  <a:buChar char="q"/>
+                </a:pPr>
+                <a:r>
+                  <a:rPr lang="en-IN" sz="2400" dirty="0">
+                    <a:latin typeface="Times New Roman" pitchFamily="16" charset="0"/>
+                    <a:cs typeface="Times New Roman" pitchFamily="16" charset="0"/>
+                  </a:rPr>
+                  <a:t>The </a:t>
+                </a:r>
+                <a:r>
+                  <a:rPr lang="en-IN" sz="2400" b="1" dirty="0">
+                    <a:solidFill>
+                      <a:schemeClr val="tx1"/>
+                    </a:solidFill>
+                    <a:latin typeface="Times New Roman" pitchFamily="16" charset="0"/>
+                    <a:cs typeface="Times New Roman" pitchFamily="16" charset="0"/>
+                  </a:rPr>
+                  <a:t>received signal </a:t>
+                </a:r>
+                <a:r>
+                  <a:rPr lang="en-IN" sz="2400" dirty="0">
+                    <a:latin typeface="Times New Roman" pitchFamily="16" charset="0"/>
+                    <a:cs typeface="Times New Roman" pitchFamily="16" charset="0"/>
+                  </a:rPr>
+                  <a:t>at the mobile station is given as,</a:t>
+                </a:r>
+              </a:p>
+              <a:p>
+                <a:pPr marL="0" indent="0" algn="just"/>
+                <a14:m>
+                  <m:oMathPara xmlns:m="http://schemas.openxmlformats.org/officeDocument/2006/math">
+                    <m:oMathParaPr>
+                      <m:jc m:val="centerGroup"/>
+                    </m:oMathParaPr>
+                    <m:oMath xmlns:m="http://schemas.openxmlformats.org/officeDocument/2006/math">
+                      <m:sSub>
+                        <m:sSubPr>
+                          <m:ctrlPr>
+                            <a:rPr lang="en-IN" sz="2800" b="1" i="1" smtClean="0">
+                              <a:solidFill>
+                                <a:schemeClr val="tx1"/>
+                              </a:solidFill>
+                              <a:effectLst/>
+                              <a:latin typeface="Cambria Math" panose="02040503050406030204" pitchFamily="18" charset="0"/>
+                              <a:ea typeface="Times New Roman" panose="02020603050405020304" pitchFamily="18" charset="0"/>
+                              <a:cs typeface="Arial" panose="020B0604020202020204" pitchFamily="34" charset="0"/>
+                            </a:rPr>
+                          </m:ctrlPr>
+                        </m:sSubPr>
+                        <m:e>
+                          <m:r>
+                            <a:rPr lang="en-IN" sz="2800" b="1" i="0" smtClean="0">
+                              <a:solidFill>
+                                <a:schemeClr val="tx1"/>
+                              </a:solidFill>
+                              <a:effectLst/>
+                              <a:latin typeface="Cambria Math" panose="02040503050406030204" pitchFamily="18" charset="0"/>
+                              <a:ea typeface="Times New Roman" panose="02020603050405020304" pitchFamily="18" charset="0"/>
+                              <a:cs typeface="Arial" panose="020B0604020202020204" pitchFamily="34" charset="0"/>
+                            </a:rPr>
+                            <m:t>       </m:t>
+                          </m:r>
+                          <m:r>
+                            <a:rPr lang="en-IN" sz="2800" b="1" i="0">
+                              <a:solidFill>
+                                <a:schemeClr val="tx1"/>
+                              </a:solidFill>
+                              <a:effectLst/>
+                              <a:latin typeface="Cambria Math" panose="02040503050406030204" pitchFamily="18" charset="0"/>
+                              <a:ea typeface="Times New Roman" panose="02020603050405020304" pitchFamily="18" charset="0"/>
+                              <a:cs typeface="Arial" panose="020B0604020202020204" pitchFamily="34" charset="0"/>
+                            </a:rPr>
+                            <m:t>𝐲</m:t>
+                          </m:r>
+                        </m:e>
+                        <m:sub>
+                          <m:r>
+                            <a:rPr lang="en-IN" sz="2800" b="1" i="0">
+                              <a:solidFill>
+                                <a:schemeClr val="tx1"/>
+                              </a:solidFill>
+                              <a:effectLst/>
+                              <a:latin typeface="Cambria Math" panose="02040503050406030204" pitchFamily="18" charset="0"/>
+                              <a:ea typeface="Times New Roman" panose="02020603050405020304" pitchFamily="18" charset="0"/>
+                              <a:cs typeface="Arial" panose="020B0604020202020204" pitchFamily="34" charset="0"/>
+                            </a:rPr>
+                            <m:t>𝐣</m:t>
+                          </m:r>
+                        </m:sub>
+                      </m:sSub>
+                      <m:r>
+                        <a:rPr lang="en-IN" sz="2800" b="1" i="0">
+                          <a:solidFill>
+                            <a:schemeClr val="tx1"/>
+                          </a:solidFill>
+                          <a:effectLst/>
+                          <a:latin typeface="Cambria Math" panose="02040503050406030204" pitchFamily="18" charset="0"/>
+                          <a:ea typeface="Times New Roman" panose="02020603050405020304" pitchFamily="18" charset="0"/>
+                          <a:cs typeface="Arial" panose="020B0604020202020204" pitchFamily="34" charset="0"/>
+                        </a:rPr>
+                        <m:t>=</m:t>
+                      </m:r>
+                      <m:sSub>
+                        <m:sSubPr>
+                          <m:ctrlPr>
+                            <a:rPr lang="en-IN" sz="2800" b="1" i="1">
+                              <a:solidFill>
+                                <a:schemeClr val="tx1"/>
+                              </a:solidFill>
+                              <a:effectLst/>
+                              <a:latin typeface="Cambria Math" panose="02040503050406030204" pitchFamily="18" charset="0"/>
+                              <a:ea typeface="Times New Roman" panose="02020603050405020304" pitchFamily="18" charset="0"/>
+                              <a:cs typeface="Arial" panose="020B0604020202020204" pitchFamily="34" charset="0"/>
+                            </a:rPr>
+                          </m:ctrlPr>
+                        </m:sSubPr>
+                        <m:e>
+                          <m:r>
+                            <a:rPr lang="en-IN" sz="2800" b="1" i="0">
+                              <a:solidFill>
+                                <a:schemeClr val="tx1"/>
+                              </a:solidFill>
+                              <a:effectLst/>
+                              <a:latin typeface="Cambria Math" panose="02040503050406030204" pitchFamily="18" charset="0"/>
+                              <a:ea typeface="Times New Roman" panose="02020603050405020304" pitchFamily="18" charset="0"/>
+                              <a:cs typeface="Arial" panose="020B0604020202020204" pitchFamily="34" charset="0"/>
+                            </a:rPr>
+                            <m:t>𝐇</m:t>
+                          </m:r>
+                        </m:e>
+                        <m:sub>
+                          <m:r>
+                            <a:rPr lang="en-IN" sz="2800" b="1" i="0">
+                              <a:solidFill>
+                                <a:schemeClr val="tx1"/>
+                              </a:solidFill>
+                              <a:effectLst/>
+                              <a:latin typeface="Cambria Math" panose="02040503050406030204" pitchFamily="18" charset="0"/>
+                              <a:ea typeface="Times New Roman" panose="02020603050405020304" pitchFamily="18" charset="0"/>
+                              <a:cs typeface="Arial" panose="020B0604020202020204" pitchFamily="34" charset="0"/>
+                            </a:rPr>
+                            <m:t>𝐣</m:t>
+                          </m:r>
+                        </m:sub>
+                      </m:sSub>
+                      <m:sSub>
+                        <m:sSubPr>
+                          <m:ctrlPr>
+                            <a:rPr lang="en-IN" sz="2800" b="1" i="1">
+                              <a:solidFill>
+                                <a:schemeClr val="tx1"/>
+                              </a:solidFill>
+                              <a:effectLst/>
+                              <a:latin typeface="Cambria Math" panose="02040503050406030204" pitchFamily="18" charset="0"/>
+                              <a:ea typeface="Times New Roman" panose="02020603050405020304" pitchFamily="18" charset="0"/>
+                              <a:cs typeface="Arial" panose="020B0604020202020204" pitchFamily="34" charset="0"/>
+                            </a:rPr>
+                          </m:ctrlPr>
+                        </m:sSubPr>
+                        <m:e>
+                          <m:r>
+                            <a:rPr lang="en-IN" sz="2800" b="1" i="0">
+                              <a:solidFill>
+                                <a:schemeClr val="tx1"/>
+                              </a:solidFill>
+                              <a:effectLst/>
+                              <a:latin typeface="Cambria Math" panose="02040503050406030204" pitchFamily="18" charset="0"/>
+                              <a:ea typeface="Times New Roman" panose="02020603050405020304" pitchFamily="18" charset="0"/>
+                              <a:cs typeface="Arial" panose="020B0604020202020204" pitchFamily="34" charset="0"/>
+                            </a:rPr>
+                            <m:t>𝐖</m:t>
+                          </m:r>
+                        </m:e>
+                        <m:sub>
+                          <m:r>
+                            <a:rPr lang="en-IN" sz="2800" b="1" i="0">
+                              <a:solidFill>
+                                <a:schemeClr val="tx1"/>
+                              </a:solidFill>
+                              <a:effectLst/>
+                              <a:latin typeface="Cambria Math" panose="02040503050406030204" pitchFamily="18" charset="0"/>
+                              <a:ea typeface="Times New Roman" panose="02020603050405020304" pitchFamily="18" charset="0"/>
+                              <a:cs typeface="Arial" panose="020B0604020202020204" pitchFamily="34" charset="0"/>
+                            </a:rPr>
+                            <m:t>𝐣</m:t>
+                          </m:r>
+                        </m:sub>
+                      </m:sSub>
+                      <m:sSub>
+                        <m:sSubPr>
+                          <m:ctrlPr>
+                            <a:rPr lang="en-IN" sz="2800" b="1" i="1">
+                              <a:solidFill>
+                                <a:schemeClr val="tx1"/>
+                              </a:solidFill>
+                              <a:effectLst/>
+                              <a:latin typeface="Cambria Math" panose="02040503050406030204" pitchFamily="18" charset="0"/>
+                              <a:ea typeface="Times New Roman" panose="02020603050405020304" pitchFamily="18" charset="0"/>
+                              <a:cs typeface="Arial" panose="020B0604020202020204" pitchFamily="34" charset="0"/>
+                            </a:rPr>
+                          </m:ctrlPr>
+                        </m:sSubPr>
+                        <m:e>
+                          <m:r>
+                            <a:rPr lang="en-IN" sz="2800" b="1" i="0">
+                              <a:solidFill>
+                                <a:schemeClr val="tx1"/>
+                              </a:solidFill>
+                              <a:effectLst/>
+                              <a:latin typeface="Cambria Math" panose="02040503050406030204" pitchFamily="18" charset="0"/>
+                              <a:ea typeface="Times New Roman" panose="02020603050405020304" pitchFamily="18" charset="0"/>
+                              <a:cs typeface="Arial" panose="020B0604020202020204" pitchFamily="34" charset="0"/>
+                            </a:rPr>
+                            <m:t>𝐬</m:t>
+                          </m:r>
+                        </m:e>
+                        <m:sub>
+                          <m:r>
+                            <a:rPr lang="en-IN" sz="2800" b="1" i="0">
+                              <a:solidFill>
+                                <a:schemeClr val="tx1"/>
+                              </a:solidFill>
+                              <a:effectLst/>
+                              <a:latin typeface="Cambria Math" panose="02040503050406030204" pitchFamily="18" charset="0"/>
+                              <a:ea typeface="Times New Roman" panose="02020603050405020304" pitchFamily="18" charset="0"/>
+                              <a:cs typeface="Arial" panose="020B0604020202020204" pitchFamily="34" charset="0"/>
+                            </a:rPr>
+                            <m:t>𝐣</m:t>
+                          </m:r>
+                        </m:sub>
+                      </m:sSub>
+                      <m:r>
+                        <a:rPr lang="en-IN" sz="2800" b="1" i="0">
+                          <a:solidFill>
+                            <a:schemeClr val="tx1"/>
+                          </a:solidFill>
+                          <a:effectLst/>
+                          <a:latin typeface="Cambria Math" panose="02040503050406030204" pitchFamily="18" charset="0"/>
+                          <a:ea typeface="Times New Roman" panose="02020603050405020304" pitchFamily="18" charset="0"/>
+                          <a:cs typeface="Arial" panose="020B0604020202020204" pitchFamily="34" charset="0"/>
+                        </a:rPr>
+                        <m:t>+</m:t>
+                      </m:r>
+                      <m:sSub>
+                        <m:sSubPr>
+                          <m:ctrlPr>
+                            <a:rPr lang="en-IN" sz="2800" b="1" i="1">
+                              <a:solidFill>
+                                <a:schemeClr val="tx1"/>
+                              </a:solidFill>
+                              <a:effectLst/>
+                              <a:latin typeface="Cambria Math" panose="02040503050406030204" pitchFamily="18" charset="0"/>
+                              <a:ea typeface="Times New Roman" panose="02020603050405020304" pitchFamily="18" charset="0"/>
+                              <a:cs typeface="Arial" panose="020B0604020202020204" pitchFamily="34" charset="0"/>
+                            </a:rPr>
+                          </m:ctrlPr>
+                        </m:sSubPr>
+                        <m:e>
+                          <m:r>
+                            <a:rPr lang="en-IN" sz="2800" b="1" i="0">
+                              <a:solidFill>
+                                <a:schemeClr val="tx1"/>
+                              </a:solidFill>
+                              <a:effectLst/>
+                              <a:latin typeface="Cambria Math" panose="02040503050406030204" pitchFamily="18" charset="0"/>
+                              <a:ea typeface="Times New Roman" panose="02020603050405020304" pitchFamily="18" charset="0"/>
+                              <a:cs typeface="Arial" panose="020B0604020202020204" pitchFamily="34" charset="0"/>
+                            </a:rPr>
+                            <m:t>𝐇</m:t>
+                          </m:r>
+                        </m:e>
+                        <m:sub>
+                          <m:r>
+                            <a:rPr lang="en-IN" sz="2800" b="1" i="0">
+                              <a:solidFill>
+                                <a:schemeClr val="tx1"/>
+                              </a:solidFill>
+                              <a:effectLst/>
+                              <a:latin typeface="Cambria Math" panose="02040503050406030204" pitchFamily="18" charset="0"/>
+                              <a:ea typeface="Times New Roman" panose="02020603050405020304" pitchFamily="18" charset="0"/>
+                              <a:cs typeface="Arial" panose="020B0604020202020204" pitchFamily="34" charset="0"/>
+                            </a:rPr>
+                            <m:t>𝐣</m:t>
+                          </m:r>
+                        </m:sub>
+                      </m:sSub>
+                      <m:nary>
+                        <m:naryPr>
+                          <m:chr m:val="∑"/>
+                          <m:limLoc m:val="undOvr"/>
+                          <m:grow m:val="on"/>
+                          <m:supHide m:val="on"/>
+                          <m:ctrlPr>
+                            <a:rPr lang="en-IN" sz="2800" b="1" i="1">
+                              <a:solidFill>
+                                <a:schemeClr val="tx1"/>
+                              </a:solidFill>
+                              <a:effectLst/>
+                              <a:latin typeface="Cambria Math" panose="02040503050406030204" pitchFamily="18" charset="0"/>
+                              <a:ea typeface="Times New Roman" panose="02020603050405020304" pitchFamily="18" charset="0"/>
+                              <a:cs typeface="Arial" panose="020B0604020202020204" pitchFamily="34" charset="0"/>
+                            </a:rPr>
+                          </m:ctrlPr>
+                        </m:naryPr>
+                        <m:sub>
+                          <m:r>
+                            <a:rPr lang="en-IN" sz="2800" b="1" i="0">
+                              <a:solidFill>
+                                <a:schemeClr val="tx1"/>
+                              </a:solidFill>
+                              <a:effectLst/>
+                              <a:latin typeface="Cambria Math" panose="02040503050406030204" pitchFamily="18" charset="0"/>
+                              <a:ea typeface="Times New Roman" panose="02020603050405020304" pitchFamily="18" charset="0"/>
+                              <a:cs typeface="Arial" panose="020B0604020202020204" pitchFamily="34" charset="0"/>
+                            </a:rPr>
+                            <m:t>𝐤</m:t>
+                          </m:r>
+                          <m:r>
+                            <a:rPr lang="en-IN" sz="2800" b="1" i="0">
+                              <a:solidFill>
+                                <a:schemeClr val="tx1"/>
+                              </a:solidFill>
+                              <a:effectLst/>
+                              <a:latin typeface="Cambria Math" panose="02040503050406030204" pitchFamily="18" charset="0"/>
+                              <a:ea typeface="Times New Roman" panose="02020603050405020304" pitchFamily="18" charset="0"/>
+                              <a:cs typeface="Arial" panose="020B0604020202020204" pitchFamily="34" charset="0"/>
+                            </a:rPr>
+                            <m:t>∈</m:t>
+                          </m:r>
+                          <m:sSub>
+                            <m:sSubPr>
+                              <m:ctrlPr>
+                                <a:rPr lang="en-IN" sz="2800" b="1" i="1">
+                                  <a:solidFill>
+                                    <a:schemeClr val="tx1"/>
+                                  </a:solidFill>
+                                  <a:effectLst/>
+                                  <a:latin typeface="Cambria Math" panose="02040503050406030204" pitchFamily="18" charset="0"/>
+                                  <a:ea typeface="Times New Roman" panose="02020603050405020304" pitchFamily="18" charset="0"/>
+                                  <a:cs typeface="Arial" panose="020B0604020202020204" pitchFamily="34" charset="0"/>
+                                </a:rPr>
+                              </m:ctrlPr>
+                            </m:sSubPr>
+                            <m:e>
+                              <m:r>
+                                <a:rPr lang="en-IN" sz="2800" b="1" i="0">
+                                  <a:solidFill>
+                                    <a:schemeClr val="tx1"/>
+                                  </a:solidFill>
+                                  <a:effectLst/>
+                                  <a:latin typeface="Cambria Math" panose="02040503050406030204" pitchFamily="18" charset="0"/>
+                                  <a:ea typeface="Times New Roman" panose="02020603050405020304" pitchFamily="18" charset="0"/>
+                                  <a:cs typeface="Arial" panose="020B0604020202020204" pitchFamily="34" charset="0"/>
+                                </a:rPr>
+                                <m:t>𝐔</m:t>
+                              </m:r>
+                            </m:e>
+                            <m:sub>
+                              <m:r>
+                                <a:rPr lang="en-IN" sz="2800" b="1" i="0">
+                                  <a:solidFill>
+                                    <a:schemeClr val="tx1"/>
+                                  </a:solidFill>
+                                  <a:effectLst/>
+                                  <a:latin typeface="Cambria Math" panose="02040503050406030204" pitchFamily="18" charset="0"/>
+                                  <a:ea typeface="Times New Roman" panose="02020603050405020304" pitchFamily="18" charset="0"/>
+                                  <a:cs typeface="Arial" panose="020B0604020202020204" pitchFamily="34" charset="0"/>
+                                </a:rPr>
+                                <m:t>𝐢</m:t>
+                              </m:r>
+                            </m:sub>
+                          </m:sSub>
+                          <m:r>
+                            <a:rPr lang="en-IN" sz="2800" b="1" i="0">
+                              <a:solidFill>
+                                <a:schemeClr val="tx1"/>
+                              </a:solidFill>
+                              <a:effectLst/>
+                              <a:latin typeface="Cambria Math" panose="02040503050406030204" pitchFamily="18" charset="0"/>
+                              <a:ea typeface="Times New Roman" panose="02020603050405020304" pitchFamily="18" charset="0"/>
+                              <a:cs typeface="Arial" panose="020B0604020202020204" pitchFamily="34" charset="0"/>
+                            </a:rPr>
+                            <m:t>𝐤</m:t>
+                          </m:r>
+                          <m:r>
+                            <a:rPr lang="en-IN" sz="2800" b="1" i="0">
+                              <a:solidFill>
+                                <a:schemeClr val="tx1"/>
+                              </a:solidFill>
+                              <a:effectLst/>
+                              <a:latin typeface="Cambria Math" panose="02040503050406030204" pitchFamily="18" charset="0"/>
+                              <a:ea typeface="Times New Roman" panose="02020603050405020304" pitchFamily="18" charset="0"/>
+                              <a:cs typeface="Arial" panose="020B0604020202020204" pitchFamily="34" charset="0"/>
+                            </a:rPr>
+                            <m:t>≠</m:t>
+                          </m:r>
+                          <m:r>
+                            <a:rPr lang="en-IN" sz="2800" b="1" i="0">
+                              <a:solidFill>
+                                <a:schemeClr val="tx1"/>
+                              </a:solidFill>
+                              <a:effectLst/>
+                              <a:latin typeface="Cambria Math" panose="02040503050406030204" pitchFamily="18" charset="0"/>
+                              <a:ea typeface="Times New Roman" panose="02020603050405020304" pitchFamily="18" charset="0"/>
+                              <a:cs typeface="Arial" panose="020B0604020202020204" pitchFamily="34" charset="0"/>
+                            </a:rPr>
+                            <m:t>𝐣</m:t>
+                          </m:r>
+                        </m:sub>
+                        <m:sup/>
+                        <m:e>
+                          <m:r>
+                            <a:rPr lang="en-IN" sz="2800" b="1" i="0">
+                              <a:solidFill>
+                                <a:schemeClr val="tx1"/>
+                              </a:solidFill>
+                              <a:effectLst/>
+                              <a:latin typeface="Cambria Math" panose="02040503050406030204" pitchFamily="18" charset="0"/>
+                              <a:ea typeface="Times New Roman" panose="02020603050405020304" pitchFamily="18" charset="0"/>
+                              <a:cs typeface="Arial" panose="020B0604020202020204" pitchFamily="34" charset="0"/>
+                            </a:rPr>
+                            <m:t> </m:t>
+                          </m:r>
+                        </m:e>
+                      </m:nary>
+                      <m:sSub>
+                        <m:sSubPr>
+                          <m:ctrlPr>
+                            <a:rPr lang="en-IN" sz="2800" b="1" i="1">
+                              <a:solidFill>
+                                <a:schemeClr val="tx1"/>
+                              </a:solidFill>
+                              <a:effectLst/>
+                              <a:latin typeface="Cambria Math" panose="02040503050406030204" pitchFamily="18" charset="0"/>
+                              <a:ea typeface="Times New Roman" panose="02020603050405020304" pitchFamily="18" charset="0"/>
+                              <a:cs typeface="Arial" panose="020B0604020202020204" pitchFamily="34" charset="0"/>
+                            </a:rPr>
+                          </m:ctrlPr>
+                        </m:sSubPr>
+                        <m:e>
+                          <m:r>
+                            <a:rPr lang="en-IN" sz="2800" b="1" i="0">
+                              <a:solidFill>
+                                <a:schemeClr val="tx1"/>
+                              </a:solidFill>
+                              <a:effectLst/>
+                              <a:latin typeface="Cambria Math" panose="02040503050406030204" pitchFamily="18" charset="0"/>
+                              <a:ea typeface="Times New Roman" panose="02020603050405020304" pitchFamily="18" charset="0"/>
+                              <a:cs typeface="Arial" panose="020B0604020202020204" pitchFamily="34" charset="0"/>
+                            </a:rPr>
+                            <m:t>𝐖</m:t>
+                          </m:r>
+                        </m:e>
+                        <m:sub>
+                          <m:r>
+                            <a:rPr lang="en-IN" sz="2800" b="1" i="0">
+                              <a:solidFill>
+                                <a:schemeClr val="tx1"/>
+                              </a:solidFill>
+                              <a:effectLst/>
+                              <a:latin typeface="Cambria Math" panose="02040503050406030204" pitchFamily="18" charset="0"/>
+                              <a:ea typeface="Times New Roman" panose="02020603050405020304" pitchFamily="18" charset="0"/>
+                              <a:cs typeface="Arial" panose="020B0604020202020204" pitchFamily="34" charset="0"/>
+                            </a:rPr>
+                            <m:t>𝐤</m:t>
+                          </m:r>
+                        </m:sub>
+                      </m:sSub>
+                      <m:sSub>
+                        <m:sSubPr>
+                          <m:ctrlPr>
+                            <a:rPr lang="en-IN" sz="2800" b="1" i="1">
+                              <a:solidFill>
+                                <a:schemeClr val="tx1"/>
+                              </a:solidFill>
+                              <a:effectLst/>
+                              <a:latin typeface="Cambria Math" panose="02040503050406030204" pitchFamily="18" charset="0"/>
+                              <a:ea typeface="Times New Roman" panose="02020603050405020304" pitchFamily="18" charset="0"/>
+                              <a:cs typeface="Arial" panose="020B0604020202020204" pitchFamily="34" charset="0"/>
+                            </a:rPr>
+                          </m:ctrlPr>
+                        </m:sSubPr>
+                        <m:e>
+                          <m:r>
+                            <a:rPr lang="en-IN" sz="2800" b="1" i="0">
+                              <a:solidFill>
+                                <a:schemeClr val="tx1"/>
+                              </a:solidFill>
+                              <a:effectLst/>
+                              <a:latin typeface="Cambria Math" panose="02040503050406030204" pitchFamily="18" charset="0"/>
+                              <a:ea typeface="Times New Roman" panose="02020603050405020304" pitchFamily="18" charset="0"/>
+                              <a:cs typeface="Arial" panose="020B0604020202020204" pitchFamily="34" charset="0"/>
+                            </a:rPr>
+                            <m:t>𝐬</m:t>
+                          </m:r>
+                        </m:e>
+                        <m:sub>
+                          <m:r>
+                            <a:rPr lang="en-IN" sz="2800" b="1" i="0">
+                              <a:solidFill>
+                                <a:schemeClr val="tx1"/>
+                              </a:solidFill>
+                              <a:effectLst/>
+                              <a:latin typeface="Cambria Math" panose="02040503050406030204" pitchFamily="18" charset="0"/>
+                              <a:ea typeface="Times New Roman" panose="02020603050405020304" pitchFamily="18" charset="0"/>
+                              <a:cs typeface="Arial" panose="020B0604020202020204" pitchFamily="34" charset="0"/>
+                            </a:rPr>
+                            <m:t>𝐤</m:t>
+                          </m:r>
+                        </m:sub>
+                      </m:sSub>
+                      <m:r>
+                        <a:rPr lang="en-IN" sz="2800" b="1" i="0">
+                          <a:solidFill>
+                            <a:schemeClr val="tx1"/>
+                          </a:solidFill>
+                          <a:effectLst/>
+                          <a:latin typeface="Cambria Math" panose="02040503050406030204" pitchFamily="18" charset="0"/>
+                          <a:ea typeface="Times New Roman" panose="02020603050405020304" pitchFamily="18" charset="0"/>
+                          <a:cs typeface="Arial" panose="020B0604020202020204" pitchFamily="34" charset="0"/>
+                        </a:rPr>
+                        <m:t>+</m:t>
+                      </m:r>
+                      <m:sSub>
+                        <m:sSubPr>
+                          <m:ctrlPr>
+                            <a:rPr lang="en-IN" sz="2800" b="1" i="1">
+                              <a:solidFill>
+                                <a:schemeClr val="tx1"/>
+                              </a:solidFill>
+                              <a:effectLst/>
+                              <a:latin typeface="Cambria Math" panose="02040503050406030204" pitchFamily="18" charset="0"/>
+                              <a:ea typeface="Times New Roman" panose="02020603050405020304" pitchFamily="18" charset="0"/>
+                              <a:cs typeface="Arial" panose="020B0604020202020204" pitchFamily="34" charset="0"/>
+                            </a:rPr>
+                          </m:ctrlPr>
+                        </m:sSubPr>
+                        <m:e>
+                          <m:r>
+                            <a:rPr lang="en-IN" sz="2800" b="1" i="0">
+                              <a:solidFill>
+                                <a:schemeClr val="tx1"/>
+                              </a:solidFill>
+                              <a:effectLst/>
+                              <a:latin typeface="Cambria Math" panose="02040503050406030204" pitchFamily="18" charset="0"/>
+                              <a:ea typeface="Times New Roman" panose="02020603050405020304" pitchFamily="18" charset="0"/>
+                              <a:cs typeface="Arial" panose="020B0604020202020204" pitchFamily="34" charset="0"/>
+                            </a:rPr>
+                            <m:t>𝐯</m:t>
+                          </m:r>
+                        </m:e>
+                        <m:sub>
+                          <m:r>
+                            <a:rPr lang="en-IN" sz="2800" b="1" i="0">
+                              <a:solidFill>
+                                <a:schemeClr val="tx1"/>
+                              </a:solidFill>
+                              <a:effectLst/>
+                              <a:latin typeface="Cambria Math" panose="02040503050406030204" pitchFamily="18" charset="0"/>
+                              <a:ea typeface="Times New Roman" panose="02020603050405020304" pitchFamily="18" charset="0"/>
+                              <a:cs typeface="Arial" panose="020B0604020202020204" pitchFamily="34" charset="0"/>
+                            </a:rPr>
+                            <m:t>𝐣</m:t>
+                          </m:r>
+                        </m:sub>
+                      </m:sSub>
+                    </m:oMath>
+                  </m:oMathPara>
+                </a14:m>
+                <a:endParaRPr lang="en-IN" sz="2800" b="1" dirty="0"/>
+              </a:p>
+            </p:txBody>
+          </p:sp>
+        </mc:Choice>
+        <mc:Fallback xmlns="">
+          <p:sp>
+            <p:nvSpPr>
+              <p:cNvPr id="3" name="Content Placeholder 2">
+                <a:extLst>
+                  <a:ext uri="{FF2B5EF4-FFF2-40B4-BE49-F238E27FC236}">
+                    <a16:creationId xmlns:a16="http://schemas.microsoft.com/office/drawing/2014/main" id="{F3EAEEE4-84CB-4D53-BD7E-35808338701B}"/>
+                  </a:ext>
+                </a:extLst>
+              </p:cNvPr>
+              <p:cNvSpPr>
+                <a:spLocks noGrp="1" noRot="1" noChangeAspect="1" noMove="1" noResize="1" noEditPoints="1" noAdjustHandles="1" noChangeArrowheads="1" noChangeShapeType="1" noTextEdit="1"/>
+              </p:cNvSpPr>
+              <p:nvPr>
+                <p:ph idx="1"/>
+              </p:nvPr>
+            </p:nvSpPr>
+            <p:spPr>
+              <a:xfrm>
+                <a:off x="533400" y="1371600"/>
+                <a:ext cx="8610600" cy="4722813"/>
+              </a:xfrm>
+              <a:blipFill>
+                <a:blip r:embed="rId2"/>
+                <a:stretch>
+                  <a:fillRect l="-992"/>
+                </a:stretch>
+              </a:blipFill>
+            </p:spPr>
+            <p:txBody>
+              <a:bodyPr/>
+              <a:lstStyle/>
+              <a:p>
+                <a:r>
+                  <a:rPr lang="en-IN">
+                    <a:noFill/>
+                  </a:rPr>
+                  <a:t> </a:t>
+                </a:r>
+              </a:p>
+            </p:txBody>
+          </p:sp>
+        </mc:Fallback>
+      </mc:AlternateContent>
+      <p:sp>
+        <p:nvSpPr>
+          <p:cNvPr id="5" name="Up Arrow 25">
             <a:extLst>
               <a:ext uri="{FF2B5EF4-FFF2-40B4-BE49-F238E27FC236}">
-                <a16:creationId xmlns:a16="http://schemas.microsoft.com/office/drawing/2014/main" id="{F3EAEEE4-84CB-4D53-BD7E-35808338701B}"/>
+                <a16:creationId xmlns:a16="http://schemas.microsoft.com/office/drawing/2014/main" id="{117ABAAD-D726-42E0-9A6B-B302382605D1}"/>
               </a:ext>
             </a:extLst>
           </p:cNvPr>
-          <p:cNvSpPr>
-            <a:spLocks noGrp="1"/>
-          </p:cNvSpPr>
-          <p:nvPr>
-            <p:ph idx="1"/>
-          </p:nvPr>
+          <p:cNvSpPr/>
+          <p:nvPr/>
+        </p:nvSpPr>
+        <p:spPr bwMode="auto">
+          <a:xfrm>
+            <a:off x="3500775" y="2742546"/>
+            <a:ext cx="609600" cy="1291797"/>
+          </a:xfrm>
+          <a:prstGeom prst="upArrow">
+            <a:avLst/>
+          </a:prstGeom>
+          <a:solidFill>
+            <a:srgbClr val="00B8FF"/>
+          </a:solidFill>
+          <a:ln w="9525" cap="flat" cmpd="sng" algn="ctr">
+            <a:solidFill>
+              <a:schemeClr val="tx1"/>
+            </a:solidFill>
+            <a:prstDash val="solid"/>
+            <a:round/>
+            <a:headEnd type="none" w="med" len="med"/>
+            <a:tailEnd type="none" w="med" len="med"/>
+          </a:ln>
+          <a:effectLst/>
+        </p:spPr>
+        <p:txBody>
+          <a:bodyPr vert="horz" wrap="square" lIns="91440" tIns="45720" rIns="91440" bIns="45720" numCol="1" rtlCol="0" anchor="t" anchorCtr="0" compatLnSpc="1">
+            <a:prstTxWarp prst="textNoShape">
+              <a:avLst/>
+            </a:prstTxWarp>
+          </a:bodyPr>
+          <a:lstStyle/>
+          <a:p>
+            <a:pPr marL="0" marR="0" indent="0" algn="l" defTabSz="449263" rtl="0" eaLnBrk="0" fontAlgn="base" latinLnBrk="0" hangingPunct="0">
+              <a:lnSpc>
+                <a:spcPct val="100000"/>
+              </a:lnSpc>
+              <a:spcBef>
+                <a:spcPct val="0"/>
+              </a:spcBef>
+              <a:spcAft>
+                <a:spcPct val="0"/>
+              </a:spcAft>
+              <a:buClr>
+                <a:srgbClr val="000000"/>
+              </a:buClr>
+              <a:buSzPct val="100000"/>
+              <a:buFont typeface="Times New Roman" pitchFamily="16" charset="0"/>
+              <a:buNone/>
+              <a:tabLst/>
+            </a:pPr>
+            <a:endParaRPr kumimoji="0" lang="en-US" sz="2400" b="0" i="0" u="none" strike="noStrike" cap="none" normalizeH="0" baseline="0">
+              <a:ln>
+                <a:noFill/>
+              </a:ln>
+              <a:solidFill>
+                <a:schemeClr val="bg1"/>
+              </a:solidFill>
+              <a:effectLst/>
+              <a:latin typeface="Times New Roman" pitchFamily="16" charset="0"/>
+            </a:endParaRPr>
+          </a:p>
+        </p:txBody>
+      </p:sp>
+      <p:sp>
+        <p:nvSpPr>
+          <p:cNvPr id="6" name="Up Arrow 26">
+            <a:extLst>
+              <a:ext uri="{FF2B5EF4-FFF2-40B4-BE49-F238E27FC236}">
+                <a16:creationId xmlns:a16="http://schemas.microsoft.com/office/drawing/2014/main" id="{C121C022-6CF2-4128-B3B3-5334E0542543}"/>
+              </a:ext>
+            </a:extLst>
+          </p:cNvPr>
+          <p:cNvSpPr/>
+          <p:nvPr/>
+        </p:nvSpPr>
+        <p:spPr bwMode="auto">
+          <a:xfrm>
+            <a:off x="5316017" y="3042470"/>
+            <a:ext cx="533400" cy="2608088"/>
+          </a:xfrm>
+          <a:prstGeom prst="upArrow">
+            <a:avLst/>
+          </a:prstGeom>
+          <a:solidFill>
+            <a:srgbClr val="00B8FF"/>
+          </a:solidFill>
+          <a:ln w="9525" cap="flat" cmpd="sng" algn="ctr">
+            <a:solidFill>
+              <a:schemeClr val="tx1"/>
+            </a:solidFill>
+            <a:prstDash val="solid"/>
+            <a:round/>
+            <a:headEnd type="none" w="med" len="med"/>
+            <a:tailEnd type="none" w="med" len="med"/>
+          </a:ln>
+          <a:effectLst/>
+        </p:spPr>
+        <p:txBody>
+          <a:bodyPr vert="horz" wrap="square" lIns="91440" tIns="45720" rIns="91440" bIns="45720" numCol="1" rtlCol="0" anchor="t" anchorCtr="0" compatLnSpc="1">
+            <a:prstTxWarp prst="textNoShape">
+              <a:avLst/>
+            </a:prstTxWarp>
+          </a:bodyPr>
+          <a:lstStyle/>
+          <a:p>
+            <a:pPr marL="0" marR="0" indent="0" algn="l" defTabSz="449263" rtl="0" eaLnBrk="0" fontAlgn="base" latinLnBrk="0" hangingPunct="0">
+              <a:lnSpc>
+                <a:spcPct val="100000"/>
+              </a:lnSpc>
+              <a:spcBef>
+                <a:spcPct val="0"/>
+              </a:spcBef>
+              <a:spcAft>
+                <a:spcPct val="0"/>
+              </a:spcAft>
+              <a:buClr>
+                <a:srgbClr val="000000"/>
+              </a:buClr>
+              <a:buSzPct val="100000"/>
+              <a:buFont typeface="Times New Roman" pitchFamily="16" charset="0"/>
+              <a:buNone/>
+              <a:tabLst/>
+            </a:pPr>
+            <a:endParaRPr kumimoji="0" lang="en-US" sz="2400" b="0" i="0" u="none" strike="noStrike" cap="none" normalizeH="0" baseline="0" dirty="0">
+              <a:ln>
+                <a:noFill/>
+              </a:ln>
+              <a:solidFill>
+                <a:schemeClr val="bg1"/>
+              </a:solidFill>
+              <a:effectLst/>
+              <a:latin typeface="Times New Roman" pitchFamily="16" charset="0"/>
+            </a:endParaRPr>
+          </a:p>
+        </p:txBody>
+      </p:sp>
+      <p:sp>
+        <p:nvSpPr>
+          <p:cNvPr id="7" name="Up Arrow 27">
+            <a:extLst>
+              <a:ext uri="{FF2B5EF4-FFF2-40B4-BE49-F238E27FC236}">
+                <a16:creationId xmlns:a16="http://schemas.microsoft.com/office/drawing/2014/main" id="{91EE68C6-7DF0-46D5-9C1B-E3CD4699BF60}"/>
+              </a:ext>
+            </a:extLst>
+          </p:cNvPr>
+          <p:cNvSpPr/>
+          <p:nvPr/>
+        </p:nvSpPr>
+        <p:spPr bwMode="auto">
+          <a:xfrm>
+            <a:off x="7296171" y="2667284"/>
+            <a:ext cx="533400" cy="1523431"/>
+          </a:xfrm>
+          <a:prstGeom prst="upArrow">
+            <a:avLst/>
+          </a:prstGeom>
+          <a:solidFill>
+            <a:srgbClr val="00B8FF"/>
+          </a:solidFill>
+          <a:ln w="9525" cap="flat" cmpd="sng" algn="ctr">
+            <a:solidFill>
+              <a:schemeClr val="tx1"/>
+            </a:solidFill>
+            <a:prstDash val="solid"/>
+            <a:round/>
+            <a:headEnd type="none" w="med" len="med"/>
+            <a:tailEnd type="none" w="med" len="med"/>
+          </a:ln>
+          <a:effectLst/>
+        </p:spPr>
+        <p:txBody>
+          <a:bodyPr vert="horz" wrap="square" lIns="91440" tIns="45720" rIns="91440" bIns="45720" numCol="1" rtlCol="0" anchor="t" anchorCtr="0" compatLnSpc="1">
+            <a:prstTxWarp prst="textNoShape">
+              <a:avLst/>
+            </a:prstTxWarp>
+          </a:bodyPr>
+          <a:lstStyle/>
+          <a:p>
+            <a:pPr marL="0" marR="0" indent="0" algn="l" defTabSz="449263" rtl="0" eaLnBrk="0" fontAlgn="base" latinLnBrk="0" hangingPunct="0">
+              <a:lnSpc>
+                <a:spcPct val="100000"/>
+              </a:lnSpc>
+              <a:spcBef>
+                <a:spcPct val="0"/>
+              </a:spcBef>
+              <a:spcAft>
+                <a:spcPct val="0"/>
+              </a:spcAft>
+              <a:buClr>
+                <a:srgbClr val="000000"/>
+              </a:buClr>
+              <a:buSzPct val="100000"/>
+              <a:buFont typeface="Times New Roman" pitchFamily="16" charset="0"/>
+              <a:buNone/>
+              <a:tabLst/>
+            </a:pPr>
+            <a:endParaRPr kumimoji="0" lang="en-US" sz="2400" b="0" i="0" u="none" strike="noStrike" cap="none" normalizeH="0" baseline="0">
+              <a:ln>
+                <a:noFill/>
+              </a:ln>
+              <a:solidFill>
+                <a:schemeClr val="bg1"/>
+              </a:solidFill>
+              <a:effectLst/>
+              <a:latin typeface="Times New Roman" pitchFamily="16" charset="0"/>
+            </a:endParaRPr>
+          </a:p>
+        </p:txBody>
+      </p:sp>
+      <p:sp>
+        <p:nvSpPr>
+          <p:cNvPr id="8" name="Up Arrow 28">
+            <a:extLst>
+              <a:ext uri="{FF2B5EF4-FFF2-40B4-BE49-F238E27FC236}">
+                <a16:creationId xmlns:a16="http://schemas.microsoft.com/office/drawing/2014/main" id="{8C8868BB-C1ED-4ADF-9F79-A5B5045DEFF1}"/>
+              </a:ext>
+            </a:extLst>
+          </p:cNvPr>
+          <p:cNvSpPr/>
+          <p:nvPr/>
+        </p:nvSpPr>
+        <p:spPr bwMode="auto">
+          <a:xfrm>
+            <a:off x="2329267" y="2727927"/>
+            <a:ext cx="533400" cy="813558"/>
+          </a:xfrm>
+          <a:prstGeom prst="upArrow">
+            <a:avLst/>
+          </a:prstGeom>
+          <a:solidFill>
+            <a:srgbClr val="00B8FF"/>
+          </a:solidFill>
+          <a:ln w="9525" cap="flat" cmpd="sng" algn="ctr">
+            <a:solidFill>
+              <a:schemeClr val="tx1"/>
+            </a:solidFill>
+            <a:prstDash val="solid"/>
+            <a:round/>
+            <a:headEnd type="none" w="med" len="med"/>
+            <a:tailEnd type="none" w="med" len="med"/>
+          </a:ln>
+          <a:effectLst/>
+        </p:spPr>
+        <p:txBody>
+          <a:bodyPr vert="horz" wrap="square" lIns="91440" tIns="45720" rIns="91440" bIns="45720" numCol="1" rtlCol="0" anchor="t" anchorCtr="0" compatLnSpc="1">
+            <a:prstTxWarp prst="textNoShape">
+              <a:avLst/>
+            </a:prstTxWarp>
+          </a:bodyPr>
+          <a:lstStyle/>
+          <a:p>
+            <a:pPr marL="0" marR="0" indent="0" algn="l" defTabSz="449263" rtl="0" eaLnBrk="0" fontAlgn="base" latinLnBrk="0" hangingPunct="0">
+              <a:lnSpc>
+                <a:spcPct val="100000"/>
+              </a:lnSpc>
+              <a:spcBef>
+                <a:spcPct val="0"/>
+              </a:spcBef>
+              <a:spcAft>
+                <a:spcPct val="0"/>
+              </a:spcAft>
+              <a:buClr>
+                <a:srgbClr val="000000"/>
+              </a:buClr>
+              <a:buSzPct val="100000"/>
+              <a:buFont typeface="Times New Roman" pitchFamily="16" charset="0"/>
+              <a:buNone/>
+              <a:tabLst/>
+            </a:pPr>
+            <a:endParaRPr kumimoji="0" lang="en-US" sz="2400" b="0" i="0" u="none" strike="noStrike" cap="none" normalizeH="0" baseline="0">
+              <a:ln>
+                <a:noFill/>
+              </a:ln>
+              <a:solidFill>
+                <a:schemeClr val="bg1"/>
+              </a:solidFill>
+              <a:effectLst/>
+              <a:latin typeface="Times New Roman" pitchFamily="16" charset="0"/>
+            </a:endParaRPr>
+          </a:p>
+        </p:txBody>
+      </p:sp>
+      <p:sp>
+        <p:nvSpPr>
+          <p:cNvPr id="9" name="TextBox 8">
+            <a:extLst>
+              <a:ext uri="{FF2B5EF4-FFF2-40B4-BE49-F238E27FC236}">
+                <a16:creationId xmlns:a16="http://schemas.microsoft.com/office/drawing/2014/main" id="{4DD346DD-87C6-45C7-8D2B-5A69EC4E1E2A}"/>
+              </a:ext>
+            </a:extLst>
+          </p:cNvPr>
+          <p:cNvSpPr txBox="1"/>
+          <p:nvPr/>
         </p:nvSpPr>
         <p:spPr>
           <a:xfrm>
-            <a:off x="533400" y="1371600"/>
-            <a:ext cx="8610600" cy="4953000"/>
-          </a:xfrm>
-        </p:spPr>
+            <a:off x="721964" y="3475051"/>
+            <a:ext cx="2345410" cy="461665"/>
+          </a:xfrm>
+          <a:prstGeom prst="rect">
+            <a:avLst/>
+          </a:prstGeom>
+          <a:ln>
+            <a:noFill/>
+          </a:ln>
+          <a:effectLst>
+            <a:outerShdw blurRad="44450" dist="27940" dir="5400000" algn="ctr">
+              <a:srgbClr val="000000">
+                <a:alpha val="32000"/>
+              </a:srgbClr>
+            </a:outerShdw>
+          </a:effectLst>
+          <a:scene3d>
+            <a:camera prst="orthographicFront">
+              <a:rot lat="0" lon="0" rev="0"/>
+            </a:camera>
+            <a:lightRig rig="balanced" dir="t">
+              <a:rot lat="0" lon="0" rev="8700000"/>
+            </a:lightRig>
+          </a:scene3d>
+          <a:sp3d>
+            <a:bevelT w="190500" h="38100"/>
+          </a:sp3d>
+        </p:spPr>
+        <p:style>
+          <a:lnRef idx="1">
+            <a:schemeClr val="accent1"/>
+          </a:lnRef>
+          <a:fillRef idx="2">
+            <a:schemeClr val="accent1"/>
+          </a:fillRef>
+          <a:effectRef idx="1">
+            <a:schemeClr val="accent1"/>
+          </a:effectRef>
+          <a:fontRef idx="minor">
+            <a:schemeClr val="dk1"/>
+          </a:fontRef>
+        </p:style>
         <p:txBody>
-          <a:bodyPr/>
+          <a:bodyPr wrap="square" rtlCol="0">
+            <a:spAutoFit/>
+          </a:bodyPr>
           <a:lstStyle/>
           <a:p>
-            <a:pPr marL="457200" lvl="0" indent="-457200" algn="just">
-              <a:lnSpc>
-                <a:spcPct val="150000"/>
-              </a:lnSpc>
-              <a:buFont typeface="Wingdings" panose="05000000000000000000" pitchFamily="2" charset="2"/>
-              <a:buChar char="q"/>
-            </a:pPr>
-            <a:r>
-              <a:rPr lang="en-IN" altLang="en-US" sz="2400" dirty="0">
-                <a:cs typeface="Times New Roman" panose="02020603050405020304" pitchFamily="18" charset="0"/>
-              </a:rPr>
-              <a:t>The model consists of a </a:t>
-            </a:r>
-            <a:r>
-              <a:rPr lang="en-IN" altLang="en-US" sz="2400" b="1" dirty="0">
-                <a:cs typeface="Times New Roman" panose="02020603050405020304" pitchFamily="18" charset="0"/>
-              </a:rPr>
-              <a:t>single cell downlink MU MIMO </a:t>
-            </a:r>
-            <a:r>
-              <a:rPr lang="en-IN" altLang="en-US" sz="2400" dirty="0">
-                <a:cs typeface="Times New Roman" panose="02020603050405020304" pitchFamily="18" charset="0"/>
-              </a:rPr>
-              <a:t>network.</a:t>
-            </a:r>
-          </a:p>
-          <a:p>
-            <a:pPr marL="457200" lvl="0" indent="-457200" algn="just">
-              <a:lnSpc>
-                <a:spcPct val="150000"/>
-              </a:lnSpc>
-              <a:buFont typeface="Wingdings" panose="05000000000000000000" pitchFamily="2" charset="2"/>
-              <a:buChar char="q"/>
-            </a:pPr>
-            <a:endParaRPr lang="en-IN" altLang="en-US" sz="2400" dirty="0">
-              <a:cs typeface="Times New Roman" panose="02020603050405020304" pitchFamily="18" charset="0"/>
-            </a:endParaRPr>
-          </a:p>
-          <a:p>
-            <a:pPr marL="457200" lvl="0" indent="-457200" algn="just">
-              <a:lnSpc>
-                <a:spcPct val="150000"/>
-              </a:lnSpc>
-              <a:buFont typeface="Wingdings" panose="05000000000000000000" pitchFamily="2" charset="2"/>
-              <a:buChar char="q"/>
-            </a:pPr>
-            <a:r>
-              <a:rPr lang="en-IN" altLang="en-US" sz="2400" dirty="0">
-                <a:cs typeface="Times New Roman" panose="02020603050405020304" pitchFamily="18" charset="0"/>
-              </a:rPr>
-              <a:t>The Base Station has N</a:t>
-            </a:r>
-            <a:r>
-              <a:rPr lang="en-IN" altLang="en-US" sz="2400" baseline="-25000" dirty="0">
-                <a:cs typeface="Times New Roman" panose="02020603050405020304" pitchFamily="18" charset="0"/>
-              </a:rPr>
-              <a:t>t</a:t>
-            </a:r>
-            <a:r>
-              <a:rPr lang="en-IN" altLang="en-US" sz="2400" dirty="0">
-                <a:cs typeface="Times New Roman" panose="02020603050405020304" pitchFamily="18" charset="0"/>
-              </a:rPr>
-              <a:t> number of transmitting antennas whereas there are </a:t>
-            </a:r>
-            <a:r>
-              <a:rPr lang="en-IN" altLang="en-US" sz="2400" b="1" dirty="0">
-                <a:cs typeface="Times New Roman" panose="02020603050405020304" pitchFamily="18" charset="0"/>
-              </a:rPr>
-              <a:t>K users</a:t>
-            </a:r>
-            <a:r>
-              <a:rPr lang="en-IN" altLang="en-US" sz="2400" dirty="0">
-                <a:cs typeface="Times New Roman" panose="02020603050405020304" pitchFamily="18" charset="0"/>
-              </a:rPr>
-              <a:t> having </a:t>
-            </a:r>
-            <a:r>
-              <a:rPr lang="en-IN" altLang="en-US" sz="2400" b="1" dirty="0">
-                <a:cs typeface="Times New Roman" panose="02020603050405020304" pitchFamily="18" charset="0"/>
-              </a:rPr>
-              <a:t>N</a:t>
-            </a:r>
-            <a:r>
-              <a:rPr lang="en-IN" altLang="en-US" sz="2400" b="1" baseline="-25000" dirty="0">
-                <a:cs typeface="Times New Roman" panose="02020603050405020304" pitchFamily="18" charset="0"/>
-              </a:rPr>
-              <a:t>r </a:t>
-            </a:r>
-            <a:r>
-              <a:rPr lang="en-IN" altLang="en-US" sz="2400" b="1" dirty="0">
-                <a:cs typeface="Times New Roman" panose="02020603050405020304" pitchFamily="18" charset="0"/>
-              </a:rPr>
-              <a:t> receiving antennas </a:t>
-            </a:r>
-            <a:r>
-              <a:rPr lang="en-IN" altLang="en-US" sz="2400" dirty="0">
-                <a:cs typeface="Times New Roman" panose="02020603050405020304" pitchFamily="18" charset="0"/>
-              </a:rPr>
-              <a:t>with them where </a:t>
-            </a:r>
-            <a:r>
-              <a:rPr lang="en-IN" altLang="en-US" sz="2400" b="1" dirty="0">
-                <a:cs typeface="Times New Roman" panose="02020603050405020304" pitchFamily="18" charset="0"/>
-              </a:rPr>
-              <a:t>M</a:t>
-            </a:r>
-            <a:r>
-              <a:rPr lang="en-IN" altLang="en-US" sz="2400" b="1" baseline="-25000" dirty="0">
-                <a:cs typeface="Times New Roman" panose="02020603050405020304" pitchFamily="18" charset="0"/>
-              </a:rPr>
-              <a:t>k</a:t>
-            </a:r>
-            <a:r>
-              <a:rPr lang="en-IN" altLang="en-US" sz="2400" b="1" dirty="0">
-                <a:cs typeface="Times New Roman" panose="02020603050405020304" pitchFamily="18" charset="0"/>
-              </a:rPr>
-              <a:t> receiving antennas will be active at a time </a:t>
-            </a:r>
-            <a:r>
-              <a:rPr lang="en-IN" altLang="en-US" sz="2400" dirty="0">
-                <a:cs typeface="Times New Roman" panose="02020603050405020304" pitchFamily="18" charset="0"/>
-              </a:rPr>
-              <a:t>for a particular user where </a:t>
-            </a:r>
-            <a:r>
-              <a:rPr lang="en-IN" altLang="en-US" sz="2400" b="1" dirty="0">
-                <a:cs typeface="Times New Roman" panose="02020603050405020304" pitchFamily="18" charset="0"/>
-              </a:rPr>
-              <a:t>M</a:t>
-            </a:r>
-            <a:r>
-              <a:rPr lang="en-IN" altLang="en-US" sz="2400" b="1" baseline="-25000" dirty="0">
-                <a:cs typeface="Times New Roman" panose="02020603050405020304" pitchFamily="18" charset="0"/>
-              </a:rPr>
-              <a:t>k</a:t>
-            </a:r>
-            <a:r>
-              <a:rPr lang="en-IN" altLang="en-US" sz="2400" b="1" dirty="0">
-                <a:cs typeface="Times New Roman" panose="02020603050405020304" pitchFamily="18" charset="0"/>
-              </a:rPr>
-              <a:t> &lt;= Nr</a:t>
-            </a:r>
-            <a:r>
-              <a:rPr lang="en-IN" altLang="en-US" sz="2400" b="1" baseline="-25000" dirty="0">
-                <a:cs typeface="Times New Roman" panose="02020603050405020304" pitchFamily="18" charset="0"/>
-              </a:rPr>
-              <a:t> </a:t>
-            </a:r>
-            <a:r>
-              <a:rPr lang="en-IN" altLang="en-US" sz="2400" baseline="-25000" dirty="0">
-                <a:cs typeface="Times New Roman" panose="02020603050405020304" pitchFamily="18" charset="0"/>
-              </a:rPr>
-              <a:t>.</a:t>
+            <a:r>
+              <a:rPr lang="en-GB" dirty="0"/>
+              <a:t>Received signal</a:t>
+            </a:r>
+          </a:p>
+        </p:txBody>
+      </p:sp>
+      <p:sp>
+        <p:nvSpPr>
+          <p:cNvPr id="10" name="TextBox 9">
+            <a:extLst>
+              <a:ext uri="{FF2B5EF4-FFF2-40B4-BE49-F238E27FC236}">
+                <a16:creationId xmlns:a16="http://schemas.microsoft.com/office/drawing/2014/main" id="{E32598F5-06CE-45FF-8AF9-7D7375B3DE30}"/>
+              </a:ext>
+            </a:extLst>
+          </p:cNvPr>
+          <p:cNvSpPr txBox="1"/>
+          <p:nvPr/>
+        </p:nvSpPr>
+        <p:spPr>
+          <a:xfrm>
+            <a:off x="2962809" y="4010827"/>
+            <a:ext cx="2209800" cy="461665"/>
+          </a:xfrm>
+          <a:prstGeom prst="rect">
+            <a:avLst/>
+          </a:prstGeom>
+          <a:solidFill>
+            <a:srgbClr val="00B050"/>
+          </a:solidFill>
+          <a:ln>
+            <a:noFill/>
+          </a:ln>
+          <a:effectLst>
+            <a:outerShdw blurRad="44450" dist="27940" dir="5400000" algn="ctr">
+              <a:srgbClr val="000000">
+                <a:alpha val="32000"/>
+              </a:srgbClr>
+            </a:outerShdw>
+          </a:effectLst>
+          <a:scene3d>
+            <a:camera prst="orthographicFront">
+              <a:rot lat="0" lon="0" rev="0"/>
+            </a:camera>
+            <a:lightRig rig="balanced" dir="t">
+              <a:rot lat="0" lon="0" rev="8700000"/>
+            </a:lightRig>
+          </a:scene3d>
+          <a:sp3d>
+            <a:bevelT w="190500" h="38100"/>
+          </a:sp3d>
+        </p:spPr>
+        <p:style>
+          <a:lnRef idx="1">
+            <a:schemeClr val="accent1"/>
+          </a:lnRef>
+          <a:fillRef idx="2">
+            <a:schemeClr val="accent1"/>
+          </a:fillRef>
+          <a:effectRef idx="1">
+            <a:schemeClr val="accent1"/>
+          </a:effectRef>
+          <a:fontRef idx="minor">
+            <a:schemeClr val="dk1"/>
+          </a:fontRef>
+        </p:style>
+        <p:txBody>
+          <a:bodyPr wrap="square" rtlCol="0">
+            <a:spAutoFit/>
+          </a:bodyPr>
+          <a:lstStyle/>
+          <a:p>
+            <a:r>
+              <a:rPr lang="en-GB" dirty="0"/>
+              <a:t>Desired signal</a:t>
+            </a:r>
+          </a:p>
+        </p:txBody>
+      </p:sp>
+      <p:sp>
+        <p:nvSpPr>
+          <p:cNvPr id="11" name="TextBox 10">
+            <a:extLst>
+              <a:ext uri="{FF2B5EF4-FFF2-40B4-BE49-F238E27FC236}">
+                <a16:creationId xmlns:a16="http://schemas.microsoft.com/office/drawing/2014/main" id="{5F9636CA-229A-4D7A-B690-0649758F1763}"/>
+              </a:ext>
+            </a:extLst>
+          </p:cNvPr>
+          <p:cNvSpPr txBox="1"/>
+          <p:nvPr/>
+        </p:nvSpPr>
+        <p:spPr>
+          <a:xfrm>
+            <a:off x="3715719" y="5405289"/>
+            <a:ext cx="3886200" cy="461665"/>
+          </a:xfrm>
+          <a:prstGeom prst="rect">
+            <a:avLst/>
+          </a:prstGeom>
+          <a:solidFill>
+            <a:srgbClr val="FFC000"/>
+          </a:solidFill>
+          <a:ln>
+            <a:noFill/>
+          </a:ln>
+          <a:effectLst>
+            <a:outerShdw blurRad="44450" dist="27940" dir="5400000" algn="ctr">
+              <a:srgbClr val="000000">
+                <a:alpha val="32000"/>
+              </a:srgbClr>
+            </a:outerShdw>
+          </a:effectLst>
+          <a:scene3d>
+            <a:camera prst="orthographicFront">
+              <a:rot lat="0" lon="0" rev="0"/>
+            </a:camera>
+            <a:lightRig rig="balanced" dir="t">
+              <a:rot lat="0" lon="0" rev="8700000"/>
+            </a:lightRig>
+          </a:scene3d>
+          <a:sp3d>
+            <a:bevelT w="190500" h="38100"/>
+          </a:sp3d>
+        </p:spPr>
+        <p:style>
+          <a:lnRef idx="1">
+            <a:schemeClr val="accent1"/>
+          </a:lnRef>
+          <a:fillRef idx="2">
+            <a:schemeClr val="accent1"/>
+          </a:fillRef>
+          <a:effectRef idx="1">
+            <a:schemeClr val="accent1"/>
+          </a:effectRef>
+          <a:fontRef idx="minor">
+            <a:schemeClr val="dk1"/>
+          </a:fontRef>
+        </p:style>
+        <p:txBody>
+          <a:bodyPr wrap="square" rtlCol="0">
+            <a:spAutoFit/>
+          </a:bodyPr>
+          <a:lstStyle/>
+          <a:p>
+            <a:r>
+              <a:rPr lang="en-GB" dirty="0"/>
+              <a:t>Interfering undesired signals</a:t>
+            </a:r>
+          </a:p>
+        </p:txBody>
+      </p:sp>
+      <p:sp>
+        <p:nvSpPr>
+          <p:cNvPr id="12" name="TextBox 11">
+            <a:extLst>
+              <a:ext uri="{FF2B5EF4-FFF2-40B4-BE49-F238E27FC236}">
+                <a16:creationId xmlns:a16="http://schemas.microsoft.com/office/drawing/2014/main" id="{06E0B9D7-958C-4017-8BEA-829E72EC49A2}"/>
+              </a:ext>
+            </a:extLst>
+          </p:cNvPr>
+          <p:cNvSpPr txBox="1"/>
+          <p:nvPr/>
+        </p:nvSpPr>
+        <p:spPr>
+          <a:xfrm>
+            <a:off x="6705600" y="3705884"/>
+            <a:ext cx="2438400" cy="1200329"/>
+          </a:xfrm>
+          <a:prstGeom prst="rect">
+            <a:avLst/>
+          </a:prstGeom>
+          <a:solidFill>
+            <a:srgbClr val="FF0000"/>
+          </a:solidFill>
+          <a:ln>
+            <a:noFill/>
+          </a:ln>
+          <a:effectLst>
+            <a:outerShdw blurRad="44450" dist="27940" dir="5400000" algn="ctr">
+              <a:srgbClr val="000000">
+                <a:alpha val="32000"/>
+              </a:srgbClr>
+            </a:outerShdw>
+          </a:effectLst>
+          <a:scene3d>
+            <a:camera prst="orthographicFront">
+              <a:rot lat="0" lon="0" rev="0"/>
+            </a:camera>
+            <a:lightRig rig="balanced" dir="t">
+              <a:rot lat="0" lon="0" rev="8700000"/>
+            </a:lightRig>
+          </a:scene3d>
+          <a:sp3d>
+            <a:bevelT w="190500" h="38100"/>
+          </a:sp3d>
+        </p:spPr>
+        <p:style>
+          <a:lnRef idx="1">
+            <a:schemeClr val="accent1"/>
+          </a:lnRef>
+          <a:fillRef idx="2">
+            <a:schemeClr val="accent1"/>
+          </a:fillRef>
+          <a:effectRef idx="1">
+            <a:schemeClr val="accent1"/>
+          </a:effectRef>
+          <a:fontRef idx="minor">
+            <a:schemeClr val="dk1"/>
+          </a:fontRef>
+        </p:style>
+        <p:txBody>
+          <a:bodyPr wrap="square" rtlCol="0">
+            <a:spAutoFit/>
+          </a:bodyPr>
+          <a:lstStyle/>
+          <a:p>
+            <a:r>
+              <a:rPr lang="en-GB" dirty="0"/>
+              <a:t>White zero mean complex gaussian noise</a:t>
             </a:r>
           </a:p>
         </p:txBody>
@@ -19593,7 +19441,7 @@
     </p:spTree>
     <p:extLst>
       <p:ext uri="{BB962C8B-B14F-4D97-AF65-F5344CB8AC3E}">
-        <p14:creationId xmlns:p14="http://schemas.microsoft.com/office/powerpoint/2010/main" val="3785486708"/>
+        <p14:creationId xmlns:p14="http://schemas.microsoft.com/office/powerpoint/2010/main" val="3025024458"/>
       </p:ext>
     </p:extLst>
   </p:cSld>

--- a/Pre final major Btech project presentation.pptx
+++ b/Pre final major Btech project presentation.pptx
@@ -8769,7 +8769,7 @@
                               <a:latin typeface="Cambria Math" panose="02040503050406030204" pitchFamily="18" charset="0"/>
                               <a:cs typeface="Times New Roman" pitchFamily="16" charset="0"/>
                             </a:rPr>
-                            <m:t>𝒊</m:t>
+                            <m:t>𝒓</m:t>
                           </m:r>
                           <m:r>
                             <a:rPr lang="en-US" sz="2400" b="1" i="1" smtClean="0">
@@ -10967,7 +10967,7 @@
                   <a:srgbClr val="0070C0"/>
                 </a:solidFill>
               </a:rPr>
-              <a:t>Nr = 2 , Nt = 4 , users(K) = 5</a:t>
+              <a:t>Nr = 2 , Nt = 4 , users = 5</a:t>
             </a:r>
             <a:endParaRPr lang="en-IN" sz="2000" dirty="0">
               <a:solidFill>
